--- a/OBJECTIVE-C.pptx
+++ b/OBJECTIVE-C.pptx
@@ -5118,6 +5118,9 @@
   <p:clrMapOvr>
     <a:masterClrMapping/>
   </p:clrMapOvr>
+  <p:transition spd="slow">
+    <p:push dir="u"/>
+  </p:transition>
 </p:sld>
 </file>
 
@@ -12043,7 +12046,7 @@
         </p:nvSpPr>
         <p:spPr>
           <a:xfrm>
-            <a:off x="386129" y="366623"/>
+            <a:off x="541295" y="1426798"/>
             <a:ext cx="11109409" cy="2123658"/>
           </a:xfrm>
           <a:prstGeom prst="rect">
@@ -12234,6 +12237,18 @@
   <p:clrMapOvr>
     <a:masterClrMapping/>
   </p:clrMapOvr>
+  <mc:AlternateContent xmlns:mc="http://schemas.openxmlformats.org/markup-compatibility/2006">
+    <mc:Choice xmlns:p14="http://schemas.microsoft.com/office/powerpoint/2010/main" Requires="p14">
+      <p:transition spd="slow" p14:dur="800">
+        <p:circle/>
+      </p:transition>
+    </mc:Choice>
+    <mc:Fallback>
+      <p:transition spd="slow">
+        <p:circle/>
+      </p:transition>
+    </mc:Fallback>
+  </mc:AlternateContent>
 </p:sld>
 </file>
 
@@ -17564,6 +17579,7 @@
                 <a:solidFill>
                   <a:srgbClr val="00FF00"/>
                 </a:solidFill>
+                <a:latin typeface="+mn-lt"/>
               </a:rPr>
               <a:t>SAMPLE : </a:t>
             </a:r>
@@ -17572,6 +17588,7 @@
                 <a:solidFill>
                   <a:srgbClr val="00FF00"/>
                 </a:solidFill>
+                <a:latin typeface="+mn-lt"/>
               </a:rPr>
             </a:br>
             <a:r>
@@ -17579,6 +17596,7 @@
                 <a:solidFill>
                   <a:srgbClr val="00FF00"/>
                 </a:solidFill>
+                <a:latin typeface="+mn-lt"/>
               </a:rPr>
               <a:t>	linear search.</a:t>
             </a:r>
@@ -17587,6 +17605,7 @@
                 <a:solidFill>
                   <a:srgbClr val="00FF00"/>
                 </a:solidFill>
+                <a:latin typeface="+mn-lt"/>
               </a:rPr>
             </a:br>
             <a:r>
@@ -17594,6 +17613,7 @@
                 <a:solidFill>
                   <a:srgbClr val="00FF00"/>
                 </a:solidFill>
+                <a:latin typeface="+mn-lt"/>
               </a:rPr>
               <a:t>	binary search. </a:t>
             </a:r>
@@ -17602,6 +17622,7 @@
                 <a:solidFill>
                   <a:srgbClr val="00FF00"/>
                 </a:solidFill>
+                <a:latin typeface="+mn-lt"/>
               </a:rPr>
             </a:br>
             <a:r>
@@ -17609,6 +17630,7 @@
                 <a:solidFill>
                   <a:srgbClr val="00FF00"/>
                 </a:solidFill>
+                <a:latin typeface="+mn-lt"/>
               </a:rPr>
               <a:t>	Quadratic funcion.</a:t>
             </a:r>
@@ -17804,6 +17826,46 @@
           </a:prstGeom>
         </p:spPr>
       </p:pic>
+      <p:sp>
+        <p:nvSpPr>
+          <p:cNvPr id="3" name="TextBox 2">
+            <a:extLst>
+              <a:ext uri="{FF2B5EF4-FFF2-40B4-BE49-F238E27FC236}">
+                <a16:creationId xmlns:a16="http://schemas.microsoft.com/office/drawing/2014/main" id="{F0D70D6C-1B02-4502-BF37-FCEF9F48490A}"/>
+              </a:ext>
+            </a:extLst>
+          </p:cNvPr>
+          <p:cNvSpPr txBox="1"/>
+          <p:nvPr/>
+        </p:nvSpPr>
+        <p:spPr>
+          <a:xfrm>
+            <a:off x="4273825" y="5141843"/>
+            <a:ext cx="3644348" cy="369332"/>
+          </a:xfrm>
+          <a:prstGeom prst="rect">
+            <a:avLst/>
+          </a:prstGeom>
+          <a:noFill/>
+        </p:spPr>
+        <p:txBody>
+          <a:bodyPr wrap="square" rtlCol="0">
+            <a:spAutoFit/>
+          </a:bodyPr>
+          <a:lstStyle/>
+          <a:p>
+            <a:pPr algn="ctr"/>
+            <a:r>
+              <a:rPr lang="vi-VN" dirty="0">
+                <a:solidFill>
+                  <a:srgbClr val="00FF00"/>
+                </a:solidFill>
+              </a:rPr>
+              <a:t>SPONSORED BY GROUP3</a:t>
+            </a:r>
+          </a:p>
+        </p:txBody>
+      </p:sp>
     </p:spTree>
     <p:extLst>
       <p:ext uri="{BB962C8B-B14F-4D97-AF65-F5344CB8AC3E}">

--- a/OBJECTIVE-C.pptx
+++ b/OBJECTIVE-C.pptx
@@ -22,69 +22,85 @@
     <p:sldId id="295" r:id="rId16"/>
     <p:sldId id="296" r:id="rId17"/>
     <p:sldId id="297" r:id="rId18"/>
-    <p:sldId id="298" r:id="rId19"/>
-    <p:sldId id="299" r:id="rId20"/>
-    <p:sldId id="300" r:id="rId21"/>
-    <p:sldId id="301" r:id="rId22"/>
-    <p:sldId id="302" r:id="rId23"/>
-    <p:sldId id="303" r:id="rId24"/>
-    <p:sldId id="304" r:id="rId25"/>
-    <p:sldId id="305" r:id="rId26"/>
-    <p:sldId id="306" r:id="rId27"/>
-    <p:sldId id="307" r:id="rId28"/>
-    <p:sldId id="308" r:id="rId29"/>
-    <p:sldId id="309" r:id="rId30"/>
-    <p:sldId id="310" r:id="rId31"/>
-    <p:sldId id="312" r:id="rId32"/>
-    <p:sldId id="311" r:id="rId33"/>
-    <p:sldId id="313" r:id="rId34"/>
-    <p:sldId id="314" r:id="rId35"/>
-    <p:sldId id="315" r:id="rId36"/>
-    <p:sldId id="316" r:id="rId37"/>
-    <p:sldId id="317" r:id="rId38"/>
-    <p:sldId id="318" r:id="rId39"/>
-    <p:sldId id="319" r:id="rId40"/>
-    <p:sldId id="320" r:id="rId41"/>
-    <p:sldId id="321" r:id="rId42"/>
-    <p:sldId id="322" r:id="rId43"/>
-    <p:sldId id="323" r:id="rId44"/>
-    <p:sldId id="324" r:id="rId45"/>
-    <p:sldId id="325" r:id="rId46"/>
-    <p:sldId id="326" r:id="rId47"/>
-    <p:sldId id="327" r:id="rId48"/>
-    <p:sldId id="328" r:id="rId49"/>
-    <p:sldId id="329" r:id="rId50"/>
-    <p:sldId id="330" r:id="rId51"/>
-    <p:sldId id="331" r:id="rId52"/>
-    <p:sldId id="332" r:id="rId53"/>
-    <p:sldId id="333" r:id="rId54"/>
-    <p:sldId id="334" r:id="rId55"/>
-    <p:sldId id="335" r:id="rId56"/>
-    <p:sldId id="336" r:id="rId57"/>
-    <p:sldId id="337" r:id="rId58"/>
-    <p:sldId id="272" r:id="rId59"/>
-    <p:sldId id="338" r:id="rId60"/>
-    <p:sldId id="339" r:id="rId61"/>
-    <p:sldId id="340" r:id="rId62"/>
-    <p:sldId id="341" r:id="rId63"/>
-    <p:sldId id="342" r:id="rId64"/>
-    <p:sldId id="343" r:id="rId65"/>
-    <p:sldId id="282" r:id="rId66"/>
-    <p:sldId id="257" r:id="rId67"/>
-    <p:sldId id="259" r:id="rId68"/>
-    <p:sldId id="258" r:id="rId69"/>
-    <p:sldId id="260" r:id="rId70"/>
-    <p:sldId id="261" r:id="rId71"/>
-    <p:sldId id="262" r:id="rId72"/>
-    <p:sldId id="263" r:id="rId73"/>
-    <p:sldId id="264" r:id="rId74"/>
-    <p:sldId id="265" r:id="rId75"/>
-    <p:sldId id="266" r:id="rId76"/>
-    <p:sldId id="267" r:id="rId77"/>
-    <p:sldId id="268" r:id="rId78"/>
-    <p:sldId id="270" r:id="rId79"/>
-    <p:sldId id="271" r:id="rId80"/>
-    <p:sldId id="269" r:id="rId81"/>
+    <p:sldId id="345" r:id="rId19"/>
+    <p:sldId id="298" r:id="rId20"/>
+    <p:sldId id="299" r:id="rId21"/>
+    <p:sldId id="300" r:id="rId22"/>
+    <p:sldId id="301" r:id="rId23"/>
+    <p:sldId id="346" r:id="rId24"/>
+    <p:sldId id="302" r:id="rId25"/>
+    <p:sldId id="303" r:id="rId26"/>
+    <p:sldId id="348" r:id="rId27"/>
+    <p:sldId id="347" r:id="rId28"/>
+    <p:sldId id="349" r:id="rId29"/>
+    <p:sldId id="304" r:id="rId30"/>
+    <p:sldId id="305" r:id="rId31"/>
+    <p:sldId id="306" r:id="rId32"/>
+    <p:sldId id="350" r:id="rId33"/>
+    <p:sldId id="307" r:id="rId34"/>
+    <p:sldId id="308" r:id="rId35"/>
+    <p:sldId id="351" r:id="rId36"/>
+    <p:sldId id="309" r:id="rId37"/>
+    <p:sldId id="310" r:id="rId38"/>
+    <p:sldId id="312" r:id="rId39"/>
+    <p:sldId id="352" r:id="rId40"/>
+    <p:sldId id="311" r:id="rId41"/>
+    <p:sldId id="313" r:id="rId42"/>
+    <p:sldId id="314" r:id="rId43"/>
+    <p:sldId id="315" r:id="rId44"/>
+    <p:sldId id="316" r:id="rId45"/>
+    <p:sldId id="317" r:id="rId46"/>
+    <p:sldId id="318" r:id="rId47"/>
+    <p:sldId id="319" r:id="rId48"/>
+    <p:sldId id="320" r:id="rId49"/>
+    <p:sldId id="321" r:id="rId50"/>
+    <p:sldId id="322" r:id="rId51"/>
+    <p:sldId id="323" r:id="rId52"/>
+    <p:sldId id="353" r:id="rId53"/>
+    <p:sldId id="324" r:id="rId54"/>
+    <p:sldId id="354" r:id="rId55"/>
+    <p:sldId id="358" r:id="rId56"/>
+    <p:sldId id="359" r:id="rId57"/>
+    <p:sldId id="325" r:id="rId58"/>
+    <p:sldId id="326" r:id="rId59"/>
+    <p:sldId id="355" r:id="rId60"/>
+    <p:sldId id="356" r:id="rId61"/>
+    <p:sldId id="327" r:id="rId62"/>
+    <p:sldId id="357" r:id="rId63"/>
+    <p:sldId id="328" r:id="rId64"/>
+    <p:sldId id="329" r:id="rId65"/>
+    <p:sldId id="330" r:id="rId66"/>
+    <p:sldId id="331" r:id="rId67"/>
+    <p:sldId id="332" r:id="rId68"/>
+    <p:sldId id="333" r:id="rId69"/>
+    <p:sldId id="334" r:id="rId70"/>
+    <p:sldId id="335" r:id="rId71"/>
+    <p:sldId id="336" r:id="rId72"/>
+    <p:sldId id="337" r:id="rId73"/>
+    <p:sldId id="272" r:id="rId74"/>
+    <p:sldId id="338" r:id="rId75"/>
+    <p:sldId id="339" r:id="rId76"/>
+    <p:sldId id="340" r:id="rId77"/>
+    <p:sldId id="341" r:id="rId78"/>
+    <p:sldId id="342" r:id="rId79"/>
+    <p:sldId id="343" r:id="rId80"/>
+    <p:sldId id="282" r:id="rId81"/>
+    <p:sldId id="257" r:id="rId82"/>
+    <p:sldId id="259" r:id="rId83"/>
+    <p:sldId id="258" r:id="rId84"/>
+    <p:sldId id="260" r:id="rId85"/>
+    <p:sldId id="261" r:id="rId86"/>
+    <p:sldId id="262" r:id="rId87"/>
+    <p:sldId id="263" r:id="rId88"/>
+    <p:sldId id="264" r:id="rId89"/>
+    <p:sldId id="265" r:id="rId90"/>
+    <p:sldId id="266" r:id="rId91"/>
+    <p:sldId id="267" r:id="rId92"/>
+    <p:sldId id="268" r:id="rId93"/>
+    <p:sldId id="270" r:id="rId94"/>
+    <p:sldId id="271" r:id="rId95"/>
+    <p:sldId id="344" r:id="rId96"/>
+    <p:sldId id="269" r:id="rId97"/>
   </p:sldIdLst>
   <p:sldSz cx="12192000" cy="6858000"/>
   <p:notesSz cx="6858000" cy="9144000"/>
@@ -205,20 +221,28 @@
             <p14:sldId id="295"/>
             <p14:sldId id="296"/>
             <p14:sldId id="297"/>
+            <p14:sldId id="345"/>
             <p14:sldId id="298"/>
             <p14:sldId id="299"/>
             <p14:sldId id="300"/>
             <p14:sldId id="301"/>
+            <p14:sldId id="346"/>
             <p14:sldId id="302"/>
             <p14:sldId id="303"/>
+            <p14:sldId id="348"/>
+            <p14:sldId id="347"/>
+            <p14:sldId id="349"/>
             <p14:sldId id="304"/>
             <p14:sldId id="305"/>
             <p14:sldId id="306"/>
+            <p14:sldId id="350"/>
             <p14:sldId id="307"/>
             <p14:sldId id="308"/>
+            <p14:sldId id="351"/>
             <p14:sldId id="309"/>
             <p14:sldId id="310"/>
             <p14:sldId id="312"/>
+            <p14:sldId id="352"/>
             <p14:sldId id="311"/>
             <p14:sldId id="313"/>
             <p14:sldId id="314"/>
@@ -231,10 +255,17 @@
             <p14:sldId id="321"/>
             <p14:sldId id="322"/>
             <p14:sldId id="323"/>
+            <p14:sldId id="353"/>
             <p14:sldId id="324"/>
+            <p14:sldId id="354"/>
+            <p14:sldId id="358"/>
+            <p14:sldId id="359"/>
             <p14:sldId id="325"/>
             <p14:sldId id="326"/>
+            <p14:sldId id="355"/>
+            <p14:sldId id="356"/>
             <p14:sldId id="327"/>
+            <p14:sldId id="357"/>
             <p14:sldId id="328"/>
             <p14:sldId id="329"/>
             <p14:sldId id="330"/>
@@ -267,6 +298,7 @@
             <p14:sldId id="268"/>
             <p14:sldId id="270"/>
             <p14:sldId id="271"/>
+            <p14:sldId id="344"/>
             <p14:sldId id="269"/>
           </p14:sldIdLst>
         </p14:section>
@@ -3956,6 +3988,14 @@
 <file path=ppt/slides/slide10.xml><?xml version="1.0" encoding="utf-8"?>
 <p:sld xmlns:a="http://schemas.openxmlformats.org/drawingml/2006/main" xmlns:r="http://schemas.openxmlformats.org/officeDocument/2006/relationships" xmlns:p="http://schemas.openxmlformats.org/presentationml/2006/main">
   <p:cSld>
+    <p:bg>
+      <p:bgPr>
+        <a:solidFill>
+          <a:srgbClr val="000000"/>
+        </a:solidFill>
+        <a:effectLst/>
+      </p:bgPr>
+    </p:bg>
     <p:spTree>
       <p:nvGrpSpPr>
         <p:cNvPr id="1" name=""/>
@@ -3972,45 +4012,162 @@
       </p:grpSpPr>
       <p:sp>
         <p:nvSpPr>
-          <p:cNvPr id="4" name="TextBox 3">
-            <a:extLst>
-              <a:ext uri="{FF2B5EF4-FFF2-40B4-BE49-F238E27FC236}">
-                <a16:creationId xmlns:a16="http://schemas.microsoft.com/office/drawing/2014/main" id="{3C6FD1E6-15D2-4296-A885-7E8D8B4AD957}"/>
-              </a:ext>
-            </a:extLst>
-          </p:cNvPr>
-          <p:cNvSpPr txBox="1"/>
-          <p:nvPr/>
+          <p:cNvPr id="73" name="Rectangle 72">
+            <a:extLst>
+              <a:ext uri="{FF2B5EF4-FFF2-40B4-BE49-F238E27FC236}">
+                <a16:creationId xmlns:a16="http://schemas.microsoft.com/office/drawing/2014/main" id="{71B2258F-86CA-4D4D-8270-BC05FCDEBFB3}"/>
+              </a:ext>
+              <a:ext uri="{C183D7F6-B498-43B3-948B-1728B52AA6E4}">
+                <adec:decorative xmlns:adec="http://schemas.microsoft.com/office/drawing/2017/decorative" val="1"/>
+              </a:ext>
+            </a:extLst>
+          </p:cNvPr>
+          <p:cNvSpPr>
+            <a:spLocks noGrp="1" noRot="1" noChangeAspect="1" noMove="1" noResize="1" noEditPoints="1" noAdjustHandles="1" noChangeArrowheads="1" noChangeShapeType="1" noTextEdit="1"/>
+          </p:cNvSpPr>
+          <p:nvPr>
+            <p:extLst>
+              <p:ext uri="{386F3935-93C4-4BCD-93E2-E3B085C9AB24}">
+                <p16:designElem xmlns:p16="http://schemas.microsoft.com/office/powerpoint/2015/main" val="1"/>
+              </p:ext>
+            </p:extLst>
+          </p:nvPr>
         </p:nvSpPr>
         <p:spPr>
           <a:xfrm>
-            <a:off x="4598474" y="2398644"/>
-            <a:ext cx="4615559" cy="830997"/>
+            <a:off x="0" y="0"/>
+            <a:ext cx="12192000" cy="6857999"/>
+          </a:xfrm>
+          <a:prstGeom prst="rect">
+            <a:avLst/>
+          </a:prstGeom>
+          <a:solidFill>
+            <a:srgbClr val="000000"/>
+          </a:solidFill>
+          <a:ln>
+            <a:noFill/>
+          </a:ln>
+        </p:spPr>
+        <p:style>
+          <a:lnRef idx="2">
+            <a:schemeClr val="accent1">
+              <a:shade val="50000"/>
+            </a:schemeClr>
+          </a:lnRef>
+          <a:fillRef idx="1">
+            <a:schemeClr val="accent1"/>
+          </a:fillRef>
+          <a:effectRef idx="0">
+            <a:schemeClr val="accent1"/>
+          </a:effectRef>
+          <a:fontRef idx="minor">
+            <a:schemeClr val="lt1"/>
+          </a:fontRef>
+        </p:style>
+        <p:txBody>
+          <a:bodyPr rtlCol="0" anchor="ctr"/>
+          <a:lstStyle/>
+          <a:p>
+            <a:pPr algn="ctr"/>
+            <a:endParaRPr lang="en-US"/>
+          </a:p>
+        </p:txBody>
+      </p:sp>
+      <p:pic>
+        <p:nvPicPr>
+          <p:cNvPr id="2052" name="Picture 4" descr="Káº¿t quáº£ hÃ¬nh áº£nh cho Manchester Baby">
+            <a:extLst>
+              <a:ext uri="{FF2B5EF4-FFF2-40B4-BE49-F238E27FC236}">
+                <a16:creationId xmlns:a16="http://schemas.microsoft.com/office/drawing/2014/main" id="{D2B3E04C-6ABC-4ECE-9715-FDB5A75966EE}"/>
+              </a:ext>
+            </a:extLst>
+          </p:cNvPr>
+          <p:cNvPicPr>
+            <a:picLocks noChangeAspect="1" noChangeArrowheads="1"/>
+          </p:cNvPicPr>
+          <p:nvPr/>
+        </p:nvPicPr>
+        <p:blipFill rotWithShape="1">
+          <a:blip r:embed="rId2">
+            <a:alphaModFix amt="50000"/>
+            <a:extLst>
+              <a:ext uri="{28A0092B-C50C-407E-A947-70E740481C1C}">
+                <a14:useLocalDpi xmlns:a14="http://schemas.microsoft.com/office/drawing/2010/main" val="0"/>
+              </a:ext>
+            </a:extLst>
+          </a:blip>
+          <a:srcRect l="5719" r="947"/>
+          <a:stretch/>
+        </p:blipFill>
+        <p:spPr bwMode="auto">
+          <a:xfrm>
+            <a:off x="20" y="1"/>
+            <a:ext cx="12191980" cy="6857999"/>
           </a:xfrm>
           <a:prstGeom prst="rect">
             <a:avLst/>
           </a:prstGeom>
           <a:noFill/>
+          <a:extLst>
+            <a:ext uri="{909E8E84-426E-40DD-AFC4-6F175D3DCCD1}">
+              <a14:hiddenFill xmlns:a14="http://schemas.microsoft.com/office/drawing/2010/main">
+                <a:solidFill>
+                  <a:srgbClr val="FFFFFF"/>
+                </a:solidFill>
+              </a14:hiddenFill>
+            </a:ext>
+          </a:extLst>
         </p:spPr>
-        <p:txBody>
-          <a:bodyPr wrap="none" rtlCol="0">
-            <a:spAutoFit/>
+      </p:pic>
+      <p:sp>
+        <p:nvSpPr>
+          <p:cNvPr id="4" name="TextBox 3">
+            <a:extLst>
+              <a:ext uri="{FF2B5EF4-FFF2-40B4-BE49-F238E27FC236}">
+                <a16:creationId xmlns:a16="http://schemas.microsoft.com/office/drawing/2014/main" id="{3C6FD1E6-15D2-4296-A885-7E8D8B4AD957}"/>
+              </a:ext>
+            </a:extLst>
+          </p:cNvPr>
+          <p:cNvSpPr txBox="1"/>
+          <p:nvPr/>
+        </p:nvSpPr>
+        <p:spPr>
+          <a:xfrm>
+            <a:off x="1524000" y="1122362"/>
+            <a:ext cx="9144000" cy="2900518"/>
+          </a:xfrm>
+          <a:prstGeom prst="rect">
+            <a:avLst/>
+          </a:prstGeom>
+        </p:spPr>
+        <p:txBody>
+          <a:bodyPr vert="horz" lIns="91440" tIns="45720" rIns="91440" bIns="45720" rtlCol="0" anchor="b">
+            <a:normAutofit/>
           </a:bodyPr>
           <a:lstStyle/>
           <a:p>
-            <a:r>
-              <a:rPr lang="en-US" sz="4800" dirty="0">
-                <a:solidFill>
-                  <a:srgbClr val="00FF00"/>
-                </a:solidFill>
+            <a:pPr algn="ctr">
+              <a:lnSpc>
+                <a:spcPct val="90000"/>
+              </a:lnSpc>
+              <a:spcBef>
+                <a:spcPct val="0"/>
+              </a:spcBef>
+              <a:spcAft>
+                <a:spcPts val="600"/>
+              </a:spcAft>
+            </a:pPr>
+            <a:r>
+              <a:rPr lang="en-US" sz="6000" dirty="0">
+                <a:solidFill>
+                  <a:srgbClr val="FFFFFF"/>
+                </a:solidFill>
+                <a:latin typeface="+mj-lt"/>
+                <a:ea typeface="+mj-ea"/>
+                <a:cs typeface="+mj-cs"/>
               </a:rPr>
               <a:t>Manchester BABY</a:t>
             </a:r>
-            <a:endParaRPr lang="vi-VN" sz="4800" dirty="0">
-              <a:solidFill>
-                <a:srgbClr val="00FF00"/>
-              </a:solidFill>
-            </a:endParaRPr>
           </a:p>
         </p:txBody>
       </p:sp>
@@ -4022,7 +4179,7 @@
     </p:extLst>
   </p:cSld>
   <p:clrMapOvr>
-    <a:masterClrMapping/>
+    <a:overrideClrMapping bg1="dk1" tx1="lt1" bg2="dk2" tx2="lt2" accent1="accent1" accent2="accent2" accent3="accent3" accent4="accent4" accent5="accent5" accent6="accent6" hlink="hlink" folHlink="folHlink"/>
   </p:clrMapOvr>
 </p:sld>
 </file>
@@ -4058,7 +4215,7 @@
         </p:nvSpPr>
         <p:spPr>
           <a:xfrm>
-            <a:off x="4598474" y="2398644"/>
+            <a:off x="4982788" y="410818"/>
             <a:ext cx="1719060" cy="830997"/>
           </a:xfrm>
           <a:prstGeom prst="rect">
@@ -4088,6 +4245,53 @@
           </a:p>
         </p:txBody>
       </p:sp>
+      <p:pic>
+        <p:nvPicPr>
+          <p:cNvPr id="3080" name="Picture 8" descr="Káº¿t quáº£ hÃ¬nh áº£nh cho Colossus Tommy Flower">
+            <a:extLst>
+              <a:ext uri="{FF2B5EF4-FFF2-40B4-BE49-F238E27FC236}">
+                <a16:creationId xmlns:a16="http://schemas.microsoft.com/office/drawing/2014/main" id="{0FD2B504-B4F4-4578-954E-9A4F14213006}"/>
+              </a:ext>
+            </a:extLst>
+          </p:cNvPr>
+          <p:cNvPicPr>
+            <a:picLocks noChangeAspect="1" noChangeArrowheads="1"/>
+          </p:cNvPicPr>
+          <p:nvPr/>
+        </p:nvPicPr>
+        <p:blipFill>
+          <a:blip r:embed="rId2">
+            <a:extLst>
+              <a:ext uri="{28A0092B-C50C-407E-A947-70E740481C1C}">
+                <a14:useLocalDpi xmlns:a14="http://schemas.microsoft.com/office/drawing/2010/main" val="0"/>
+              </a:ext>
+            </a:extLst>
+          </a:blip>
+          <a:srcRect/>
+          <a:stretch>
+            <a:fillRect/>
+          </a:stretch>
+        </p:blipFill>
+        <p:spPr bwMode="auto">
+          <a:xfrm>
+            <a:off x="3556318" y="1952625"/>
+            <a:ext cx="4572000" cy="2952750"/>
+          </a:xfrm>
+          <a:prstGeom prst="rect">
+            <a:avLst/>
+          </a:prstGeom>
+          <a:noFill/>
+          <a:extLst>
+            <a:ext uri="{909E8E84-426E-40DD-AFC4-6F175D3DCCD1}">
+              <a14:hiddenFill xmlns:a14="http://schemas.microsoft.com/office/drawing/2010/main">
+                <a:solidFill>
+                  <a:srgbClr val="FFFFFF"/>
+                </a:solidFill>
+              </a14:hiddenFill>
+            </a:ext>
+          </a:extLst>
+        </p:spPr>
+      </p:pic>
     </p:spTree>
     <p:extLst>
       <p:ext uri="{BB962C8B-B14F-4D97-AF65-F5344CB8AC3E}">
@@ -4489,7 +4693,7 @@
         </p:nvSpPr>
         <p:spPr>
           <a:xfrm>
-            <a:off x="4598474" y="2398644"/>
+            <a:off x="4611726" y="940905"/>
             <a:ext cx="3652154" cy="830997"/>
           </a:xfrm>
           <a:prstGeom prst="rect">
@@ -4519,6 +4723,100 @@
           </a:p>
         </p:txBody>
       </p:sp>
+      <p:pic>
+        <p:nvPicPr>
+          <p:cNvPr id="4098" name="Picture 2" descr="Káº¿t quáº£ hÃ¬nh áº£nh cho Grace Hopper">
+            <a:extLst>
+              <a:ext uri="{FF2B5EF4-FFF2-40B4-BE49-F238E27FC236}">
+                <a16:creationId xmlns:a16="http://schemas.microsoft.com/office/drawing/2014/main" id="{66AC9BAE-4575-4AE3-9D9B-1C9A9059A813}"/>
+              </a:ext>
+            </a:extLst>
+          </p:cNvPr>
+          <p:cNvPicPr>
+            <a:picLocks noChangeAspect="1" noChangeArrowheads="1"/>
+          </p:cNvPicPr>
+          <p:nvPr/>
+        </p:nvPicPr>
+        <p:blipFill>
+          <a:blip r:embed="rId2">
+            <a:extLst>
+              <a:ext uri="{28A0092B-C50C-407E-A947-70E740481C1C}">
+                <a14:useLocalDpi xmlns:a14="http://schemas.microsoft.com/office/drawing/2010/main" val="0"/>
+              </a:ext>
+            </a:extLst>
+          </a:blip>
+          <a:srcRect/>
+          <a:stretch>
+            <a:fillRect/>
+          </a:stretch>
+        </p:blipFill>
+        <p:spPr bwMode="auto">
+          <a:xfrm>
+            <a:off x="381000" y="2290555"/>
+            <a:ext cx="5715000" cy="3838575"/>
+          </a:xfrm>
+          <a:prstGeom prst="rect">
+            <a:avLst/>
+          </a:prstGeom>
+          <a:noFill/>
+          <a:extLst>
+            <a:ext uri="{909E8E84-426E-40DD-AFC4-6F175D3DCCD1}">
+              <a14:hiddenFill xmlns:a14="http://schemas.microsoft.com/office/drawing/2010/main">
+                <a:solidFill>
+                  <a:srgbClr val="FFFFFF"/>
+                </a:solidFill>
+              </a14:hiddenFill>
+            </a:ext>
+          </a:extLst>
+        </p:spPr>
+      </p:pic>
+      <p:pic>
+        <p:nvPicPr>
+          <p:cNvPr id="4100" name="Picture 4" descr="Káº¿t quáº£ hÃ¬nh áº£nh cho Grace Hopper">
+            <a:extLst>
+              <a:ext uri="{FF2B5EF4-FFF2-40B4-BE49-F238E27FC236}">
+                <a16:creationId xmlns:a16="http://schemas.microsoft.com/office/drawing/2014/main" id="{0A2F3741-3BEA-4111-AF40-41FDD36B9F44}"/>
+              </a:ext>
+            </a:extLst>
+          </p:cNvPr>
+          <p:cNvPicPr>
+            <a:picLocks noChangeAspect="1" noChangeArrowheads="1"/>
+          </p:cNvPicPr>
+          <p:nvPr/>
+        </p:nvPicPr>
+        <p:blipFill>
+          <a:blip r:embed="rId3">
+            <a:extLst>
+              <a:ext uri="{28A0092B-C50C-407E-A947-70E740481C1C}">
+                <a14:useLocalDpi xmlns:a14="http://schemas.microsoft.com/office/drawing/2010/main" val="0"/>
+              </a:ext>
+            </a:extLst>
+          </a:blip>
+          <a:srcRect/>
+          <a:stretch>
+            <a:fillRect/>
+          </a:stretch>
+        </p:blipFill>
+        <p:spPr bwMode="auto">
+          <a:xfrm>
+            <a:off x="6437803" y="2290555"/>
+            <a:ext cx="5676900" cy="3790950"/>
+          </a:xfrm>
+          <a:prstGeom prst="rect">
+            <a:avLst/>
+          </a:prstGeom>
+          <a:noFill/>
+          <a:extLst>
+            <a:ext uri="{909E8E84-426E-40DD-AFC4-6F175D3DCCD1}">
+              <a14:hiddenFill xmlns:a14="http://schemas.microsoft.com/office/drawing/2010/main">
+                <a:solidFill>
+                  <a:srgbClr val="FFFFFF"/>
+                </a:solidFill>
+              </a14:hiddenFill>
+            </a:ext>
+          </a:extLst>
+        </p:spPr>
+      </p:pic>
     </p:spTree>
     <p:extLst>
       <p:ext uri="{BB962C8B-B14F-4D97-AF65-F5344CB8AC3E}">
@@ -4789,10 +5087,10 @@
       </p:grpSpPr>
       <p:sp>
         <p:nvSpPr>
-          <p:cNvPr id="4" name="TextBox 3">
-            <a:extLst>
-              <a:ext uri="{FF2B5EF4-FFF2-40B4-BE49-F238E27FC236}">
-                <a16:creationId xmlns:a16="http://schemas.microsoft.com/office/drawing/2014/main" id="{3C6FD1E6-15D2-4296-A885-7E8D8B4AD957}"/>
+          <p:cNvPr id="3" name="TextBox 2">
+            <a:extLst>
+              <a:ext uri="{FF2B5EF4-FFF2-40B4-BE49-F238E27FC236}">
+                <a16:creationId xmlns:a16="http://schemas.microsoft.com/office/drawing/2014/main" id="{7156D1A0-2122-4C3D-8246-4978E9DF6336}"/>
               </a:ext>
             </a:extLst>
           </p:cNvPr>
@@ -4801,8 +5099,8 @@
         </p:nvSpPr>
         <p:spPr>
           <a:xfrm>
-            <a:off x="5246375" y="2182504"/>
-            <a:ext cx="2386166" cy="830997"/>
+            <a:off x="3185326" y="1490008"/>
+            <a:ext cx="6289977" cy="1323439"/>
           </a:xfrm>
           <a:prstGeom prst="rect">
             <a:avLst/>
@@ -4810,58 +5108,6 @@
           <a:noFill/>
         </p:spPr>
         <p:txBody>
-          <a:bodyPr wrap="none" rtlCol="0">
-            <a:spAutoFit/>
-          </a:bodyPr>
-          <a:lstStyle/>
-          <a:p>
-            <a:r>
-              <a:rPr lang="en-US" sz="4800" dirty="0" err="1">
-                <a:solidFill>
-                  <a:srgbClr val="00FF00"/>
-                </a:solidFill>
-              </a:rPr>
-              <a:t>Algo</a:t>
-            </a:r>
-            <a:r>
-              <a:rPr lang="en-US" sz="4800" dirty="0">
-                <a:solidFill>
-                  <a:srgbClr val="00FF00"/>
-                </a:solidFill>
-              </a:rPr>
-              <a:t> - 58</a:t>
-            </a:r>
-            <a:endParaRPr lang="vi-VN" sz="4800" dirty="0">
-              <a:solidFill>
-                <a:srgbClr val="00FF00"/>
-              </a:solidFill>
-            </a:endParaRPr>
-          </a:p>
-        </p:txBody>
-      </p:sp>
-      <p:sp>
-        <p:nvSpPr>
-          <p:cNvPr id="3" name="TextBox 2">
-            <a:extLst>
-              <a:ext uri="{FF2B5EF4-FFF2-40B4-BE49-F238E27FC236}">
-                <a16:creationId xmlns:a16="http://schemas.microsoft.com/office/drawing/2014/main" id="{7156D1A0-2122-4C3D-8246-4978E9DF6336}"/>
-              </a:ext>
-            </a:extLst>
-          </p:cNvPr>
-          <p:cNvSpPr txBox="1"/>
-          <p:nvPr/>
-        </p:nvSpPr>
-        <p:spPr>
-          <a:xfrm>
-            <a:off x="4615465" y="3013501"/>
-            <a:ext cx="3647987" cy="707886"/>
-          </a:xfrm>
-          <a:prstGeom prst="rect">
-            <a:avLst/>
-          </a:prstGeom>
-          <a:noFill/>
-        </p:spPr>
-        <p:txBody>
           <a:bodyPr wrap="square" rtlCol="0">
             <a:spAutoFit/>
           </a:bodyPr>
@@ -4874,7 +5120,17 @@
                   <a:srgbClr val="00FF00"/>
                 </a:solidFill>
               </a:rPr>
-              <a:t>John Backus</a:t>
+              <a:t>   PRINT *, "Hello World!"</a:t>
+            </a:r>
+          </a:p>
+          <a:p>
+            <a:r>
+              <a:rPr lang="en-US" sz="4000" dirty="0">
+                <a:solidFill>
+                  <a:srgbClr val="00FF00"/>
+                </a:solidFill>
+              </a:rPr>
+              <a:t>       END</a:t>
             </a:r>
             <a:endParaRPr lang="vi-VN" sz="4000" dirty="0">
               <a:solidFill>
@@ -4887,7 +5143,7 @@
     </p:spTree>
     <p:extLst>
       <p:ext uri="{BB962C8B-B14F-4D97-AF65-F5344CB8AC3E}">
-        <p14:creationId xmlns:p14="http://schemas.microsoft.com/office/powerpoint/2010/main" val="1143883763"/>
+        <p14:creationId xmlns:p14="http://schemas.microsoft.com/office/powerpoint/2010/main" val="2276893436"/>
       </p:ext>
     </p:extLst>
   </p:cSld>
@@ -4928,8 +5184,8 @@
         </p:nvSpPr>
         <p:spPr>
           <a:xfrm>
-            <a:off x="4598474" y="2398644"/>
-            <a:ext cx="2107244" cy="830997"/>
+            <a:off x="5246375" y="2182504"/>
+            <a:ext cx="2386166" cy="830997"/>
           </a:xfrm>
           <a:prstGeom prst="rect">
             <a:avLst/>
@@ -4943,12 +5199,20 @@
           <a:lstStyle/>
           <a:p>
             <a:r>
+              <a:rPr lang="en-US" sz="4800" dirty="0" err="1">
+                <a:solidFill>
+                  <a:srgbClr val="00FF00"/>
+                </a:solidFill>
+              </a:rPr>
+              <a:t>Algo</a:t>
+            </a:r>
+            <a:r>
               <a:rPr lang="en-US" sz="4800" dirty="0">
                 <a:solidFill>
                   <a:srgbClr val="00FF00"/>
                 </a:solidFill>
               </a:rPr>
-              <a:t>Algo-60</a:t>
+              <a:t> - 58</a:t>
             </a:r>
             <a:endParaRPr lang="vi-VN" sz="4800" dirty="0">
               <a:solidFill>
@@ -4972,7 +5236,7 @@
         </p:nvSpPr>
         <p:spPr>
           <a:xfrm>
-            <a:off x="3828102" y="3274417"/>
+            <a:off x="4615465" y="3013501"/>
             <a:ext cx="3647987" cy="707886"/>
           </a:xfrm>
           <a:prstGeom prst="rect">
@@ -4993,7 +5257,7 @@
                   <a:srgbClr val="00FF00"/>
                 </a:solidFill>
               </a:rPr>
-              <a:t>DISPLAY()</a:t>
+              <a:t>John Backus</a:t>
             </a:r>
             <a:endParaRPr lang="vi-VN" sz="4000" dirty="0">
               <a:solidFill>
@@ -5006,7 +5270,7 @@
     </p:spTree>
     <p:extLst>
       <p:ext uri="{BB962C8B-B14F-4D97-AF65-F5344CB8AC3E}">
-        <p14:creationId xmlns:p14="http://schemas.microsoft.com/office/powerpoint/2010/main" val="4083937313"/>
+        <p14:creationId xmlns:p14="http://schemas.microsoft.com/office/powerpoint/2010/main" val="1143883763"/>
       </p:ext>
     </p:extLst>
   </p:cSld>
@@ -5155,8 +5419,8 @@
         </p:nvSpPr>
         <p:spPr>
           <a:xfrm>
-            <a:off x="5840576" y="2182504"/>
-            <a:ext cx="1197764" cy="830997"/>
+            <a:off x="4598474" y="2398644"/>
+            <a:ext cx="2107244" cy="830997"/>
           </a:xfrm>
           <a:prstGeom prst="rect">
             <a:avLst/>
@@ -5175,7 +5439,7 @@
                   <a:srgbClr val="00FF00"/>
                 </a:solidFill>
               </a:rPr>
-              <a:t>LISP</a:t>
+              <a:t>Algo-60</a:t>
             </a:r>
             <a:endParaRPr lang="vi-VN" sz="4800" dirty="0">
               <a:solidFill>
@@ -5199,8 +5463,8 @@
         </p:nvSpPr>
         <p:spPr>
           <a:xfrm>
-            <a:off x="4615465" y="3013501"/>
-            <a:ext cx="3647987" cy="1323439"/>
+            <a:off x="3828102" y="3274417"/>
+            <a:ext cx="3647987" cy="707886"/>
           </a:xfrm>
           <a:prstGeom prst="rect">
             <a:avLst/>
@@ -5220,7 +5484,7 @@
                   <a:srgbClr val="00FF00"/>
                 </a:solidFill>
               </a:rPr>
-              <a:t>John McCarthy - MIT</a:t>
+              <a:t>DISPLAY()</a:t>
             </a:r>
             <a:endParaRPr lang="vi-VN" sz="4000" dirty="0">
               <a:solidFill>
@@ -5233,7 +5497,7 @@
     </p:spTree>
     <p:extLst>
       <p:ext uri="{BB962C8B-B14F-4D97-AF65-F5344CB8AC3E}">
-        <p14:creationId xmlns:p14="http://schemas.microsoft.com/office/powerpoint/2010/main" val="1087971010"/>
+        <p14:creationId xmlns:p14="http://schemas.microsoft.com/office/powerpoint/2010/main" val="4083937313"/>
       </p:ext>
     </p:extLst>
   </p:cSld>
@@ -5274,8 +5538,8 @@
         </p:nvSpPr>
         <p:spPr>
           <a:xfrm>
-            <a:off x="0" y="2536447"/>
-            <a:ext cx="12192000" cy="830997"/>
+            <a:off x="5840576" y="2182504"/>
+            <a:ext cx="1197764" cy="830997"/>
           </a:xfrm>
           <a:prstGeom prst="rect">
             <a:avLst/>
@@ -5283,19 +5547,18 @@
           <a:noFill/>
         </p:spPr>
         <p:txBody>
-          <a:bodyPr wrap="square" rtlCol="0">
+          <a:bodyPr wrap="none" rtlCol="0">
             <a:spAutoFit/>
           </a:bodyPr>
           <a:lstStyle/>
           <a:p>
-            <a:pPr algn="ctr"/>
             <a:r>
               <a:rPr lang="en-US" sz="4800" dirty="0">
                 <a:solidFill>
                   <a:srgbClr val="00FF00"/>
                 </a:solidFill>
               </a:rPr>
-              <a:t>Cobol</a:t>
+              <a:t>LISP</a:t>
             </a:r>
             <a:endParaRPr lang="vi-VN" sz="4800" dirty="0">
               <a:solidFill>
@@ -5319,8 +5582,8 @@
         </p:nvSpPr>
         <p:spPr>
           <a:xfrm>
-            <a:off x="0" y="3490557"/>
-            <a:ext cx="12192000" cy="707886"/>
+            <a:off x="4615465" y="3013501"/>
+            <a:ext cx="3647987" cy="1323439"/>
           </a:xfrm>
           <a:prstGeom prst="rect">
             <a:avLst/>
@@ -5340,7 +5603,7 @@
                   <a:srgbClr val="00FF00"/>
                 </a:solidFill>
               </a:rPr>
-              <a:t>Grace Hopper</a:t>
+              <a:t>John McCarthy - MIT</a:t>
             </a:r>
             <a:endParaRPr lang="vi-VN" sz="4000" dirty="0">
               <a:solidFill>
@@ -5353,7 +5616,7 @@
     </p:spTree>
     <p:extLst>
       <p:ext uri="{BB962C8B-B14F-4D97-AF65-F5344CB8AC3E}">
-        <p14:creationId xmlns:p14="http://schemas.microsoft.com/office/powerpoint/2010/main" val="556241737"/>
+        <p14:creationId xmlns:p14="http://schemas.microsoft.com/office/powerpoint/2010/main" val="1087971010"/>
       </p:ext>
     </p:extLst>
   </p:cSld>
@@ -5415,7 +5678,7 @@
                   <a:srgbClr val="00FF00"/>
                 </a:solidFill>
               </a:rPr>
-              <a:t>BASIC</a:t>
+              <a:t>Cobol</a:t>
             </a:r>
             <a:endParaRPr lang="vi-VN" sz="4800" dirty="0">
               <a:solidFill>
@@ -5460,15 +5723,7 @@
                   <a:srgbClr val="00FF00"/>
                 </a:solidFill>
               </a:rPr>
-              <a:t>Thomas Eugene </a:t>
-            </a:r>
-            <a:r>
-              <a:rPr lang="en-US" sz="4000" dirty="0" err="1">
-                <a:solidFill>
-                  <a:srgbClr val="00FF00"/>
-                </a:solidFill>
-              </a:rPr>
-              <a:t>Kurts</a:t>
+              <a:t>Grace Hopper</a:t>
             </a:r>
             <a:endParaRPr lang="vi-VN" sz="4000" dirty="0">
               <a:solidFill>
@@ -5481,7 +5736,7 @@
     </p:spTree>
     <p:extLst>
       <p:ext uri="{BB962C8B-B14F-4D97-AF65-F5344CB8AC3E}">
-        <p14:creationId xmlns:p14="http://schemas.microsoft.com/office/powerpoint/2010/main" val="3311769603"/>
+        <p14:creationId xmlns:p14="http://schemas.microsoft.com/office/powerpoint/2010/main" val="556241737"/>
       </p:ext>
     </p:extLst>
   </p:cSld>
@@ -5510,10 +5765,10 @@
       </p:grpSpPr>
       <p:sp>
         <p:nvSpPr>
-          <p:cNvPr id="4" name="TextBox 3">
-            <a:extLst>
-              <a:ext uri="{FF2B5EF4-FFF2-40B4-BE49-F238E27FC236}">
-                <a16:creationId xmlns:a16="http://schemas.microsoft.com/office/drawing/2014/main" id="{3C6FD1E6-15D2-4296-A885-7E8D8B4AD957}"/>
+          <p:cNvPr id="3" name="TextBox 2">
+            <a:extLst>
+              <a:ext uri="{FF2B5EF4-FFF2-40B4-BE49-F238E27FC236}">
+                <a16:creationId xmlns:a16="http://schemas.microsoft.com/office/drawing/2014/main" id="{7156D1A0-2122-4C3D-8246-4978E9DF6336}"/>
               </a:ext>
             </a:extLst>
           </p:cNvPr>
@@ -5522,8 +5777,8 @@
         </p:nvSpPr>
         <p:spPr>
           <a:xfrm>
-            <a:off x="0" y="2536447"/>
-            <a:ext cx="12192000" cy="830997"/>
+            <a:off x="463826" y="1078661"/>
+            <a:ext cx="12192000" cy="3785652"/>
           </a:xfrm>
           <a:prstGeom prst="rect">
             <a:avLst/>
@@ -5536,67 +5791,63 @@
           </a:bodyPr>
           <a:lstStyle/>
           <a:p>
-            <a:pPr algn="ctr"/>
-            <a:r>
-              <a:rPr lang="en-US" sz="4800" dirty="0">
-                <a:solidFill>
-                  <a:srgbClr val="00FF00"/>
-                </a:solidFill>
-              </a:rPr>
-              <a:t>APL</a:t>
-            </a:r>
-            <a:endParaRPr lang="vi-VN" sz="4800" dirty="0">
-              <a:solidFill>
-                <a:srgbClr val="00FF00"/>
-              </a:solidFill>
-            </a:endParaRPr>
-          </a:p>
-        </p:txBody>
-      </p:sp>
-      <p:sp>
-        <p:nvSpPr>
-          <p:cNvPr id="3" name="TextBox 2">
-            <a:extLst>
-              <a:ext uri="{FF2B5EF4-FFF2-40B4-BE49-F238E27FC236}">
-                <a16:creationId xmlns:a16="http://schemas.microsoft.com/office/drawing/2014/main" id="{7156D1A0-2122-4C3D-8246-4978E9DF6336}"/>
-              </a:ext>
-            </a:extLst>
-          </p:cNvPr>
-          <p:cNvSpPr txBox="1"/>
-          <p:nvPr/>
-        </p:nvSpPr>
-        <p:spPr>
-          <a:xfrm>
-            <a:off x="0" y="3490557"/>
-            <a:ext cx="12192000" cy="707886"/>
-          </a:xfrm>
-          <a:prstGeom prst="rect">
-            <a:avLst/>
-          </a:prstGeom>
-          <a:noFill/>
-        </p:spPr>
-        <p:txBody>
-          <a:bodyPr wrap="square" rtlCol="0">
-            <a:spAutoFit/>
-          </a:bodyPr>
-          <a:lstStyle/>
-          <a:p>
-            <a:pPr algn="ctr"/>
-            <a:r>
-              <a:rPr lang="en-US" sz="4000" dirty="0" err="1">
-                <a:solidFill>
-                  <a:srgbClr val="00FF00"/>
-                </a:solidFill>
-              </a:rPr>
-              <a:t>Lenneth</a:t>
-            </a:r>
             <a:r>
               <a:rPr lang="en-US" sz="4000" dirty="0">
                 <a:solidFill>
                   <a:srgbClr val="00FF00"/>
                 </a:solidFill>
               </a:rPr>
-              <a:t> Iverson</a:t>
+              <a:t>IDENTIFICATION DIVISION.</a:t>
+            </a:r>
+          </a:p>
+          <a:p>
+            <a:r>
+              <a:rPr lang="en-US" sz="4000" dirty="0">
+                <a:solidFill>
+                  <a:srgbClr val="00FF00"/>
+                </a:solidFill>
+              </a:rPr>
+              <a:t>PROGRAM-ID. HELLO-WORLD.</a:t>
+            </a:r>
+          </a:p>
+          <a:p>
+            <a:r>
+              <a:rPr lang="en-US" sz="4000" dirty="0">
+                <a:solidFill>
+                  <a:srgbClr val="00FF00"/>
+                </a:solidFill>
+              </a:rPr>
+              <a:t>* simple hello world program</a:t>
+            </a:r>
+          </a:p>
+          <a:p>
+            <a:r>
+              <a:rPr lang="en-US" sz="4000" dirty="0">
+                <a:solidFill>
+                  <a:srgbClr val="00FF00"/>
+                </a:solidFill>
+              </a:rPr>
+              <a:t>PROCEDURE DIVISION.</a:t>
+            </a:r>
+          </a:p>
+          <a:p>
+            <a:r>
+              <a:rPr lang="en-US" sz="4000" dirty="0">
+                <a:solidFill>
+                  <a:srgbClr val="00FF00"/>
+                </a:solidFill>
+              </a:rPr>
+              <a:t>    DISPLAY 'Hello world!'.</a:t>
+            </a:r>
+          </a:p>
+          <a:p>
+            <a:r>
+              <a:rPr lang="en-US" sz="4000" dirty="0">
+                <a:solidFill>
+                  <a:srgbClr val="00FF00"/>
+                </a:solidFill>
+              </a:rPr>
+              <a:t>    STOP RUN.</a:t>
             </a:r>
             <a:endParaRPr lang="vi-VN" sz="4000" dirty="0">
               <a:solidFill>
@@ -5609,7 +5860,7 @@
     </p:spTree>
     <p:extLst>
       <p:ext uri="{BB962C8B-B14F-4D97-AF65-F5344CB8AC3E}">
-        <p14:creationId xmlns:p14="http://schemas.microsoft.com/office/powerpoint/2010/main" val="3315887882"/>
+        <p14:creationId xmlns:p14="http://schemas.microsoft.com/office/powerpoint/2010/main" val="2152396970"/>
       </p:ext>
     </p:extLst>
   </p:cSld>
@@ -5666,12 +5917,12 @@
           <a:p>
             <a:pPr algn="ctr"/>
             <a:r>
-              <a:rPr lang="en-US" sz="4800" dirty="0" err="1">
-                <a:solidFill>
-                  <a:srgbClr val="00FF00"/>
-                </a:solidFill>
-              </a:rPr>
-              <a:t>Simula</a:t>
+              <a:rPr lang="en-US" sz="4800" dirty="0">
+                <a:solidFill>
+                  <a:srgbClr val="00FF00"/>
+                </a:solidFill>
+              </a:rPr>
+              <a:t>BASIC</a:t>
             </a:r>
             <a:endParaRPr lang="vi-VN" sz="4800" dirty="0">
               <a:solidFill>
@@ -5716,7 +5967,15 @@
                   <a:srgbClr val="00FF00"/>
                 </a:solidFill>
               </a:rPr>
-              <a:t>OOP - 1967</a:t>
+              <a:t>Thomas Eugene </a:t>
+            </a:r>
+            <a:r>
+              <a:rPr lang="en-US" sz="4000" dirty="0" err="1">
+                <a:solidFill>
+                  <a:srgbClr val="00FF00"/>
+                </a:solidFill>
+              </a:rPr>
+              <a:t>Kurts</a:t>
             </a:r>
             <a:endParaRPr lang="vi-VN" sz="4000" dirty="0">
               <a:solidFill>
@@ -5729,7 +5988,7 @@
     </p:spTree>
     <p:extLst>
       <p:ext uri="{BB962C8B-B14F-4D97-AF65-F5344CB8AC3E}">
-        <p14:creationId xmlns:p14="http://schemas.microsoft.com/office/powerpoint/2010/main" val="1720042373"/>
+        <p14:creationId xmlns:p14="http://schemas.microsoft.com/office/powerpoint/2010/main" val="3311769603"/>
       </p:ext>
     </p:extLst>
   </p:cSld>
@@ -5791,7 +6050,7 @@
                   <a:srgbClr val="00FF00"/>
                 </a:solidFill>
               </a:rPr>
-              <a:t>LOGO</a:t>
+              <a:t>APL</a:t>
             </a:r>
             <a:endParaRPr lang="vi-VN" sz="4800" dirty="0">
               <a:solidFill>
@@ -5816,7 +6075,7 @@
         <p:spPr>
           <a:xfrm>
             <a:off x="0" y="3490557"/>
-            <a:ext cx="12192000" cy="461665"/>
+            <a:ext cx="12192000" cy="707886"/>
           </a:xfrm>
           <a:prstGeom prst="rect">
             <a:avLst/>
@@ -5831,46 +6090,22 @@
           <a:p>
             <a:pPr algn="ctr"/>
             <a:r>
-              <a:rPr lang="en-US" sz="2400" dirty="0">
-                <a:solidFill>
-                  <a:srgbClr val="00FF00"/>
-                </a:solidFill>
-              </a:rPr>
-              <a:t>Wally </a:t>
-            </a:r>
-            <a:r>
-              <a:rPr lang="en-US" sz="2400" dirty="0" err="1">
-                <a:solidFill>
-                  <a:srgbClr val="00FF00"/>
-                </a:solidFill>
-              </a:rPr>
-              <a:t>Feurzeig</a:t>
-            </a:r>
-            <a:r>
-              <a:rPr lang="en-US" sz="2400" dirty="0">
-                <a:solidFill>
-                  <a:srgbClr val="00FF00"/>
-                </a:solidFill>
-              </a:rPr>
-              <a:t>, Seymour </a:t>
-            </a:r>
-            <a:r>
-              <a:rPr lang="en-US" sz="2400" dirty="0" err="1">
-                <a:solidFill>
-                  <a:srgbClr val="00FF00"/>
-                </a:solidFill>
-              </a:rPr>
-              <a:t>Papert</a:t>
-            </a:r>
-            <a:r>
-              <a:rPr lang="en-US" sz="2400" dirty="0">
-                <a:solidFill>
-                  <a:srgbClr val="00FF00"/>
-                </a:solidFill>
-              </a:rPr>
-              <a:t> and Cynthia Solomon</a:t>
-            </a:r>
-            <a:endParaRPr lang="vi-VN" sz="4800" dirty="0">
+              <a:rPr lang="en-US" sz="4000" dirty="0" err="1">
+                <a:solidFill>
+                  <a:srgbClr val="00FF00"/>
+                </a:solidFill>
+              </a:rPr>
+              <a:t>Lenneth</a:t>
+            </a:r>
+            <a:r>
+              <a:rPr lang="en-US" sz="4000" dirty="0">
+                <a:solidFill>
+                  <a:srgbClr val="00FF00"/>
+                </a:solidFill>
+              </a:rPr>
+              <a:t> Iverson</a:t>
+            </a:r>
+            <a:endParaRPr lang="vi-VN" sz="4000" dirty="0">
               <a:solidFill>
                 <a:srgbClr val="00FF00"/>
               </a:solidFill>
@@ -5881,7 +6116,7 @@
     </p:spTree>
     <p:extLst>
       <p:ext uri="{BB962C8B-B14F-4D97-AF65-F5344CB8AC3E}">
-        <p14:creationId xmlns:p14="http://schemas.microsoft.com/office/powerpoint/2010/main" val="131180653"/>
+        <p14:creationId xmlns:p14="http://schemas.microsoft.com/office/powerpoint/2010/main" val="3315887882"/>
       </p:ext>
     </p:extLst>
   </p:cSld>
@@ -5910,51 +6145,6 @@
       </p:grpSpPr>
       <p:sp>
         <p:nvSpPr>
-          <p:cNvPr id="4" name="TextBox 3">
-            <a:extLst>
-              <a:ext uri="{FF2B5EF4-FFF2-40B4-BE49-F238E27FC236}">
-                <a16:creationId xmlns:a16="http://schemas.microsoft.com/office/drawing/2014/main" id="{3C6FD1E6-15D2-4296-A885-7E8D8B4AD957}"/>
-              </a:ext>
-            </a:extLst>
-          </p:cNvPr>
-          <p:cNvSpPr txBox="1"/>
-          <p:nvPr/>
-        </p:nvSpPr>
-        <p:spPr>
-          <a:xfrm>
-            <a:off x="0" y="2536447"/>
-            <a:ext cx="12192000" cy="830997"/>
-          </a:xfrm>
-          <a:prstGeom prst="rect">
-            <a:avLst/>
-          </a:prstGeom>
-          <a:noFill/>
-        </p:spPr>
-        <p:txBody>
-          <a:bodyPr wrap="square" rtlCol="0">
-            <a:spAutoFit/>
-          </a:bodyPr>
-          <a:lstStyle/>
-          <a:p>
-            <a:pPr algn="ctr"/>
-            <a:r>
-              <a:rPr lang="en-US" sz="4800" dirty="0">
-                <a:solidFill>
-                  <a:srgbClr val="00FF00"/>
-                </a:solidFill>
-              </a:rPr>
-              <a:t>Pascal</a:t>
-            </a:r>
-            <a:endParaRPr lang="vi-VN" sz="4800" dirty="0">
-              <a:solidFill>
-                <a:srgbClr val="00FF00"/>
-              </a:solidFill>
-            </a:endParaRPr>
-          </a:p>
-        </p:txBody>
-      </p:sp>
-      <p:sp>
-        <p:nvSpPr>
           <p:cNvPr id="3" name="TextBox 2">
             <a:extLst>
               <a:ext uri="{FF2B5EF4-FFF2-40B4-BE49-F238E27FC236}">
@@ -5988,7 +6178,7 @@
                   <a:srgbClr val="00FF00"/>
                 </a:solidFill>
               </a:rPr>
-              <a:t>Niklaus Wirth</a:t>
+              <a:t>'Hello World'</a:t>
             </a:r>
             <a:endParaRPr lang="vi-VN" sz="4000" dirty="0">
               <a:solidFill>
@@ -6001,7 +6191,7 @@
     </p:spTree>
     <p:extLst>
       <p:ext uri="{BB962C8B-B14F-4D97-AF65-F5344CB8AC3E}">
-        <p14:creationId xmlns:p14="http://schemas.microsoft.com/office/powerpoint/2010/main" val="932903526"/>
+        <p14:creationId xmlns:p14="http://schemas.microsoft.com/office/powerpoint/2010/main" val="2533113856"/>
       </p:ext>
     </p:extLst>
   </p:cSld>
@@ -6042,7 +6232,7 @@
         </p:nvSpPr>
         <p:spPr>
           <a:xfrm>
-            <a:off x="0" y="2536447"/>
+            <a:off x="-145773" y="1449768"/>
             <a:ext cx="12192000" cy="830997"/>
           </a:xfrm>
           <a:prstGeom prst="rect">
@@ -6063,7 +6253,7 @@
                   <a:srgbClr val="00FF00"/>
                 </a:solidFill>
               </a:rPr>
-              <a:t>Smalltalk</a:t>
+              <a:t>APL Keyboard</a:t>
             </a:r>
             <a:endParaRPr lang="vi-VN" sz="4800" dirty="0">
               <a:solidFill>
@@ -6073,55 +6263,57 @@
           </a:p>
         </p:txBody>
       </p:sp>
-      <p:sp>
-        <p:nvSpPr>
-          <p:cNvPr id="3" name="TextBox 2">
-            <a:extLst>
-              <a:ext uri="{FF2B5EF4-FFF2-40B4-BE49-F238E27FC236}">
-                <a16:creationId xmlns:a16="http://schemas.microsoft.com/office/drawing/2014/main" id="{7156D1A0-2122-4C3D-8246-4978E9DF6336}"/>
-              </a:ext>
-            </a:extLst>
-          </p:cNvPr>
-          <p:cNvSpPr txBox="1"/>
+      <p:pic>
+        <p:nvPicPr>
+          <p:cNvPr id="8194" name="Picture 2" descr="Káº¿t quáº£ hÃ¬nh áº£nh cho APL keyboard">
+            <a:extLst>
+              <a:ext uri="{FF2B5EF4-FFF2-40B4-BE49-F238E27FC236}">
+                <a16:creationId xmlns:a16="http://schemas.microsoft.com/office/drawing/2014/main" id="{3EE95894-B3D6-443F-A928-0AE8C9769862}"/>
+              </a:ext>
+            </a:extLst>
+          </p:cNvPr>
+          <p:cNvPicPr>
+            <a:picLocks noChangeAspect="1" noChangeArrowheads="1"/>
+          </p:cNvPicPr>
           <p:nvPr/>
-        </p:nvSpPr>
-        <p:spPr>
+        </p:nvPicPr>
+        <p:blipFill>
+          <a:blip r:embed="rId2">
+            <a:extLst>
+              <a:ext uri="{28A0092B-C50C-407E-A947-70E740481C1C}">
+                <a14:useLocalDpi xmlns:a14="http://schemas.microsoft.com/office/drawing/2010/main" val="0"/>
+              </a:ext>
+            </a:extLst>
+          </a:blip>
+          <a:srcRect/>
+          <a:stretch>
+            <a:fillRect/>
+          </a:stretch>
+        </p:blipFill>
+        <p:spPr bwMode="auto">
           <a:xfrm>
-            <a:off x="0" y="3490557"/>
-            <a:ext cx="12192000" cy="707886"/>
+            <a:off x="2993129" y="3100861"/>
+            <a:ext cx="6391275" cy="2952750"/>
           </a:xfrm>
           <a:prstGeom prst="rect">
             <a:avLst/>
           </a:prstGeom>
           <a:noFill/>
+          <a:extLst>
+            <a:ext uri="{909E8E84-426E-40DD-AFC4-6F175D3DCCD1}">
+              <a14:hiddenFill xmlns:a14="http://schemas.microsoft.com/office/drawing/2010/main">
+                <a:solidFill>
+                  <a:srgbClr val="FFFFFF"/>
+                </a:solidFill>
+              </a14:hiddenFill>
+            </a:ext>
+          </a:extLst>
         </p:spPr>
-        <p:txBody>
-          <a:bodyPr wrap="square" rtlCol="0">
-            <a:spAutoFit/>
-          </a:bodyPr>
-          <a:lstStyle/>
-          <a:p>
-            <a:pPr algn="ctr"/>
-            <a:r>
-              <a:rPr lang="en-US" sz="4000" dirty="0">
-                <a:solidFill>
-                  <a:srgbClr val="00FF00"/>
-                </a:solidFill>
-              </a:rPr>
-              <a:t>1972</a:t>
-            </a:r>
-            <a:endParaRPr lang="vi-VN" sz="4000" dirty="0">
-              <a:solidFill>
-                <a:srgbClr val="00FF00"/>
-              </a:solidFill>
-            </a:endParaRPr>
-          </a:p>
-        </p:txBody>
-      </p:sp>
+      </p:pic>
     </p:spTree>
     <p:extLst>
       <p:ext uri="{BB962C8B-B14F-4D97-AF65-F5344CB8AC3E}">
-        <p14:creationId xmlns:p14="http://schemas.microsoft.com/office/powerpoint/2010/main" val="3258250301"/>
+        <p14:creationId xmlns:p14="http://schemas.microsoft.com/office/powerpoint/2010/main" val="1293184841"/>
       </p:ext>
     </p:extLst>
   </p:cSld>
@@ -6150,51 +6342,6 @@
       </p:grpSpPr>
       <p:sp>
         <p:nvSpPr>
-          <p:cNvPr id="4" name="TextBox 3">
-            <a:extLst>
-              <a:ext uri="{FF2B5EF4-FFF2-40B4-BE49-F238E27FC236}">
-                <a16:creationId xmlns:a16="http://schemas.microsoft.com/office/drawing/2014/main" id="{3C6FD1E6-15D2-4296-A885-7E8D8B4AD957}"/>
-              </a:ext>
-            </a:extLst>
-          </p:cNvPr>
-          <p:cNvSpPr txBox="1"/>
-          <p:nvPr/>
-        </p:nvSpPr>
-        <p:spPr>
-          <a:xfrm>
-            <a:off x="0" y="2536447"/>
-            <a:ext cx="12192000" cy="830997"/>
-          </a:xfrm>
-          <a:prstGeom prst="rect">
-            <a:avLst/>
-          </a:prstGeom>
-          <a:noFill/>
-        </p:spPr>
-        <p:txBody>
-          <a:bodyPr wrap="square" rtlCol="0">
-            <a:spAutoFit/>
-          </a:bodyPr>
-          <a:lstStyle/>
-          <a:p>
-            <a:pPr algn="ctr"/>
-            <a:r>
-              <a:rPr lang="en-US" sz="4800" dirty="0">
-                <a:solidFill>
-                  <a:srgbClr val="00FF00"/>
-                </a:solidFill>
-              </a:rPr>
-              <a:t>C</a:t>
-            </a:r>
-            <a:endParaRPr lang="vi-VN" sz="4800" dirty="0">
-              <a:solidFill>
-                <a:srgbClr val="00FF00"/>
-              </a:solidFill>
-            </a:endParaRPr>
-          </a:p>
-        </p:txBody>
-      </p:sp>
-      <p:sp>
-        <p:nvSpPr>
           <p:cNvPr id="3" name="TextBox 2">
             <a:extLst>
               <a:ext uri="{FF2B5EF4-FFF2-40B4-BE49-F238E27FC236}">
@@ -6228,7 +6375,7 @@
                   <a:srgbClr val="00FF00"/>
                 </a:solidFill>
               </a:rPr>
-              <a:t>Dennis Ritchie</a:t>
+              <a:t>life←{⍝↑1 ⍵∨.∧3 4=+/,¯1 0 1∘.⊖¯1 0 1∘.⌽⊂⍵  ⍝}</a:t>
             </a:r>
             <a:endParaRPr lang="vi-VN" sz="4000" dirty="0">
               <a:solidFill>
@@ -6241,7 +6388,7 @@
     </p:spTree>
     <p:extLst>
       <p:ext uri="{BB962C8B-B14F-4D97-AF65-F5344CB8AC3E}">
-        <p14:creationId xmlns:p14="http://schemas.microsoft.com/office/powerpoint/2010/main" val="3137032206"/>
+        <p14:creationId xmlns:p14="http://schemas.microsoft.com/office/powerpoint/2010/main" val="1913177922"/>
       </p:ext>
     </p:extLst>
   </p:cSld>
@@ -6298,12 +6445,12 @@
           <a:p>
             <a:pPr algn="ctr"/>
             <a:r>
-              <a:rPr lang="en-US" sz="4800" dirty="0">
-                <a:solidFill>
-                  <a:srgbClr val="00FF00"/>
-                </a:solidFill>
-              </a:rPr>
-              <a:t>Prolog</a:t>
+              <a:rPr lang="en-US" sz="4800" dirty="0" err="1">
+                <a:solidFill>
+                  <a:srgbClr val="00FF00"/>
+                </a:solidFill>
+              </a:rPr>
+              <a:t>Simula</a:t>
             </a:r>
             <a:endParaRPr lang="vi-VN" sz="4800" dirty="0">
               <a:solidFill>
@@ -6348,15 +6495,7 @@
                   <a:srgbClr val="00FF00"/>
                 </a:solidFill>
               </a:rPr>
-              <a:t>Alan </a:t>
-            </a:r>
-            <a:r>
-              <a:rPr lang="en-US" sz="4000" dirty="0" err="1">
-                <a:solidFill>
-                  <a:srgbClr val="00FF00"/>
-                </a:solidFill>
-              </a:rPr>
-              <a:t>Colmerauers</a:t>
+              <a:t>OOP - 1967</a:t>
             </a:r>
             <a:endParaRPr lang="vi-VN" sz="4000" dirty="0">
               <a:solidFill>
@@ -6369,7 +6508,7 @@
     </p:spTree>
     <p:extLst>
       <p:ext uri="{BB962C8B-B14F-4D97-AF65-F5344CB8AC3E}">
-        <p14:creationId xmlns:p14="http://schemas.microsoft.com/office/powerpoint/2010/main" val="2980840636"/>
+        <p14:creationId xmlns:p14="http://schemas.microsoft.com/office/powerpoint/2010/main" val="1720042373"/>
       </p:ext>
     </p:extLst>
   </p:cSld>
@@ -6740,7 +6879,7 @@
                   <a:srgbClr val="00FF00"/>
                 </a:solidFill>
               </a:rPr>
-              <a:t>SQL</a:t>
+              <a:t>LOGO</a:t>
             </a:r>
             <a:endParaRPr lang="vi-VN" sz="4800" dirty="0">
               <a:solidFill>
@@ -6765,7 +6904,7 @@
         <p:spPr>
           <a:xfrm>
             <a:off x="0" y="3490557"/>
-            <a:ext cx="12192000" cy="707886"/>
+            <a:ext cx="12192000" cy="461665"/>
           </a:xfrm>
           <a:prstGeom prst="rect">
             <a:avLst/>
@@ -6780,14 +6919,46 @@
           <a:p>
             <a:pPr algn="ctr"/>
             <a:r>
-              <a:rPr lang="en-US" sz="4000" dirty="0">
-                <a:solidFill>
-                  <a:srgbClr val="00FF00"/>
-                </a:solidFill>
-              </a:rPr>
-              <a:t>IBM</a:t>
-            </a:r>
-            <a:endParaRPr lang="vi-VN" sz="4000" dirty="0">
+              <a:rPr lang="en-US" sz="2400" dirty="0">
+                <a:solidFill>
+                  <a:srgbClr val="00FF00"/>
+                </a:solidFill>
+              </a:rPr>
+              <a:t>Wally </a:t>
+            </a:r>
+            <a:r>
+              <a:rPr lang="en-US" sz="2400" dirty="0" err="1">
+                <a:solidFill>
+                  <a:srgbClr val="00FF00"/>
+                </a:solidFill>
+              </a:rPr>
+              <a:t>Feurzeig</a:t>
+            </a:r>
+            <a:r>
+              <a:rPr lang="en-US" sz="2400" dirty="0">
+                <a:solidFill>
+                  <a:srgbClr val="00FF00"/>
+                </a:solidFill>
+              </a:rPr>
+              <a:t>, Seymour </a:t>
+            </a:r>
+            <a:r>
+              <a:rPr lang="en-US" sz="2400" dirty="0" err="1">
+                <a:solidFill>
+                  <a:srgbClr val="00FF00"/>
+                </a:solidFill>
+              </a:rPr>
+              <a:t>Papert</a:t>
+            </a:r>
+            <a:r>
+              <a:rPr lang="en-US" sz="2400" dirty="0">
+                <a:solidFill>
+                  <a:srgbClr val="00FF00"/>
+                </a:solidFill>
+              </a:rPr>
+              <a:t> and Cynthia Solomon</a:t>
+            </a:r>
+            <a:endParaRPr lang="vi-VN" sz="4800" dirty="0">
               <a:solidFill>
                 <a:srgbClr val="00FF00"/>
               </a:solidFill>
@@ -6798,7 +6969,7 @@
     </p:spTree>
     <p:extLst>
       <p:ext uri="{BB962C8B-B14F-4D97-AF65-F5344CB8AC3E}">
-        <p14:creationId xmlns:p14="http://schemas.microsoft.com/office/powerpoint/2010/main" val="3007382811"/>
+        <p14:creationId xmlns:p14="http://schemas.microsoft.com/office/powerpoint/2010/main" val="131180653"/>
       </p:ext>
     </p:extLst>
   </p:cSld>
@@ -6840,7 +7011,7 @@
         <p:spPr>
           <a:xfrm>
             <a:off x="0" y="2536447"/>
-            <a:ext cx="12192000" cy="584775"/>
+            <a:ext cx="12192000" cy="830997"/>
           </a:xfrm>
           <a:prstGeom prst="rect">
             <a:avLst/>
@@ -6855,14 +7026,14 @@
           <a:p>
             <a:pPr algn="ctr"/>
             <a:r>
-              <a:rPr lang="en-US" sz="3200" dirty="0">
-                <a:solidFill>
-                  <a:srgbClr val="00FF00"/>
-                </a:solidFill>
-              </a:rPr>
-              <a:t>Compiler Language With No Pronounceable Acronym (INTERCAL)</a:t>
-            </a:r>
-            <a:endParaRPr lang="vi-VN" sz="7200" dirty="0">
+              <a:rPr lang="en-US" sz="4800" dirty="0">
+                <a:solidFill>
+                  <a:srgbClr val="00FF00"/>
+                </a:solidFill>
+              </a:rPr>
+              <a:t>Pascal</a:t>
+            </a:r>
+            <a:endParaRPr lang="vi-VN" sz="4800" dirty="0">
               <a:solidFill>
                 <a:srgbClr val="00FF00"/>
               </a:solidFill>
@@ -6905,7 +7076,7 @@
                   <a:srgbClr val="00FF00"/>
                 </a:solidFill>
               </a:rPr>
-              <a:t>IBM</a:t>
+              <a:t>Niklaus Wirth</a:t>
             </a:r>
             <a:endParaRPr lang="vi-VN" sz="4000" dirty="0">
               <a:solidFill>
@@ -6918,7 +7089,7 @@
     </p:spTree>
     <p:extLst>
       <p:ext uri="{BB962C8B-B14F-4D97-AF65-F5344CB8AC3E}">
-        <p14:creationId xmlns:p14="http://schemas.microsoft.com/office/powerpoint/2010/main" val="3153304864"/>
+        <p14:creationId xmlns:p14="http://schemas.microsoft.com/office/powerpoint/2010/main" val="932903526"/>
       </p:ext>
     </p:extLst>
   </p:cSld>
@@ -6947,10 +7118,10 @@
       </p:grpSpPr>
       <p:sp>
         <p:nvSpPr>
-          <p:cNvPr id="4" name="TextBox 3">
-            <a:extLst>
-              <a:ext uri="{FF2B5EF4-FFF2-40B4-BE49-F238E27FC236}">
-                <a16:creationId xmlns:a16="http://schemas.microsoft.com/office/drawing/2014/main" id="{3C6FD1E6-15D2-4296-A885-7E8D8B4AD957}"/>
+          <p:cNvPr id="3" name="TextBox 2">
+            <a:extLst>
+              <a:ext uri="{FF2B5EF4-FFF2-40B4-BE49-F238E27FC236}">
+                <a16:creationId xmlns:a16="http://schemas.microsoft.com/office/drawing/2014/main" id="{7156D1A0-2122-4C3D-8246-4978E9DF6336}"/>
               </a:ext>
             </a:extLst>
           </p:cNvPr>
@@ -6959,8 +7130,8 @@
         </p:nvSpPr>
         <p:spPr>
           <a:xfrm>
-            <a:off x="0" y="2536447"/>
-            <a:ext cx="12192000" cy="830997"/>
+            <a:off x="1205948" y="1476226"/>
+            <a:ext cx="12192000" cy="2554545"/>
           </a:xfrm>
           <a:prstGeom prst="rect">
             <a:avLst/>
@@ -6973,59 +7144,59 @@
           </a:bodyPr>
           <a:lstStyle/>
           <a:p>
-            <a:pPr algn="ctr"/>
-            <a:r>
-              <a:rPr lang="en-US" sz="4800" dirty="0">
-                <a:solidFill>
-                  <a:srgbClr val="00FF00"/>
-                </a:solidFill>
-              </a:rPr>
-              <a:t>ML</a:t>
-            </a:r>
-            <a:endParaRPr lang="vi-VN" sz="4800" dirty="0">
-              <a:solidFill>
-                <a:srgbClr val="00FF00"/>
-              </a:solidFill>
-            </a:endParaRPr>
-          </a:p>
-        </p:txBody>
-      </p:sp>
-      <p:sp>
-        <p:nvSpPr>
-          <p:cNvPr id="3" name="TextBox 2">
-            <a:extLst>
-              <a:ext uri="{FF2B5EF4-FFF2-40B4-BE49-F238E27FC236}">
-                <a16:creationId xmlns:a16="http://schemas.microsoft.com/office/drawing/2014/main" id="{7156D1A0-2122-4C3D-8246-4978E9DF6336}"/>
-              </a:ext>
-            </a:extLst>
-          </p:cNvPr>
-          <p:cNvSpPr txBox="1"/>
-          <p:nvPr/>
-        </p:nvSpPr>
-        <p:spPr>
-          <a:xfrm>
-            <a:off x="0" y="3490557"/>
-            <a:ext cx="12192000" cy="707886"/>
-          </a:xfrm>
-          <a:prstGeom prst="rect">
-            <a:avLst/>
-          </a:prstGeom>
-          <a:noFill/>
-        </p:spPr>
-        <p:txBody>
-          <a:bodyPr wrap="square" rtlCol="0">
-            <a:spAutoFit/>
-          </a:bodyPr>
-          <a:lstStyle/>
-          <a:p>
-            <a:pPr algn="ctr"/>
             <a:r>
               <a:rPr lang="en-US" sz="4000" dirty="0">
                 <a:solidFill>
                   <a:srgbClr val="00FF00"/>
                 </a:solidFill>
               </a:rPr>
-              <a:t>Robin Milner</a:t>
+              <a:t>program Hello;</a:t>
+            </a:r>
+          </a:p>
+          <a:p>
+            <a:r>
+              <a:rPr lang="en-US" sz="4000" dirty="0">
+                <a:solidFill>
+                  <a:srgbClr val="00FF00"/>
+                </a:solidFill>
+              </a:rPr>
+              <a:t>begin</a:t>
+            </a:r>
+          </a:p>
+          <a:p>
+            <a:r>
+              <a:rPr lang="en-US" sz="4000" dirty="0">
+                <a:solidFill>
+                  <a:srgbClr val="00FF00"/>
+                </a:solidFill>
+              </a:rPr>
+              <a:t>  </a:t>
+            </a:r>
+            <a:r>
+              <a:rPr lang="en-US" sz="4000" dirty="0" err="1">
+                <a:solidFill>
+                  <a:srgbClr val="00FF00"/>
+                </a:solidFill>
+              </a:rPr>
+              <a:t>writeln</a:t>
+            </a:r>
+            <a:r>
+              <a:rPr lang="en-US" sz="4000" dirty="0">
+                <a:solidFill>
+                  <a:srgbClr val="00FF00"/>
+                </a:solidFill>
+              </a:rPr>
+              <a:t> ('Hello, world.');</a:t>
+            </a:r>
+          </a:p>
+          <a:p>
+            <a:r>
+              <a:rPr lang="en-US" sz="4000" dirty="0">
+                <a:solidFill>
+                  <a:srgbClr val="00FF00"/>
+                </a:solidFill>
+              </a:rPr>
+              <a:t>end.</a:t>
             </a:r>
             <a:endParaRPr lang="vi-VN" sz="4000" dirty="0">
               <a:solidFill>
@@ -7038,7 +7209,7 @@
     </p:spTree>
     <p:extLst>
       <p:ext uri="{BB962C8B-B14F-4D97-AF65-F5344CB8AC3E}">
-        <p14:creationId xmlns:p14="http://schemas.microsoft.com/office/powerpoint/2010/main" val="4240034199"/>
+        <p14:creationId xmlns:p14="http://schemas.microsoft.com/office/powerpoint/2010/main" val="1025477310"/>
       </p:ext>
     </p:extLst>
   </p:cSld>
@@ -7100,7 +7271,7 @@
                   <a:srgbClr val="00FF00"/>
                 </a:solidFill>
               </a:rPr>
-              <a:t>CLU</a:t>
+              <a:t>Smalltalk</a:t>
             </a:r>
             <a:endParaRPr lang="vi-VN" sz="4800" dirty="0">
               <a:solidFill>
@@ -7145,15 +7316,7 @@
                   <a:srgbClr val="00FF00"/>
                 </a:solidFill>
               </a:rPr>
-              <a:t>Barbara </a:t>
-            </a:r>
-            <a:r>
-              <a:rPr lang="en-US" sz="4000" dirty="0" err="1">
-                <a:solidFill>
-                  <a:srgbClr val="00FF00"/>
-                </a:solidFill>
-              </a:rPr>
-              <a:t>Liskov</a:t>
+              <a:t>1972</a:t>
             </a:r>
             <a:endParaRPr lang="vi-VN" sz="4000" dirty="0">
               <a:solidFill>
@@ -7166,7 +7329,7 @@
     </p:spTree>
     <p:extLst>
       <p:ext uri="{BB962C8B-B14F-4D97-AF65-F5344CB8AC3E}">
-        <p14:creationId xmlns:p14="http://schemas.microsoft.com/office/powerpoint/2010/main" val="3186061165"/>
+        <p14:creationId xmlns:p14="http://schemas.microsoft.com/office/powerpoint/2010/main" val="3258250301"/>
       </p:ext>
     </p:extLst>
   </p:cSld>
@@ -7228,7 +7391,7 @@
                   <a:srgbClr val="00FF00"/>
                 </a:solidFill>
               </a:rPr>
-              <a:t>Scheme</a:t>
+              <a:t>C</a:t>
             </a:r>
             <a:endParaRPr lang="vi-VN" sz="4800" dirty="0">
               <a:solidFill>
@@ -7273,7 +7436,7 @@
                   <a:srgbClr val="00FF00"/>
                 </a:solidFill>
               </a:rPr>
-              <a:t>Abel &amp; Sussman</a:t>
+              <a:t>Dennis Ritchie</a:t>
             </a:r>
             <a:endParaRPr lang="vi-VN" sz="4000" dirty="0">
               <a:solidFill>
@@ -7286,7 +7449,7 @@
     </p:spTree>
     <p:extLst>
       <p:ext uri="{BB962C8B-B14F-4D97-AF65-F5344CB8AC3E}">
-        <p14:creationId xmlns:p14="http://schemas.microsoft.com/office/powerpoint/2010/main" val="2857190124"/>
+        <p14:creationId xmlns:p14="http://schemas.microsoft.com/office/powerpoint/2010/main" val="3137032206"/>
       </p:ext>
     </p:extLst>
   </p:cSld>
@@ -7315,10 +7478,10 @@
       </p:grpSpPr>
       <p:sp>
         <p:nvSpPr>
-          <p:cNvPr id="4" name="TextBox 3">
-            <a:extLst>
-              <a:ext uri="{FF2B5EF4-FFF2-40B4-BE49-F238E27FC236}">
-                <a16:creationId xmlns:a16="http://schemas.microsoft.com/office/drawing/2014/main" id="{3C6FD1E6-15D2-4296-A885-7E8D8B4AD957}"/>
+          <p:cNvPr id="3" name="TextBox 2">
+            <a:extLst>
+              <a:ext uri="{FF2B5EF4-FFF2-40B4-BE49-F238E27FC236}">
+                <a16:creationId xmlns:a16="http://schemas.microsoft.com/office/drawing/2014/main" id="{7156D1A0-2122-4C3D-8246-4978E9DF6336}"/>
               </a:ext>
             </a:extLst>
           </p:cNvPr>
@@ -7327,8 +7490,8 @@
         </p:nvSpPr>
         <p:spPr>
           <a:xfrm>
-            <a:off x="0" y="2536447"/>
-            <a:ext cx="12192000" cy="830997"/>
+            <a:off x="728869" y="1648505"/>
+            <a:ext cx="12192000" cy="4401205"/>
           </a:xfrm>
           <a:prstGeom prst="rect">
             <a:avLst/>
@@ -7341,59 +7504,129 @@
           </a:bodyPr>
           <a:lstStyle/>
           <a:p>
-            <a:pPr algn="ctr"/>
-            <a:r>
-              <a:rPr lang="en-US" sz="4800" dirty="0">
-                <a:solidFill>
-                  <a:srgbClr val="00FF00"/>
-                </a:solidFill>
-              </a:rPr>
-              <a:t>MATLAB</a:t>
-            </a:r>
-            <a:endParaRPr lang="vi-VN" sz="4800" dirty="0">
-              <a:solidFill>
-                <a:srgbClr val="00FF00"/>
-              </a:solidFill>
-            </a:endParaRPr>
-          </a:p>
-        </p:txBody>
-      </p:sp>
-      <p:sp>
-        <p:nvSpPr>
-          <p:cNvPr id="3" name="TextBox 2">
-            <a:extLst>
-              <a:ext uri="{FF2B5EF4-FFF2-40B4-BE49-F238E27FC236}">
-                <a16:creationId xmlns:a16="http://schemas.microsoft.com/office/drawing/2014/main" id="{7156D1A0-2122-4C3D-8246-4978E9DF6336}"/>
-              </a:ext>
-            </a:extLst>
-          </p:cNvPr>
-          <p:cNvSpPr txBox="1"/>
-          <p:nvPr/>
-        </p:nvSpPr>
-        <p:spPr>
-          <a:xfrm>
-            <a:off x="0" y="3490557"/>
-            <a:ext cx="12192000" cy="707886"/>
-          </a:xfrm>
-          <a:prstGeom prst="rect">
-            <a:avLst/>
-          </a:prstGeom>
-          <a:noFill/>
-        </p:spPr>
-        <p:txBody>
-          <a:bodyPr wrap="square" rtlCol="0">
-            <a:spAutoFit/>
-          </a:bodyPr>
-          <a:lstStyle/>
-          <a:p>
-            <a:pPr algn="ctr"/>
+            <a:r>
+              <a:rPr lang="en-US" sz="4000" dirty="0">
+                <a:solidFill>
+                  <a:srgbClr val="00FF00"/>
+                </a:solidFill>
+              </a:rPr>
+              <a:t>#include &lt;</a:t>
+            </a:r>
             <a:r>
               <a:rPr lang="en-US" sz="4000" dirty="0" err="1">
                 <a:solidFill>
                   <a:srgbClr val="00FF00"/>
                 </a:solidFill>
               </a:rPr>
-              <a:t>Mathworks</a:t>
+              <a:t>stdio.h</a:t>
+            </a:r>
+            <a:r>
+              <a:rPr lang="en-US" sz="4000" dirty="0">
+                <a:solidFill>
+                  <a:srgbClr val="00FF00"/>
+                </a:solidFill>
+              </a:rPr>
+              <a:t>&gt;</a:t>
+            </a:r>
+          </a:p>
+          <a:p>
+            <a:r>
+              <a:rPr lang="en-US" sz="4000" dirty="0" err="1">
+                <a:solidFill>
+                  <a:srgbClr val="00FF00"/>
+                </a:solidFill>
+              </a:rPr>
+              <a:t>int</a:t>
+            </a:r>
+            <a:r>
+              <a:rPr lang="en-US" sz="4000" dirty="0">
+                <a:solidFill>
+                  <a:srgbClr val="00FF00"/>
+                </a:solidFill>
+              </a:rPr>
+              <a:t> main()</a:t>
+            </a:r>
+          </a:p>
+          <a:p>
+            <a:r>
+              <a:rPr lang="en-US" sz="4000" dirty="0">
+                <a:solidFill>
+                  <a:srgbClr val="00FF00"/>
+                </a:solidFill>
+              </a:rPr>
+              <a:t>{</a:t>
+            </a:r>
+          </a:p>
+          <a:p>
+            <a:r>
+              <a:rPr lang="en-US" sz="4000" dirty="0">
+                <a:solidFill>
+                  <a:srgbClr val="00FF00"/>
+                </a:solidFill>
+              </a:rPr>
+              <a:t>   // </a:t>
+            </a:r>
+            <a:r>
+              <a:rPr lang="en-US" sz="4000" dirty="0" err="1">
+                <a:solidFill>
+                  <a:srgbClr val="00FF00"/>
+                </a:solidFill>
+              </a:rPr>
+              <a:t>printf</a:t>
+            </a:r>
+            <a:r>
+              <a:rPr lang="en-US" sz="4000" dirty="0">
+                <a:solidFill>
+                  <a:srgbClr val="00FF00"/>
+                </a:solidFill>
+              </a:rPr>
+              <a:t>() displays the string inside quotation</a:t>
+            </a:r>
+          </a:p>
+          <a:p>
+            <a:r>
+              <a:rPr lang="en-US" sz="4000" dirty="0">
+                <a:solidFill>
+                  <a:srgbClr val="00FF00"/>
+                </a:solidFill>
+              </a:rPr>
+              <a:t>   </a:t>
+            </a:r>
+            <a:r>
+              <a:rPr lang="en-US" sz="4000" dirty="0" err="1">
+                <a:solidFill>
+                  <a:srgbClr val="00FF00"/>
+                </a:solidFill>
+              </a:rPr>
+              <a:t>printf</a:t>
+            </a:r>
+            <a:r>
+              <a:rPr lang="en-US" sz="4000" dirty="0">
+                <a:solidFill>
+                  <a:srgbClr val="00FF00"/>
+                </a:solidFill>
+              </a:rPr>
+              <a:t>("Hello, World!");</a:t>
+            </a:r>
+          </a:p>
+          <a:p>
+            <a:r>
+              <a:rPr lang="en-US" sz="4000" dirty="0">
+                <a:solidFill>
+                  <a:srgbClr val="00FF00"/>
+                </a:solidFill>
+              </a:rPr>
+              <a:t>   return 0;</a:t>
+            </a:r>
+          </a:p>
+          <a:p>
+            <a:r>
+              <a:rPr lang="en-US" sz="4000" dirty="0">
+                <a:solidFill>
+                  <a:srgbClr val="00FF00"/>
+                </a:solidFill>
+              </a:rPr>
+              <a:t>}</a:t>
             </a:r>
             <a:endParaRPr lang="vi-VN" sz="4000" dirty="0">
               <a:solidFill>
@@ -7406,7 +7639,7 @@
     </p:spTree>
     <p:extLst>
       <p:ext uri="{BB962C8B-B14F-4D97-AF65-F5344CB8AC3E}">
-        <p14:creationId xmlns:p14="http://schemas.microsoft.com/office/powerpoint/2010/main" val="2191379232"/>
+        <p14:creationId xmlns:p14="http://schemas.microsoft.com/office/powerpoint/2010/main" val="379419391"/>
       </p:ext>
     </p:extLst>
   </p:cSld>
@@ -7468,7 +7701,7 @@
                   <a:srgbClr val="00FF00"/>
                 </a:solidFill>
               </a:rPr>
-              <a:t>C++</a:t>
+              <a:t>Prolog</a:t>
             </a:r>
             <a:endParaRPr lang="vi-VN" sz="4800" dirty="0">
               <a:solidFill>
@@ -7513,7 +7746,15 @@
                   <a:srgbClr val="00FF00"/>
                 </a:solidFill>
               </a:rPr>
-              <a:t>1983</a:t>
+              <a:t>Alan </a:t>
+            </a:r>
+            <a:r>
+              <a:rPr lang="en-US" sz="4000" dirty="0" err="1">
+                <a:solidFill>
+                  <a:srgbClr val="00FF00"/>
+                </a:solidFill>
+              </a:rPr>
+              <a:t>Colmerauers</a:t>
             </a:r>
             <a:endParaRPr lang="vi-VN" sz="4000" dirty="0">
               <a:solidFill>
@@ -7526,7 +7767,7 @@
     </p:spTree>
     <p:extLst>
       <p:ext uri="{BB962C8B-B14F-4D97-AF65-F5344CB8AC3E}">
-        <p14:creationId xmlns:p14="http://schemas.microsoft.com/office/powerpoint/2010/main" val="1106686944"/>
+        <p14:creationId xmlns:p14="http://schemas.microsoft.com/office/powerpoint/2010/main" val="2980840636"/>
       </p:ext>
     </p:extLst>
   </p:cSld>
@@ -7588,7 +7829,7 @@
                   <a:srgbClr val="00FF00"/>
                 </a:solidFill>
               </a:rPr>
-              <a:t>Objective C</a:t>
+              <a:t>SQL</a:t>
             </a:r>
             <a:endParaRPr lang="vi-VN" sz="4800" dirty="0">
               <a:solidFill>
@@ -7633,7 +7874,7 @@
                   <a:srgbClr val="00FF00"/>
                 </a:solidFill>
               </a:rPr>
-              <a:t>Apple</a:t>
+              <a:t>IBM</a:t>
             </a:r>
             <a:endParaRPr lang="vi-VN" sz="4000" dirty="0">
               <a:solidFill>
@@ -7646,7 +7887,7 @@
     </p:spTree>
     <p:extLst>
       <p:ext uri="{BB962C8B-B14F-4D97-AF65-F5344CB8AC3E}">
-        <p14:creationId xmlns:p14="http://schemas.microsoft.com/office/powerpoint/2010/main" val="4225497253"/>
+        <p14:creationId xmlns:p14="http://schemas.microsoft.com/office/powerpoint/2010/main" val="3007382811"/>
       </p:ext>
     </p:extLst>
   </p:cSld>
@@ -7688,7 +7929,7 @@
         <p:spPr>
           <a:xfrm>
             <a:off x="0" y="2536447"/>
-            <a:ext cx="12192000" cy="830997"/>
+            <a:ext cx="12192000" cy="584775"/>
           </a:xfrm>
           <a:prstGeom prst="rect">
             <a:avLst/>
@@ -7703,14 +7944,14 @@
           <a:p>
             <a:pPr algn="ctr"/>
             <a:r>
-              <a:rPr lang="en-US" sz="4800" dirty="0">
-                <a:solidFill>
-                  <a:srgbClr val="00FF00"/>
-                </a:solidFill>
-              </a:rPr>
-              <a:t>Object Pascal</a:t>
-            </a:r>
-            <a:endParaRPr lang="vi-VN" sz="4800" dirty="0">
+              <a:rPr lang="en-US" sz="3200" dirty="0">
+                <a:solidFill>
+                  <a:srgbClr val="00FF00"/>
+                </a:solidFill>
+              </a:rPr>
+              <a:t>Compiler Language With No Pronounceable Acronym (INTERCAL)</a:t>
+            </a:r>
+            <a:endParaRPr lang="vi-VN" sz="7200" dirty="0">
               <a:solidFill>
                 <a:srgbClr val="00FF00"/>
               </a:solidFill>
@@ -7753,7 +7994,7 @@
                   <a:srgbClr val="00FF00"/>
                 </a:solidFill>
               </a:rPr>
-              <a:t>Niklaus</a:t>
+              <a:t>IBM</a:t>
             </a:r>
             <a:endParaRPr lang="vi-VN" sz="4000" dirty="0">
               <a:solidFill>
@@ -7766,7 +8007,7 @@
     </p:spTree>
     <p:extLst>
       <p:ext uri="{BB962C8B-B14F-4D97-AF65-F5344CB8AC3E}">
-        <p14:creationId xmlns:p14="http://schemas.microsoft.com/office/powerpoint/2010/main" val="2929315130"/>
+        <p14:creationId xmlns:p14="http://schemas.microsoft.com/office/powerpoint/2010/main" val="3153304864"/>
       </p:ext>
     </p:extLst>
   </p:cSld>
@@ -7795,10 +8036,10 @@
       </p:grpSpPr>
       <p:sp>
         <p:nvSpPr>
-          <p:cNvPr id="4" name="TextBox 3">
-            <a:extLst>
-              <a:ext uri="{FF2B5EF4-FFF2-40B4-BE49-F238E27FC236}">
-                <a16:creationId xmlns:a16="http://schemas.microsoft.com/office/drawing/2014/main" id="{3C6FD1E6-15D2-4296-A885-7E8D8B4AD957}"/>
+          <p:cNvPr id="3" name="TextBox 2">
+            <a:extLst>
+              <a:ext uri="{FF2B5EF4-FFF2-40B4-BE49-F238E27FC236}">
+                <a16:creationId xmlns:a16="http://schemas.microsoft.com/office/drawing/2014/main" id="{7156D1A0-2122-4C3D-8246-4978E9DF6336}"/>
               </a:ext>
             </a:extLst>
           </p:cNvPr>
@@ -7807,8 +8048,8 @@
         </p:nvSpPr>
         <p:spPr>
           <a:xfrm>
-            <a:off x="0" y="2536447"/>
-            <a:ext cx="12192000" cy="830997"/>
+            <a:off x="145774" y="-29817"/>
+            <a:ext cx="12192000" cy="6001643"/>
           </a:xfrm>
           <a:prstGeom prst="rect">
             <a:avLst/>
@@ -7821,16 +8062,165 @@
           </a:bodyPr>
           <a:lstStyle/>
           <a:p>
-            <a:pPr algn="ctr"/>
-            <a:r>
-              <a:rPr lang="en-US" sz="4800" dirty="0" err="1">
-                <a:solidFill>
-                  <a:srgbClr val="00FF00"/>
-                </a:solidFill>
-              </a:rPr>
-              <a:t>HyperTalk</a:t>
-            </a:r>
-            <a:endParaRPr lang="vi-VN" sz="4800" dirty="0">
+            <a:r>
+              <a:rPr lang="pt-BR" sz="2400" dirty="0">
+                <a:solidFill>
+                  <a:srgbClr val="00FF00"/>
+                </a:solidFill>
+              </a:rPr>
+              <a:t>DO ,1 &lt;- #13</a:t>
+            </a:r>
+          </a:p>
+          <a:p>
+            <a:r>
+              <a:rPr lang="pt-BR" sz="2400" dirty="0">
+                <a:solidFill>
+                  <a:srgbClr val="00FF00"/>
+                </a:solidFill>
+              </a:rPr>
+              <a:t>PLEASE DO ,1 SUB #1 &lt;- #238</a:t>
+            </a:r>
+          </a:p>
+          <a:p>
+            <a:r>
+              <a:rPr lang="pt-BR" sz="2400" dirty="0">
+                <a:solidFill>
+                  <a:srgbClr val="00FF00"/>
+                </a:solidFill>
+              </a:rPr>
+              <a:t>DO ,1 SUB #2 &lt;- #108</a:t>
+            </a:r>
+          </a:p>
+          <a:p>
+            <a:r>
+              <a:rPr lang="pt-BR" sz="2400" dirty="0">
+                <a:solidFill>
+                  <a:srgbClr val="00FF00"/>
+                </a:solidFill>
+              </a:rPr>
+              <a:t>DO ,1 SUB #3 &lt;- #112</a:t>
+            </a:r>
+          </a:p>
+          <a:p>
+            <a:r>
+              <a:rPr lang="pt-BR" sz="2400" dirty="0">
+                <a:solidFill>
+                  <a:srgbClr val="00FF00"/>
+                </a:solidFill>
+              </a:rPr>
+              <a:t>DO ,1 SUB #4 &lt;- #0</a:t>
+            </a:r>
+          </a:p>
+          <a:p>
+            <a:r>
+              <a:rPr lang="pt-BR" sz="2400" dirty="0">
+                <a:solidFill>
+                  <a:srgbClr val="00FF00"/>
+                </a:solidFill>
+              </a:rPr>
+              <a:t>DO ,1 SUB #5 &lt;- #64</a:t>
+            </a:r>
+          </a:p>
+          <a:p>
+            <a:r>
+              <a:rPr lang="pt-BR" sz="2400" dirty="0">
+                <a:solidFill>
+                  <a:srgbClr val="00FF00"/>
+                </a:solidFill>
+              </a:rPr>
+              <a:t>DO ,1 SUB #6 &lt;- #194</a:t>
+            </a:r>
+          </a:p>
+          <a:p>
+            <a:r>
+              <a:rPr lang="pt-BR" sz="2400" dirty="0">
+                <a:solidFill>
+                  <a:srgbClr val="00FF00"/>
+                </a:solidFill>
+              </a:rPr>
+              <a:t>DO ,1 SUB #7 &lt;- #48</a:t>
+            </a:r>
+          </a:p>
+          <a:p>
+            <a:r>
+              <a:rPr lang="pt-BR" sz="2400" dirty="0">
+                <a:solidFill>
+                  <a:srgbClr val="00FF00"/>
+                </a:solidFill>
+              </a:rPr>
+              <a:t>PLEASE DO ,1 SUB #8 &lt;- #22</a:t>
+            </a:r>
+          </a:p>
+          <a:p>
+            <a:r>
+              <a:rPr lang="pt-BR" sz="2400" dirty="0">
+                <a:solidFill>
+                  <a:srgbClr val="00FF00"/>
+                </a:solidFill>
+              </a:rPr>
+              <a:t>DO ,1 SUB #9 &lt;- #248</a:t>
+            </a:r>
+          </a:p>
+          <a:p>
+            <a:r>
+              <a:rPr lang="pt-BR" sz="2400" dirty="0">
+                <a:solidFill>
+                  <a:srgbClr val="00FF00"/>
+                </a:solidFill>
+              </a:rPr>
+              <a:t>DO ,1 SUB #10 &lt;- #168</a:t>
+            </a:r>
+          </a:p>
+          <a:p>
+            <a:r>
+              <a:rPr lang="pt-BR" sz="2400" dirty="0">
+                <a:solidFill>
+                  <a:srgbClr val="00FF00"/>
+                </a:solidFill>
+              </a:rPr>
+              <a:t>DO ,1 SUB #11 &lt;- #24</a:t>
+            </a:r>
+          </a:p>
+          <a:p>
+            <a:r>
+              <a:rPr lang="pt-BR" sz="2400" dirty="0">
+                <a:solidFill>
+                  <a:srgbClr val="00FF00"/>
+                </a:solidFill>
+              </a:rPr>
+              <a:t>DO ,1 SUB #12 &lt;- #16</a:t>
+            </a:r>
+          </a:p>
+          <a:p>
+            <a:r>
+              <a:rPr lang="pt-BR" sz="2400" dirty="0">
+                <a:solidFill>
+                  <a:srgbClr val="00FF00"/>
+                </a:solidFill>
+              </a:rPr>
+              <a:t>DO ,1 SUB #13 &lt;- #162</a:t>
+            </a:r>
+          </a:p>
+          <a:p>
+            <a:r>
+              <a:rPr lang="pt-BR" sz="2400" dirty="0">
+                <a:solidFill>
+                  <a:srgbClr val="00FF00"/>
+                </a:solidFill>
+              </a:rPr>
+              <a:t>PLEASE READ OUT ,1</a:t>
+            </a:r>
+          </a:p>
+          <a:p>
+            <a:r>
+              <a:rPr lang="pt-BR" sz="2400" dirty="0">
+                <a:solidFill>
+                  <a:srgbClr val="00FF00"/>
+                </a:solidFill>
+              </a:rPr>
+              <a:t>PLEASE GIVE UP</a:t>
+            </a:r>
+            <a:endParaRPr lang="vi-VN" sz="2400" dirty="0">
               <a:solidFill>
                 <a:srgbClr val="00FF00"/>
               </a:solidFill>
@@ -7838,55 +8228,10 @@
           </a:p>
         </p:txBody>
       </p:sp>
-      <p:sp>
-        <p:nvSpPr>
-          <p:cNvPr id="3" name="TextBox 2">
-            <a:extLst>
-              <a:ext uri="{FF2B5EF4-FFF2-40B4-BE49-F238E27FC236}">
-                <a16:creationId xmlns:a16="http://schemas.microsoft.com/office/drawing/2014/main" id="{7156D1A0-2122-4C3D-8246-4978E9DF6336}"/>
-              </a:ext>
-            </a:extLst>
-          </p:cNvPr>
-          <p:cNvSpPr txBox="1"/>
-          <p:nvPr/>
-        </p:nvSpPr>
-        <p:spPr>
-          <a:xfrm>
-            <a:off x="0" y="3490557"/>
-            <a:ext cx="12192000" cy="707886"/>
-          </a:xfrm>
-          <a:prstGeom prst="rect">
-            <a:avLst/>
-          </a:prstGeom>
-          <a:noFill/>
-        </p:spPr>
-        <p:txBody>
-          <a:bodyPr wrap="square" rtlCol="0">
-            <a:spAutoFit/>
-          </a:bodyPr>
-          <a:lstStyle/>
-          <a:p>
-            <a:pPr algn="ctr"/>
-            <a:r>
-              <a:rPr lang="en-US" sz="4000" dirty="0">
-                <a:solidFill>
-                  <a:srgbClr val="00FF00"/>
-                </a:solidFill>
-              </a:rPr>
-              <a:t>Dam Winkler</a:t>
-            </a:r>
-            <a:endParaRPr lang="vi-VN" sz="4000" dirty="0">
-              <a:solidFill>
-                <a:srgbClr val="00FF00"/>
-              </a:solidFill>
-            </a:endParaRPr>
-          </a:p>
-        </p:txBody>
-      </p:sp>
     </p:spTree>
     <p:extLst>
       <p:ext uri="{BB962C8B-B14F-4D97-AF65-F5344CB8AC3E}">
-        <p14:creationId xmlns:p14="http://schemas.microsoft.com/office/powerpoint/2010/main" val="3316286420"/>
+        <p14:creationId xmlns:p14="http://schemas.microsoft.com/office/powerpoint/2010/main" val="2525366482"/>
       </p:ext>
     </p:extLst>
   </p:cSld>
@@ -8213,7 +8558,7 @@
                   <a:srgbClr val="00FF00"/>
                 </a:solidFill>
               </a:rPr>
-              <a:t>Erlang</a:t>
+              <a:t>ML</a:t>
             </a:r>
             <a:endParaRPr lang="vi-VN" sz="4800" dirty="0">
               <a:solidFill>
@@ -8258,15 +8603,7 @@
                   <a:srgbClr val="00FF00"/>
                 </a:solidFill>
               </a:rPr>
-              <a:t>Joe </a:t>
-            </a:r>
-            <a:r>
-              <a:rPr lang="en-US" sz="4000" dirty="0" err="1">
-                <a:solidFill>
-                  <a:srgbClr val="00FF00"/>
-                </a:solidFill>
-              </a:rPr>
-              <a:t>Amstrong</a:t>
+              <a:t>Robin Milner</a:t>
             </a:r>
             <a:endParaRPr lang="vi-VN" sz="4000" dirty="0">
               <a:solidFill>
@@ -8279,7 +8616,7 @@
     </p:spTree>
     <p:extLst>
       <p:ext uri="{BB962C8B-B14F-4D97-AF65-F5344CB8AC3E}">
-        <p14:creationId xmlns:p14="http://schemas.microsoft.com/office/powerpoint/2010/main" val="1669723031"/>
+        <p14:creationId xmlns:p14="http://schemas.microsoft.com/office/powerpoint/2010/main" val="4240034199"/>
       </p:ext>
     </p:extLst>
   </p:cSld>
@@ -8341,7 +8678,7 @@
                   <a:srgbClr val="00FF00"/>
                 </a:solidFill>
               </a:rPr>
-              <a:t>Perl</a:t>
+              <a:t>CLU</a:t>
             </a:r>
             <a:endParaRPr lang="vi-VN" sz="4800" dirty="0">
               <a:solidFill>
@@ -8386,7 +8723,15 @@
                   <a:srgbClr val="00FF00"/>
                 </a:solidFill>
               </a:rPr>
-              <a:t>Larry Wall</a:t>
+              <a:t>Barbara </a:t>
+            </a:r>
+            <a:r>
+              <a:rPr lang="en-US" sz="4000" dirty="0" err="1">
+                <a:solidFill>
+                  <a:srgbClr val="00FF00"/>
+                </a:solidFill>
+              </a:rPr>
+              <a:t>Liskov</a:t>
             </a:r>
             <a:endParaRPr lang="vi-VN" sz="4000" dirty="0">
               <a:solidFill>
@@ -8399,7 +8744,7 @@
     </p:spTree>
     <p:extLst>
       <p:ext uri="{BB962C8B-B14F-4D97-AF65-F5344CB8AC3E}">
-        <p14:creationId xmlns:p14="http://schemas.microsoft.com/office/powerpoint/2010/main" val="2992153292"/>
+        <p14:creationId xmlns:p14="http://schemas.microsoft.com/office/powerpoint/2010/main" val="3186061165"/>
       </p:ext>
     </p:extLst>
   </p:cSld>
@@ -8461,7 +8806,7 @@
                   <a:srgbClr val="00FF00"/>
                 </a:solidFill>
               </a:rPr>
-              <a:t>Haskell</a:t>
+              <a:t>Scheme</a:t>
             </a:r>
             <a:endParaRPr lang="vi-VN" sz="4800" dirty="0">
               <a:solidFill>
@@ -8506,7 +8851,7 @@
                   <a:srgbClr val="00FF00"/>
                 </a:solidFill>
               </a:rPr>
-              <a:t>Simon Peyton Jones el al</a:t>
+              <a:t>Abel &amp; Sussman</a:t>
             </a:r>
             <a:endParaRPr lang="vi-VN" sz="4000" dirty="0">
               <a:solidFill>
@@ -8519,7 +8864,7 @@
     </p:spTree>
     <p:extLst>
       <p:ext uri="{BB962C8B-B14F-4D97-AF65-F5344CB8AC3E}">
-        <p14:creationId xmlns:p14="http://schemas.microsoft.com/office/powerpoint/2010/main" val="4265756944"/>
+        <p14:creationId xmlns:p14="http://schemas.microsoft.com/office/powerpoint/2010/main" val="2857190124"/>
       </p:ext>
     </p:extLst>
   </p:cSld>
@@ -8581,7 +8926,7 @@
                   <a:srgbClr val="00FF00"/>
                 </a:solidFill>
               </a:rPr>
-              <a:t>Python</a:t>
+              <a:t>MATLAB</a:t>
             </a:r>
             <a:endParaRPr lang="vi-VN" sz="4800" dirty="0">
               <a:solidFill>
@@ -8621,12 +8966,12 @@
           <a:p>
             <a:pPr algn="ctr"/>
             <a:r>
-              <a:rPr lang="en-US" sz="4000" dirty="0">
-                <a:solidFill>
-                  <a:srgbClr val="00FF00"/>
-                </a:solidFill>
-              </a:rPr>
-              <a:t>Guido van Rossum 1991</a:t>
+              <a:rPr lang="en-US" sz="4000" dirty="0" err="1">
+                <a:solidFill>
+                  <a:srgbClr val="00FF00"/>
+                </a:solidFill>
+              </a:rPr>
+              <a:t>Mathworks</a:t>
             </a:r>
             <a:endParaRPr lang="vi-VN" sz="4000" dirty="0">
               <a:solidFill>
@@ -8639,7 +8984,7 @@
     </p:spTree>
     <p:extLst>
       <p:ext uri="{BB962C8B-B14F-4D97-AF65-F5344CB8AC3E}">
-        <p14:creationId xmlns:p14="http://schemas.microsoft.com/office/powerpoint/2010/main" val="2392079921"/>
+        <p14:creationId xmlns:p14="http://schemas.microsoft.com/office/powerpoint/2010/main" val="2191379232"/>
       </p:ext>
     </p:extLst>
   </p:cSld>
@@ -8701,7 +9046,7 @@
                   <a:srgbClr val="00FF00"/>
                 </a:solidFill>
               </a:rPr>
-              <a:t>Visual Basic</a:t>
+              <a:t>C++</a:t>
             </a:r>
             <a:endParaRPr lang="vi-VN" sz="4800" dirty="0">
               <a:solidFill>
@@ -8746,7 +9091,7 @@
                   <a:srgbClr val="00FF00"/>
                 </a:solidFill>
               </a:rPr>
-              <a:t>Alan Cooper &amp; Microsoft 1991</a:t>
+              <a:t>1983</a:t>
             </a:r>
             <a:endParaRPr lang="vi-VN" sz="4000" dirty="0">
               <a:solidFill>
@@ -8759,7 +9104,7 @@
     </p:spTree>
     <p:extLst>
       <p:ext uri="{BB962C8B-B14F-4D97-AF65-F5344CB8AC3E}">
-        <p14:creationId xmlns:p14="http://schemas.microsoft.com/office/powerpoint/2010/main" val="490404667"/>
+        <p14:creationId xmlns:p14="http://schemas.microsoft.com/office/powerpoint/2010/main" val="1106686944"/>
       </p:ext>
     </p:extLst>
   </p:cSld>
@@ -8821,7 +9166,7 @@
                   <a:srgbClr val="00FF00"/>
                 </a:solidFill>
               </a:rPr>
-              <a:t>Oak</a:t>
+              <a:t>Objective C</a:t>
             </a:r>
             <a:endParaRPr lang="vi-VN" sz="4800" dirty="0">
               <a:solidFill>
@@ -8866,15 +9211,7 @@
                   <a:srgbClr val="00FF00"/>
                 </a:solidFill>
               </a:rPr>
-              <a:t>James </a:t>
-            </a:r>
-            <a:r>
-              <a:rPr lang="en-US" sz="4000" dirty="0" err="1">
-                <a:solidFill>
-                  <a:srgbClr val="00FF00"/>
-                </a:solidFill>
-              </a:rPr>
-              <a:t>Gossling</a:t>
+              <a:t>Apple</a:t>
             </a:r>
             <a:endParaRPr lang="vi-VN" sz="4000" dirty="0">
               <a:solidFill>
@@ -8887,7 +9224,7 @@
     </p:spTree>
     <p:extLst>
       <p:ext uri="{BB962C8B-B14F-4D97-AF65-F5344CB8AC3E}">
-        <p14:creationId xmlns:p14="http://schemas.microsoft.com/office/powerpoint/2010/main" val="4284336047"/>
+        <p14:creationId xmlns:p14="http://schemas.microsoft.com/office/powerpoint/2010/main" val="4225497253"/>
       </p:ext>
     </p:extLst>
   </p:cSld>
@@ -8949,7 +9286,7 @@
                   <a:srgbClr val="00FF00"/>
                 </a:solidFill>
               </a:rPr>
-              <a:t>Java</a:t>
+              <a:t>Object Pascal</a:t>
             </a:r>
             <a:endParaRPr lang="vi-VN" sz="4800" dirty="0">
               <a:solidFill>
@@ -8994,23 +9331,7 @@
                   <a:srgbClr val="00FF00"/>
                 </a:solidFill>
               </a:rPr>
-              <a:t>James </a:t>
-            </a:r>
-            <a:r>
-              <a:rPr lang="en-US" sz="4000" dirty="0" err="1">
-                <a:solidFill>
-                  <a:srgbClr val="00FF00"/>
-                </a:solidFill>
-              </a:rPr>
-              <a:t>Gossling</a:t>
-            </a:r>
-            <a:r>
-              <a:rPr lang="en-US" sz="4000" dirty="0">
-                <a:solidFill>
-                  <a:srgbClr val="00FF00"/>
-                </a:solidFill>
-              </a:rPr>
-              <a:t> &amp; Sun Microsystems</a:t>
+              <a:t>Niklaus</a:t>
             </a:r>
             <a:endParaRPr lang="vi-VN" sz="4000" dirty="0">
               <a:solidFill>
@@ -9023,7 +9344,7 @@
     </p:spTree>
     <p:extLst>
       <p:ext uri="{BB962C8B-B14F-4D97-AF65-F5344CB8AC3E}">
-        <p14:creationId xmlns:p14="http://schemas.microsoft.com/office/powerpoint/2010/main" val="4141882679"/>
+        <p14:creationId xmlns:p14="http://schemas.microsoft.com/office/powerpoint/2010/main" val="2929315130"/>
       </p:ext>
     </p:extLst>
   </p:cSld>
@@ -9080,12 +9401,12 @@
           <a:p>
             <a:pPr algn="ctr"/>
             <a:r>
-              <a:rPr lang="en-US" sz="4800" dirty="0">
-                <a:solidFill>
-                  <a:srgbClr val="00FF00"/>
-                </a:solidFill>
-              </a:rPr>
-              <a:t>PHP</a:t>
+              <a:rPr lang="en-US" sz="4800" dirty="0" err="1">
+                <a:solidFill>
+                  <a:srgbClr val="00FF00"/>
+                </a:solidFill>
+              </a:rPr>
+              <a:t>HyperTalk</a:t>
             </a:r>
             <a:endParaRPr lang="vi-VN" sz="4800" dirty="0">
               <a:solidFill>
@@ -9130,15 +9451,7 @@
                   <a:srgbClr val="00FF00"/>
                 </a:solidFill>
               </a:rPr>
-              <a:t>Rasmus </a:t>
-            </a:r>
-            <a:r>
-              <a:rPr lang="en-US" sz="4000" dirty="0" err="1">
-                <a:solidFill>
-                  <a:srgbClr val="00FF00"/>
-                </a:solidFill>
-              </a:rPr>
-              <a:t>Lerdorf</a:t>
+              <a:t>Dam Winkler</a:t>
             </a:r>
             <a:endParaRPr lang="vi-VN" sz="4000" dirty="0">
               <a:solidFill>
@@ -9151,7 +9464,7 @@
     </p:spTree>
     <p:extLst>
       <p:ext uri="{BB962C8B-B14F-4D97-AF65-F5344CB8AC3E}">
-        <p14:creationId xmlns:p14="http://schemas.microsoft.com/office/powerpoint/2010/main" val="4195663016"/>
+        <p14:creationId xmlns:p14="http://schemas.microsoft.com/office/powerpoint/2010/main" val="3316286420"/>
       </p:ext>
     </p:extLst>
   </p:cSld>
@@ -9213,7 +9526,7 @@
                   <a:srgbClr val="00FF00"/>
                 </a:solidFill>
               </a:rPr>
-              <a:t>Ruby</a:t>
+              <a:t>Erlang</a:t>
             </a:r>
             <a:endParaRPr lang="vi-VN" sz="4800" dirty="0">
               <a:solidFill>
@@ -9258,7 +9571,15 @@
                   <a:srgbClr val="00FF00"/>
                 </a:solidFill>
               </a:rPr>
-              <a:t>Yukihiro Matsumoto</a:t>
+              <a:t>Joe </a:t>
+            </a:r>
+            <a:r>
+              <a:rPr lang="en-US" sz="4000" dirty="0" err="1">
+                <a:solidFill>
+                  <a:srgbClr val="00FF00"/>
+                </a:solidFill>
+              </a:rPr>
+              <a:t>Amstrong</a:t>
             </a:r>
             <a:endParaRPr lang="vi-VN" sz="4000" dirty="0">
               <a:solidFill>
@@ -9271,7 +9592,7 @@
     </p:spTree>
     <p:extLst>
       <p:ext uri="{BB962C8B-B14F-4D97-AF65-F5344CB8AC3E}">
-        <p14:creationId xmlns:p14="http://schemas.microsoft.com/office/powerpoint/2010/main" val="3950220386"/>
+        <p14:creationId xmlns:p14="http://schemas.microsoft.com/office/powerpoint/2010/main" val="1669723031"/>
       </p:ext>
     </p:extLst>
   </p:cSld>
@@ -9328,12 +9649,12 @@
           <a:p>
             <a:pPr algn="ctr"/>
             <a:r>
-              <a:rPr lang="en-US" sz="4800" dirty="0" err="1">
-                <a:solidFill>
-                  <a:srgbClr val="00FF00"/>
-                </a:solidFill>
-              </a:rPr>
-              <a:t>LiveScript</a:t>
+              <a:rPr lang="en-US" sz="4800" dirty="0">
+                <a:solidFill>
+                  <a:srgbClr val="00FF00"/>
+                </a:solidFill>
+              </a:rPr>
+              <a:t>Perl</a:t>
             </a:r>
             <a:endParaRPr lang="vi-VN" sz="4800" dirty="0">
               <a:solidFill>
@@ -9378,15 +9699,7 @@
                   <a:srgbClr val="00FF00"/>
                 </a:solidFill>
               </a:rPr>
-              <a:t>Brendan </a:t>
-            </a:r>
-            <a:r>
-              <a:rPr lang="en-US" sz="4000" dirty="0" err="1">
-                <a:solidFill>
-                  <a:srgbClr val="00FF00"/>
-                </a:solidFill>
-              </a:rPr>
-              <a:t>Eich</a:t>
+              <a:t>Larry Wall</a:t>
             </a:r>
             <a:endParaRPr lang="vi-VN" sz="4000" dirty="0">
               <a:solidFill>
@@ -9399,7 +9712,7 @@
     </p:spTree>
     <p:extLst>
       <p:ext uri="{BB962C8B-B14F-4D97-AF65-F5344CB8AC3E}">
-        <p14:creationId xmlns:p14="http://schemas.microsoft.com/office/powerpoint/2010/main" val="1641227844"/>
+        <p14:creationId xmlns:p14="http://schemas.microsoft.com/office/powerpoint/2010/main" val="2992153292"/>
       </p:ext>
     </p:extLst>
   </p:cSld>
@@ -9722,12 +10035,12 @@
           <a:p>
             <a:pPr algn="ctr"/>
             <a:r>
-              <a:rPr lang="en-US" sz="4800" dirty="0" err="1">
-                <a:solidFill>
-                  <a:srgbClr val="00FF00"/>
-                </a:solidFill>
-              </a:rPr>
-              <a:t>Javascript</a:t>
+              <a:rPr lang="en-US" sz="4800" dirty="0">
+                <a:solidFill>
+                  <a:srgbClr val="00FF00"/>
+                </a:solidFill>
+              </a:rPr>
+              <a:t>Haskell</a:t>
             </a:r>
             <a:endParaRPr lang="vi-VN" sz="4800" dirty="0">
               <a:solidFill>
@@ -9772,15 +10085,7 @@
                   <a:srgbClr val="00FF00"/>
                 </a:solidFill>
               </a:rPr>
-              <a:t>Brendan </a:t>
-            </a:r>
-            <a:r>
-              <a:rPr lang="en-US" sz="4000" dirty="0" err="1">
-                <a:solidFill>
-                  <a:srgbClr val="00FF00"/>
-                </a:solidFill>
-              </a:rPr>
-              <a:t>Eich</a:t>
+              <a:t>Simon Peyton Jones el al</a:t>
             </a:r>
             <a:endParaRPr lang="vi-VN" sz="4000" dirty="0">
               <a:solidFill>
@@ -9793,7 +10098,7 @@
     </p:spTree>
     <p:extLst>
       <p:ext uri="{BB962C8B-B14F-4D97-AF65-F5344CB8AC3E}">
-        <p14:creationId xmlns:p14="http://schemas.microsoft.com/office/powerpoint/2010/main" val="1336001600"/>
+        <p14:creationId xmlns:p14="http://schemas.microsoft.com/office/powerpoint/2010/main" val="4265756944"/>
       </p:ext>
     </p:extLst>
   </p:cSld>
@@ -9855,7 +10160,7 @@
                   <a:srgbClr val="00FF00"/>
                 </a:solidFill>
               </a:rPr>
-              <a:t>C#</a:t>
+              <a:t>Python</a:t>
             </a:r>
             <a:endParaRPr lang="vi-VN" sz="4800" dirty="0">
               <a:solidFill>
@@ -9900,15 +10205,7 @@
                   <a:srgbClr val="00FF00"/>
                 </a:solidFill>
               </a:rPr>
-              <a:t>Anders </a:t>
-            </a:r>
-            <a:r>
-              <a:rPr lang="en-US" sz="4000" dirty="0" err="1">
-                <a:solidFill>
-                  <a:srgbClr val="00FF00"/>
-                </a:solidFill>
-              </a:rPr>
-              <a:t>Heijsberg</a:t>
+              <a:t>Guido van Rossum 1991</a:t>
             </a:r>
             <a:endParaRPr lang="vi-VN" sz="4000" dirty="0">
               <a:solidFill>
@@ -9921,7 +10218,7 @@
     </p:spTree>
     <p:extLst>
       <p:ext uri="{BB962C8B-B14F-4D97-AF65-F5344CB8AC3E}">
-        <p14:creationId xmlns:p14="http://schemas.microsoft.com/office/powerpoint/2010/main" val="2713722850"/>
+        <p14:creationId xmlns:p14="http://schemas.microsoft.com/office/powerpoint/2010/main" val="2392079921"/>
       </p:ext>
     </p:extLst>
   </p:cSld>
@@ -9962,7 +10259,7 @@
         </p:nvSpPr>
         <p:spPr>
           <a:xfrm>
-            <a:off x="0" y="2536447"/>
+            <a:off x="0" y="1516030"/>
             <a:ext cx="12192000" cy="830997"/>
           </a:xfrm>
           <a:prstGeom prst="rect">
@@ -9976,14 +10273,29 @@
           </a:bodyPr>
           <a:lstStyle/>
           <a:p>
-            <a:pPr algn="ctr"/>
             <a:r>
               <a:rPr lang="en-US" sz="4800" dirty="0">
                 <a:solidFill>
                   <a:srgbClr val="00FF00"/>
                 </a:solidFill>
               </a:rPr>
-              <a:t>ECMAScript</a:t>
+              <a:t>print("</a:t>
+            </a:r>
+            <a:r>
+              <a:rPr lang="en-US" sz="4000" dirty="0">
+                <a:solidFill>
+                  <a:srgbClr val="00FF00"/>
+                </a:solidFill>
+              </a:rPr>
+              <a:t>This</a:t>
+            </a:r>
+            <a:r>
+              <a:rPr lang="en-US" sz="4800" dirty="0">
+                <a:solidFill>
+                  <a:srgbClr val="00FF00"/>
+                </a:solidFill>
+              </a:rPr>
+              <a:t> line will be printed.")</a:t>
             </a:r>
             <a:endParaRPr lang="vi-VN" sz="4800" dirty="0">
               <a:solidFill>
@@ -9993,10 +10305,54 @@
           </a:p>
         </p:txBody>
       </p:sp>
+      <p:sp>
+        <p:nvSpPr>
+          <p:cNvPr id="3" name="TextBox 2">
+            <a:extLst>
+              <a:ext uri="{FF2B5EF4-FFF2-40B4-BE49-F238E27FC236}">
+                <a16:creationId xmlns:a16="http://schemas.microsoft.com/office/drawing/2014/main" id="{7156D1A0-2122-4C3D-8246-4978E9DF6336}"/>
+              </a:ext>
+            </a:extLst>
+          </p:cNvPr>
+          <p:cNvSpPr txBox="1"/>
+          <p:nvPr/>
+        </p:nvSpPr>
+        <p:spPr>
+          <a:xfrm>
+            <a:off x="0" y="3799775"/>
+            <a:ext cx="12192000" cy="707886"/>
+          </a:xfrm>
+          <a:prstGeom prst="rect">
+            <a:avLst/>
+          </a:prstGeom>
+          <a:noFill/>
+        </p:spPr>
+        <p:txBody>
+          <a:bodyPr wrap="square" rtlCol="0">
+            <a:spAutoFit/>
+          </a:bodyPr>
+          <a:lstStyle/>
+          <a:p>
+            <a:r>
+              <a:rPr lang="en-US" sz="4000" dirty="0">
+                <a:solidFill>
+                  <a:srgbClr val="00FF00"/>
+                </a:solidFill>
+              </a:rPr>
+              <a:t>Print "This line will be printed."</a:t>
+            </a:r>
+            <a:endParaRPr lang="vi-VN" sz="4000" dirty="0">
+              <a:solidFill>
+                <a:srgbClr val="00FF00"/>
+              </a:solidFill>
+            </a:endParaRPr>
+          </a:p>
+        </p:txBody>
+      </p:sp>
     </p:spTree>
     <p:extLst>
       <p:ext uri="{BB962C8B-B14F-4D97-AF65-F5344CB8AC3E}">
-        <p14:creationId xmlns:p14="http://schemas.microsoft.com/office/powerpoint/2010/main" val="2726849882"/>
+        <p14:creationId xmlns:p14="http://schemas.microsoft.com/office/powerpoint/2010/main" val="3395486483"/>
       </p:ext>
     </p:extLst>
   </p:cSld>
@@ -10058,7 +10414,7 @@
                   <a:srgbClr val="00FF00"/>
                 </a:solidFill>
               </a:rPr>
-              <a:t>JVM Language</a:t>
+              <a:t>Visual Basic</a:t>
             </a:r>
             <a:endParaRPr lang="vi-VN" sz="4800" dirty="0">
               <a:solidFill>
@@ -10103,55 +10459,7 @@
                   <a:srgbClr val="00FF00"/>
                 </a:solidFill>
               </a:rPr>
-              <a:t>Scala, Groovy, Clojure, </a:t>
-            </a:r>
-            <a:r>
-              <a:rPr lang="en-US" sz="4000" dirty="0" err="1">
-                <a:solidFill>
-                  <a:srgbClr val="00FF00"/>
-                </a:solidFill>
-              </a:rPr>
-              <a:t>Jruby</a:t>
-            </a:r>
-            <a:r>
-              <a:rPr lang="en-US" sz="4000" dirty="0">
-                <a:solidFill>
-                  <a:srgbClr val="00FF00"/>
-                </a:solidFill>
-              </a:rPr>
-              <a:t>, </a:t>
-            </a:r>
-            <a:r>
-              <a:rPr lang="en-US" sz="4000" dirty="0" err="1">
-                <a:solidFill>
-                  <a:srgbClr val="00FF00"/>
-                </a:solidFill>
-              </a:rPr>
-              <a:t>Fantom</a:t>
-            </a:r>
-            <a:r>
-              <a:rPr lang="en-US" sz="4000" dirty="0">
-                <a:solidFill>
-                  <a:srgbClr val="00FF00"/>
-                </a:solidFill>
-              </a:rPr>
-              <a:t>, </a:t>
-            </a:r>
-            <a:r>
-              <a:rPr lang="en-US" sz="4000" dirty="0" err="1">
-                <a:solidFill>
-                  <a:srgbClr val="00FF00"/>
-                </a:solidFill>
-              </a:rPr>
-              <a:t>Jython</a:t>
-            </a:r>
-            <a:r>
-              <a:rPr lang="en-US" sz="4000" dirty="0">
-                <a:solidFill>
-                  <a:srgbClr val="00FF00"/>
-                </a:solidFill>
-              </a:rPr>
-              <a:t>,…</a:t>
+              <a:t>Alan Cooper &amp; Microsoft 1991</a:t>
             </a:r>
             <a:endParaRPr lang="vi-VN" sz="4000" dirty="0">
               <a:solidFill>
@@ -10164,7 +10472,7 @@
     </p:spTree>
     <p:extLst>
       <p:ext uri="{BB962C8B-B14F-4D97-AF65-F5344CB8AC3E}">
-        <p14:creationId xmlns:p14="http://schemas.microsoft.com/office/powerpoint/2010/main" val="374579549"/>
+        <p14:creationId xmlns:p14="http://schemas.microsoft.com/office/powerpoint/2010/main" val="490404667"/>
       </p:ext>
     </p:extLst>
   </p:cSld>
@@ -10191,100 +10499,151 @@
           <a:chExt cx="0" cy="0"/>
         </a:xfrm>
       </p:grpSpPr>
-      <p:sp>
-        <p:nvSpPr>
-          <p:cNvPr id="4" name="TextBox 3">
-            <a:extLst>
-              <a:ext uri="{FF2B5EF4-FFF2-40B4-BE49-F238E27FC236}">
-                <a16:creationId xmlns:a16="http://schemas.microsoft.com/office/drawing/2014/main" id="{3C6FD1E6-15D2-4296-A885-7E8D8B4AD957}"/>
-              </a:ext>
-            </a:extLst>
-          </p:cNvPr>
-          <p:cNvSpPr txBox="1"/>
+      <p:pic>
+        <p:nvPicPr>
+          <p:cNvPr id="13314" name="Picture 2" descr="New Project dialog with Console App selected">
+            <a:extLst>
+              <a:ext uri="{FF2B5EF4-FFF2-40B4-BE49-F238E27FC236}">
+                <a16:creationId xmlns:a16="http://schemas.microsoft.com/office/drawing/2014/main" id="{5AE80808-539D-412D-8CAE-2A5FD6CBE0AB}"/>
+              </a:ext>
+            </a:extLst>
+          </p:cNvPr>
+          <p:cNvPicPr>
+            <a:picLocks noChangeAspect="1" noChangeArrowheads="1"/>
+          </p:cNvPicPr>
           <p:nvPr/>
-        </p:nvSpPr>
-        <p:spPr>
+        </p:nvPicPr>
+        <p:blipFill>
+          <a:blip r:embed="rId2">
+            <a:extLst>
+              <a:ext uri="{28A0092B-C50C-407E-A947-70E740481C1C}">
+                <a14:useLocalDpi xmlns:a14="http://schemas.microsoft.com/office/drawing/2010/main" val="0"/>
+              </a:ext>
+            </a:extLst>
+          </a:blip>
+          <a:srcRect/>
+          <a:stretch>
+            <a:fillRect/>
+          </a:stretch>
+        </p:blipFill>
+        <p:spPr bwMode="auto">
           <a:xfrm>
-            <a:off x="0" y="2536447"/>
-            <a:ext cx="12192000" cy="830997"/>
+            <a:off x="0" y="0"/>
+            <a:ext cx="4943061" cy="3430201"/>
           </a:xfrm>
           <a:prstGeom prst="rect">
             <a:avLst/>
           </a:prstGeom>
           <a:noFill/>
+          <a:extLst>
+            <a:ext uri="{909E8E84-426E-40DD-AFC4-6F175D3DCCD1}">
+              <a14:hiddenFill xmlns:a14="http://schemas.microsoft.com/office/drawing/2010/main">
+                <a:solidFill>
+                  <a:srgbClr val="FFFFFF"/>
+                </a:solidFill>
+              </a14:hiddenFill>
+            </a:ext>
+          </a:extLst>
         </p:spPr>
-        <p:txBody>
-          <a:bodyPr wrap="square" rtlCol="0">
-            <a:spAutoFit/>
-          </a:bodyPr>
-          <a:lstStyle/>
-          <a:p>
-            <a:pPr algn="ctr"/>
-            <a:r>
-              <a:rPr lang="en-US" sz="4800" dirty="0">
-                <a:solidFill>
-                  <a:srgbClr val="00FF00"/>
-                </a:solidFill>
-              </a:rPr>
-              <a:t>F#</a:t>
-            </a:r>
-            <a:endParaRPr lang="vi-VN" sz="4800" dirty="0">
-              <a:solidFill>
-                <a:srgbClr val="00FF00"/>
-              </a:solidFill>
-            </a:endParaRPr>
-          </a:p>
-        </p:txBody>
-      </p:sp>
-      <p:sp>
-        <p:nvSpPr>
-          <p:cNvPr id="3" name="TextBox 2">
-            <a:extLst>
-              <a:ext uri="{FF2B5EF4-FFF2-40B4-BE49-F238E27FC236}">
-                <a16:creationId xmlns:a16="http://schemas.microsoft.com/office/drawing/2014/main" id="{7156D1A0-2122-4C3D-8246-4978E9DF6336}"/>
-              </a:ext>
-            </a:extLst>
-          </p:cNvPr>
-          <p:cNvSpPr txBox="1"/>
+      </p:pic>
+      <p:pic>
+        <p:nvPicPr>
+          <p:cNvPr id="13316" name="Picture 4" descr="Visual Studio and the new HelloWorld project">
+            <a:extLst>
+              <a:ext uri="{FF2B5EF4-FFF2-40B4-BE49-F238E27FC236}">
+                <a16:creationId xmlns:a16="http://schemas.microsoft.com/office/drawing/2014/main" id="{C7C57D25-5816-4BF3-AF50-181275166B0B}"/>
+              </a:ext>
+            </a:extLst>
+          </p:cNvPr>
+          <p:cNvPicPr>
+            <a:picLocks noChangeAspect="1" noChangeArrowheads="1"/>
+          </p:cNvPicPr>
           <p:nvPr/>
-        </p:nvSpPr>
-        <p:spPr>
+        </p:nvPicPr>
+        <p:blipFill>
+          <a:blip r:embed="rId3">
+            <a:extLst>
+              <a:ext uri="{28A0092B-C50C-407E-A947-70E740481C1C}">
+                <a14:useLocalDpi xmlns:a14="http://schemas.microsoft.com/office/drawing/2010/main" val="0"/>
+              </a:ext>
+            </a:extLst>
+          </a:blip>
+          <a:srcRect/>
+          <a:stretch>
+            <a:fillRect/>
+          </a:stretch>
+        </p:blipFill>
+        <p:spPr bwMode="auto">
           <a:xfrm>
-            <a:off x="0" y="3490557"/>
-            <a:ext cx="12192000" cy="707886"/>
+            <a:off x="4217670" y="343221"/>
+            <a:ext cx="6308661" cy="3738050"/>
           </a:xfrm>
           <a:prstGeom prst="rect">
             <a:avLst/>
           </a:prstGeom>
           <a:noFill/>
+          <a:extLst>
+            <a:ext uri="{909E8E84-426E-40DD-AFC4-6F175D3DCCD1}">
+              <a14:hiddenFill xmlns:a14="http://schemas.microsoft.com/office/drawing/2010/main">
+                <a:solidFill>
+                  <a:srgbClr val="FFFFFF"/>
+                </a:solidFill>
+              </a14:hiddenFill>
+            </a:ext>
+          </a:extLst>
         </p:spPr>
-        <p:txBody>
-          <a:bodyPr wrap="square" rtlCol="0">
-            <a:spAutoFit/>
-          </a:bodyPr>
-          <a:lstStyle/>
-          <a:p>
-            <a:pPr algn="ctr"/>
-            <a:r>
-              <a:rPr lang="en-US" sz="4000" dirty="0">
-                <a:solidFill>
-                  <a:srgbClr val="00FF00"/>
-                </a:solidFill>
-              </a:rPr>
-              <a:t>Don Syme &amp; Microsoft Research</a:t>
-            </a:r>
-            <a:endParaRPr lang="vi-VN" sz="4000" dirty="0">
-              <a:solidFill>
-                <a:srgbClr val="00FF00"/>
-              </a:solidFill>
-            </a:endParaRPr>
-          </a:p>
-        </p:txBody>
-      </p:sp>
+      </p:pic>
+      <p:pic>
+        <p:nvPicPr>
+          <p:cNvPr id="13318" name="Picture 6" descr="Visual Studio Program file with updated Main method">
+            <a:extLst>
+              <a:ext uri="{FF2B5EF4-FFF2-40B4-BE49-F238E27FC236}">
+                <a16:creationId xmlns:a16="http://schemas.microsoft.com/office/drawing/2014/main" id="{6F3B5B8A-5125-4BDF-A368-1DB32D1DDE8A}"/>
+              </a:ext>
+            </a:extLst>
+          </p:cNvPr>
+          <p:cNvPicPr>
+            <a:picLocks noChangeAspect="1" noChangeArrowheads="1"/>
+          </p:cNvPicPr>
+          <p:nvPr/>
+        </p:nvPicPr>
+        <p:blipFill>
+          <a:blip r:embed="rId4">
+            <a:extLst>
+              <a:ext uri="{28A0092B-C50C-407E-A947-70E740481C1C}">
+                <a14:useLocalDpi xmlns:a14="http://schemas.microsoft.com/office/drawing/2010/main" val="0"/>
+              </a:ext>
+            </a:extLst>
+          </a:blip>
+          <a:srcRect/>
+          <a:stretch>
+            <a:fillRect/>
+          </a:stretch>
+        </p:blipFill>
+        <p:spPr bwMode="auto">
+          <a:xfrm>
+            <a:off x="1172781" y="2900289"/>
+            <a:ext cx="9353550" cy="3505200"/>
+          </a:xfrm>
+          <a:prstGeom prst="rect">
+            <a:avLst/>
+          </a:prstGeom>
+          <a:noFill/>
+          <a:extLst>
+            <a:ext uri="{909E8E84-426E-40DD-AFC4-6F175D3DCCD1}">
+              <a14:hiddenFill xmlns:a14="http://schemas.microsoft.com/office/drawing/2010/main">
+                <a:solidFill>
+                  <a:srgbClr val="FFFFFF"/>
+                </a:solidFill>
+              </a14:hiddenFill>
+            </a:ext>
+          </a:extLst>
+        </p:spPr>
+      </p:pic>
     </p:spTree>
     <p:extLst>
       <p:ext uri="{BB962C8B-B14F-4D97-AF65-F5344CB8AC3E}">
-        <p14:creationId xmlns:p14="http://schemas.microsoft.com/office/powerpoint/2010/main" val="3736297427"/>
+        <p14:creationId xmlns:p14="http://schemas.microsoft.com/office/powerpoint/2010/main" val="2127734024"/>
       </p:ext>
     </p:extLst>
   </p:cSld>
@@ -10346,7 +10705,7 @@
                   <a:srgbClr val="00FF00"/>
                 </a:solidFill>
               </a:rPr>
-              <a:t>Go</a:t>
+              <a:t>brainfuck</a:t>
             </a:r>
             <a:endParaRPr lang="vi-VN" sz="4800" dirty="0">
               <a:solidFill>
@@ -10391,7 +10750,7 @@
                   <a:srgbClr val="00FF00"/>
                 </a:solidFill>
               </a:rPr>
-              <a:t>Google</a:t>
+              <a:t>Urban Muller</a:t>
             </a:r>
             <a:endParaRPr lang="vi-VN" sz="4000" dirty="0">
               <a:solidFill>
@@ -10404,7 +10763,7 @@
     </p:spTree>
     <p:extLst>
       <p:ext uri="{BB962C8B-B14F-4D97-AF65-F5344CB8AC3E}">
-        <p14:creationId xmlns:p14="http://schemas.microsoft.com/office/powerpoint/2010/main" val="4098593009"/>
+        <p14:creationId xmlns:p14="http://schemas.microsoft.com/office/powerpoint/2010/main" val="3825702503"/>
       </p:ext>
     </p:extLst>
   </p:cSld>
@@ -10433,98 +10792,47 @@
       </p:grpSpPr>
       <p:sp>
         <p:nvSpPr>
-          <p:cNvPr id="4" name="TextBox 3">
-            <a:extLst>
-              <a:ext uri="{FF2B5EF4-FFF2-40B4-BE49-F238E27FC236}">
-                <a16:creationId xmlns:a16="http://schemas.microsoft.com/office/drawing/2014/main" id="{3C6FD1E6-15D2-4296-A885-7E8D8B4AD957}"/>
-              </a:ext>
-            </a:extLst>
-          </p:cNvPr>
-          <p:cNvSpPr txBox="1"/>
-          <p:nvPr/>
+          <p:cNvPr id="2" name="Title 1">
+            <a:extLst>
+              <a:ext uri="{FF2B5EF4-FFF2-40B4-BE49-F238E27FC236}">
+                <a16:creationId xmlns:a16="http://schemas.microsoft.com/office/drawing/2014/main" id="{1B1CCAE6-D3B3-4AE2-88A3-E6122BCFC665}"/>
+              </a:ext>
+            </a:extLst>
+          </p:cNvPr>
+          <p:cNvSpPr>
+            <a:spLocks noGrp="1"/>
+          </p:cNvSpPr>
+          <p:nvPr>
+            <p:ph type="title"/>
+          </p:nvPr>
         </p:nvSpPr>
         <p:spPr>
           <a:xfrm>
-            <a:off x="0" y="2536447"/>
-            <a:ext cx="12192000" cy="830997"/>
+            <a:off x="838200" y="2644498"/>
+            <a:ext cx="10515600" cy="1325563"/>
           </a:xfrm>
-          <a:prstGeom prst="rect">
-            <a:avLst/>
-          </a:prstGeom>
-          <a:noFill/>
         </p:spPr>
         <p:txBody>
-          <a:bodyPr wrap="square" rtlCol="0">
-            <a:spAutoFit/>
+          <a:bodyPr>
+            <a:normAutofit/>
           </a:bodyPr>
           <a:lstStyle/>
           <a:p>
-            <a:pPr algn="ctr"/>
-            <a:r>
-              <a:rPr lang="en-US" sz="4800" dirty="0">
-                <a:solidFill>
-                  <a:srgbClr val="00FF00"/>
-                </a:solidFill>
-              </a:rPr>
-              <a:t>Rust</a:t>
-            </a:r>
-            <a:endParaRPr lang="vi-VN" sz="4800" dirty="0">
-              <a:solidFill>
-                <a:srgbClr val="00FF00"/>
-              </a:solidFill>
-            </a:endParaRPr>
-          </a:p>
-        </p:txBody>
-      </p:sp>
-      <p:sp>
-        <p:nvSpPr>
-          <p:cNvPr id="3" name="TextBox 2">
-            <a:extLst>
-              <a:ext uri="{FF2B5EF4-FFF2-40B4-BE49-F238E27FC236}">
-                <a16:creationId xmlns:a16="http://schemas.microsoft.com/office/drawing/2014/main" id="{7156D1A0-2122-4C3D-8246-4978E9DF6336}"/>
-              </a:ext>
-            </a:extLst>
-          </p:cNvPr>
-          <p:cNvSpPr txBox="1"/>
-          <p:nvPr/>
-        </p:nvSpPr>
-        <p:spPr>
-          <a:xfrm>
-            <a:off x="0" y="3490557"/>
-            <a:ext cx="12192000" cy="707886"/>
-          </a:xfrm>
-          <a:prstGeom prst="rect">
-            <a:avLst/>
-          </a:prstGeom>
-          <a:noFill/>
-        </p:spPr>
-        <p:txBody>
-          <a:bodyPr wrap="square" rtlCol="0">
-            <a:spAutoFit/>
-          </a:bodyPr>
-          <a:lstStyle/>
-          <a:p>
-            <a:pPr algn="ctr"/>
-            <a:r>
-              <a:rPr lang="en-US" sz="4000" dirty="0">
-                <a:solidFill>
-                  <a:srgbClr val="00FF00"/>
-                </a:solidFill>
-              </a:rPr>
-              <a:t>Mozilla</a:t>
-            </a:r>
-            <a:endParaRPr lang="vi-VN" sz="4000" dirty="0">
-              <a:solidFill>
-                <a:srgbClr val="00FF00"/>
-              </a:solidFill>
-            </a:endParaRPr>
+            <a:r>
+              <a:rPr lang="vi-VN" sz="2800" dirty="0">
+                <a:solidFill>
+                  <a:srgbClr val="00FF00"/>
+                </a:solidFill>
+              </a:rPr>
+              <a:t>+[-[&lt;&lt;[+[---&gt;]-[&lt;&lt;&lt;]]]&gt;&gt;&gt;-]&gt;-.---.&gt;..&gt;.&lt;&lt;&lt;&lt;-.&lt;+.&gt;&gt;&gt;&gt;&gt;.&gt;.&lt;&lt;.&lt;-.</a:t>
+            </a:r>
           </a:p>
         </p:txBody>
       </p:sp>
     </p:spTree>
     <p:extLst>
       <p:ext uri="{BB962C8B-B14F-4D97-AF65-F5344CB8AC3E}">
-        <p14:creationId xmlns:p14="http://schemas.microsoft.com/office/powerpoint/2010/main" val="255506846"/>
+        <p14:creationId xmlns:p14="http://schemas.microsoft.com/office/powerpoint/2010/main" val="1805725340"/>
       </p:ext>
     </p:extLst>
   </p:cSld>
@@ -10586,7 +10894,7 @@
                   <a:srgbClr val="00FF00"/>
                 </a:solidFill>
               </a:rPr>
-              <a:t>JavaScript like language</a:t>
+              <a:t>Oak</a:t>
             </a:r>
             <a:endParaRPr lang="vi-VN" sz="4800" dirty="0">
               <a:solidFill>
@@ -10626,20 +10934,20 @@
           <a:p>
             <a:pPr algn="ctr"/>
             <a:r>
+              <a:rPr lang="en-US" sz="4000" dirty="0">
+                <a:solidFill>
+                  <a:srgbClr val="00FF00"/>
+                </a:solidFill>
+              </a:rPr>
+              <a:t>James </a:t>
+            </a:r>
+            <a:r>
               <a:rPr lang="en-US" sz="4000" dirty="0" err="1">
                 <a:solidFill>
                   <a:srgbClr val="00FF00"/>
                 </a:solidFill>
               </a:rPr>
-              <a:t>CoffeeScript</a:t>
-            </a:r>
-            <a:r>
-              <a:rPr lang="en-US" sz="4000" dirty="0">
-                <a:solidFill>
-                  <a:srgbClr val="00FF00"/>
-                </a:solidFill>
-              </a:rPr>
-              <a:t>, Dart, TypeScript, …..</a:t>
+              <a:t>Gossling</a:t>
             </a:r>
             <a:endParaRPr lang="vi-VN" sz="4000" dirty="0">
               <a:solidFill>
@@ -10652,7 +10960,7 @@
     </p:spTree>
     <p:extLst>
       <p:ext uri="{BB962C8B-B14F-4D97-AF65-F5344CB8AC3E}">
-        <p14:creationId xmlns:p14="http://schemas.microsoft.com/office/powerpoint/2010/main" val="933306100"/>
+        <p14:creationId xmlns:p14="http://schemas.microsoft.com/office/powerpoint/2010/main" val="4284336047"/>
       </p:ext>
     </p:extLst>
   </p:cSld>
@@ -10679,54 +10987,22 @@
           <a:chExt cx="0" cy="0"/>
         </a:xfrm>
       </p:grpSpPr>
-      <p:pic>
-        <p:nvPicPr>
-          <p:cNvPr id="6" name="Content Placeholder 5">
-            <a:extLst>
-              <a:ext uri="{FF2B5EF4-FFF2-40B4-BE49-F238E27FC236}">
-                <a16:creationId xmlns:a16="http://schemas.microsoft.com/office/drawing/2014/main" id="{CAEDE699-9DC7-4553-B56B-5CA056191A2D}"/>
-              </a:ext>
-            </a:extLst>
-          </p:cNvPr>
-          <p:cNvPicPr>
-            <a:picLocks noGrp="1" noChangeAspect="1"/>
-          </p:cNvPicPr>
-          <p:nvPr>
-            <p:ph idx="1"/>
-          </p:nvPr>
-        </p:nvPicPr>
-        <p:blipFill>
-          <a:blip r:embed="rId2"/>
-          <a:stretch>
-            <a:fillRect/>
-          </a:stretch>
-        </p:blipFill>
+      <p:sp>
+        <p:nvSpPr>
+          <p:cNvPr id="4" name="TextBox 3">
+            <a:extLst>
+              <a:ext uri="{FF2B5EF4-FFF2-40B4-BE49-F238E27FC236}">
+                <a16:creationId xmlns:a16="http://schemas.microsoft.com/office/drawing/2014/main" id="{3C6FD1E6-15D2-4296-A885-7E8D8B4AD957}"/>
+              </a:ext>
+            </a:extLst>
+          </p:cNvPr>
+          <p:cNvSpPr txBox="1"/>
+          <p:nvPr/>
+        </p:nvSpPr>
         <p:spPr>
           <a:xfrm>
-            <a:off x="1838662" y="2160105"/>
-            <a:ext cx="9362813" cy="3896138"/>
-          </a:xfrm>
-          <a:prstGeom prst="rect">
-            <a:avLst/>
-          </a:prstGeom>
-        </p:spPr>
-      </p:pic>
-      <p:sp>
-        <p:nvSpPr>
-          <p:cNvPr id="8" name="TextBox 7">
-            <a:extLst>
-              <a:ext uri="{FF2B5EF4-FFF2-40B4-BE49-F238E27FC236}">
-                <a16:creationId xmlns:a16="http://schemas.microsoft.com/office/drawing/2014/main" id="{26AB9B2C-9E4F-4FB2-B7C1-ADA56FB1F4B0}"/>
-              </a:ext>
-            </a:extLst>
-          </p:cNvPr>
-          <p:cNvSpPr txBox="1"/>
-          <p:nvPr/>
-        </p:nvSpPr>
-        <p:spPr>
-          <a:xfrm>
-            <a:off x="3145046" y="259141"/>
-            <a:ext cx="9046954" cy="1569660"/>
+            <a:off x="0" y="2536447"/>
+            <a:ext cx="12192000" cy="830997"/>
           </a:xfrm>
           <a:prstGeom prst="rect">
             <a:avLst/>
@@ -10739,21 +11015,80 @@
           </a:bodyPr>
           <a:lstStyle/>
           <a:p>
-            <a:r>
-              <a:rPr lang="en-US" sz="9600" dirty="0">
-                <a:solidFill>
-                  <a:srgbClr val="00FF00"/>
-                </a:solidFill>
-                <a:latin typeface="Aharoni" panose="02010803020104030203" pitchFamily="2" charset="-79"/>
-                <a:cs typeface="Aharoni" panose="02010803020104030203" pitchFamily="2" charset="-79"/>
-              </a:rPr>
-              <a:t>Category</a:t>
-            </a:r>
-            <a:endParaRPr lang="vi-VN" sz="9600" dirty="0">
+            <a:pPr algn="ctr"/>
+            <a:r>
+              <a:rPr lang="en-US" sz="4800" dirty="0">
+                <a:solidFill>
+                  <a:srgbClr val="00FF00"/>
+                </a:solidFill>
+              </a:rPr>
+              <a:t>Java</a:t>
+            </a:r>
+            <a:endParaRPr lang="vi-VN" sz="4800" dirty="0">
               <a:solidFill>
                 <a:srgbClr val="00FF00"/>
               </a:solidFill>
-              <a:cs typeface="Aharoni" panose="02010803020104030203" pitchFamily="2" charset="-79"/>
+            </a:endParaRPr>
+          </a:p>
+        </p:txBody>
+      </p:sp>
+      <p:sp>
+        <p:nvSpPr>
+          <p:cNvPr id="3" name="TextBox 2">
+            <a:extLst>
+              <a:ext uri="{FF2B5EF4-FFF2-40B4-BE49-F238E27FC236}">
+                <a16:creationId xmlns:a16="http://schemas.microsoft.com/office/drawing/2014/main" id="{7156D1A0-2122-4C3D-8246-4978E9DF6336}"/>
+              </a:ext>
+            </a:extLst>
+          </p:cNvPr>
+          <p:cNvSpPr txBox="1"/>
+          <p:nvPr/>
+        </p:nvSpPr>
+        <p:spPr>
+          <a:xfrm>
+            <a:off x="0" y="3490557"/>
+            <a:ext cx="12192000" cy="707886"/>
+          </a:xfrm>
+          <a:prstGeom prst="rect">
+            <a:avLst/>
+          </a:prstGeom>
+          <a:noFill/>
+        </p:spPr>
+        <p:txBody>
+          <a:bodyPr wrap="square" rtlCol="0">
+            <a:spAutoFit/>
+          </a:bodyPr>
+          <a:lstStyle/>
+          <a:p>
+            <a:pPr algn="ctr"/>
+            <a:r>
+              <a:rPr lang="en-US" sz="4000" dirty="0">
+                <a:solidFill>
+                  <a:srgbClr val="00FF00"/>
+                </a:solidFill>
+              </a:rPr>
+              <a:t>James </a:t>
+            </a:r>
+            <a:r>
+              <a:rPr lang="en-US" sz="4000" dirty="0" err="1">
+                <a:solidFill>
+                  <a:srgbClr val="00FF00"/>
+                </a:solidFill>
+              </a:rPr>
+              <a:t>Gossling</a:t>
+            </a:r>
+            <a:r>
+              <a:rPr lang="en-US" sz="4000" dirty="0">
+                <a:solidFill>
+                  <a:srgbClr val="00FF00"/>
+                </a:solidFill>
+              </a:rPr>
+              <a:t> &amp; Sun Microsystems</a:t>
+            </a:r>
+            <a:endParaRPr lang="vi-VN" sz="4000" dirty="0">
+              <a:solidFill>
+                <a:srgbClr val="00FF00"/>
+              </a:solidFill>
             </a:endParaRPr>
           </a:p>
         </p:txBody>
@@ -10761,7 +11096,7 @@
     </p:spTree>
     <p:extLst>
       <p:ext uri="{BB962C8B-B14F-4D97-AF65-F5344CB8AC3E}">
-        <p14:creationId xmlns:p14="http://schemas.microsoft.com/office/powerpoint/2010/main" val="3270536585"/>
+        <p14:creationId xmlns:p14="http://schemas.microsoft.com/office/powerpoint/2010/main" val="4141882679"/>
       </p:ext>
     </p:extLst>
   </p:cSld>
@@ -10790,115 +11125,1540 @@
       </p:grpSpPr>
       <p:sp>
         <p:nvSpPr>
-          <p:cNvPr id="4" name="Hộp Văn bản 3">
-            <a:extLst>
-              <a:ext uri="{FF2B5EF4-FFF2-40B4-BE49-F238E27FC236}">
-                <a16:creationId xmlns:a16="http://schemas.microsoft.com/office/drawing/2014/main" id="{CBC22A56-140B-49AF-BF22-522A937D8F3F}"/>
-              </a:ext>
-            </a:extLst>
-          </p:cNvPr>
-          <p:cNvSpPr txBox="1"/>
-          <p:nvPr/>
+          <p:cNvPr id="2" name="Title 1">
+            <a:extLst>
+              <a:ext uri="{FF2B5EF4-FFF2-40B4-BE49-F238E27FC236}">
+                <a16:creationId xmlns:a16="http://schemas.microsoft.com/office/drawing/2014/main" id="{C0A927EC-1591-43A5-9FBF-5A44CC2E4D86}"/>
+              </a:ext>
+            </a:extLst>
+          </p:cNvPr>
+          <p:cNvSpPr>
+            <a:spLocks noGrp="1"/>
+          </p:cNvSpPr>
+          <p:nvPr>
+            <p:ph type="title"/>
+          </p:nvPr>
         </p:nvSpPr>
         <p:spPr>
           <a:xfrm>
-            <a:off x="395654" y="600501"/>
-            <a:ext cx="11109409" cy="5293757"/>
+            <a:off x="997227" y="2978253"/>
+            <a:ext cx="10515600" cy="1325563"/>
           </a:xfrm>
-          <a:prstGeom prst="rect">
-            <a:avLst/>
-          </a:prstGeom>
-          <a:noFill/>
         </p:spPr>
         <p:txBody>
-          <a:bodyPr wrap="square" rtlCol="0">
-            <a:spAutoFit/>
+          <a:bodyPr>
+            <a:noAutofit/>
           </a:bodyPr>
           <a:lstStyle/>
           <a:p>
             <a:r>
-              <a:rPr lang="en-US" sz="3200" dirty="0">
-                <a:solidFill>
-                  <a:srgbClr val="00FF00"/>
-                </a:solidFill>
-              </a:rPr>
-              <a:t>Programming languages category (based on most common paradigms)</a:t>
-            </a:r>
-          </a:p>
-          <a:p>
-            <a:pPr marL="285750" indent="-285750">
-              <a:buFontTx/>
-              <a:buChar char="-"/>
-            </a:pPr>
-            <a:r>
-              <a:rPr lang="en-US" sz="3200" dirty="0">
-                <a:solidFill>
-                  <a:srgbClr val="00FF00"/>
-                </a:solidFill>
-              </a:rPr>
-              <a:t>Imperative: describes step-by-step instructions to computer to perform.</a:t>
-            </a:r>
-          </a:p>
-          <a:p>
-            <a:pPr lvl="1"/>
-            <a:r>
-              <a:rPr lang="en-US" sz="3200" dirty="0">
-                <a:solidFill>
-                  <a:srgbClr val="00FF00"/>
-                </a:solidFill>
-              </a:rPr>
-              <a:t>+	Procedural</a:t>
-            </a:r>
-          </a:p>
-          <a:p>
-            <a:pPr lvl="1"/>
-            <a:r>
-              <a:rPr lang="en-US" sz="3200" dirty="0">
-                <a:solidFill>
-                  <a:srgbClr val="00FF00"/>
-                </a:solidFill>
-              </a:rPr>
-              <a:t>+	Object - oriented</a:t>
-            </a:r>
-          </a:p>
-          <a:p>
-            <a:pPr marL="285750" indent="-285750">
-              <a:buFontTx/>
-              <a:buChar char="-"/>
-            </a:pPr>
-            <a:r>
-              <a:rPr lang="en-US" sz="3200" dirty="0">
-                <a:solidFill>
-                  <a:srgbClr val="00FF00"/>
-                </a:solidFill>
-              </a:rPr>
-              <a:t>Declarative:  declares properties of the desired result, but not how to compute it.</a:t>
-            </a:r>
-          </a:p>
-          <a:p>
-            <a:pPr lvl="1"/>
-            <a:r>
-              <a:rPr lang="en-US" sz="3200" dirty="0">
-                <a:solidFill>
-                  <a:srgbClr val="00FF00"/>
-                </a:solidFill>
-              </a:rPr>
-              <a:t>+	Functional</a:t>
-            </a:r>
-          </a:p>
-          <a:p>
-            <a:pPr lvl="1"/>
-            <a:r>
-              <a:rPr lang="en-US" sz="3200" dirty="0">
-                <a:solidFill>
-                  <a:srgbClr val="00FF00"/>
-                </a:solidFill>
-              </a:rPr>
-              <a:t>+	Logic</a:t>
-            </a:r>
-          </a:p>
-          <a:p>
-            <a:endParaRPr lang="en-US" dirty="0">
+              <a:rPr lang="en-US" sz="600" dirty="0">
+                <a:solidFill>
+                  <a:srgbClr val="00FF00"/>
+                </a:solidFill>
+              </a:rPr>
+              <a:t>package usingj2ee.hello;</a:t>
+            </a:r>
+            <a:br>
+              <a:rPr lang="en-US" sz="600" dirty="0">
+                <a:solidFill>
+                  <a:srgbClr val="00FF00"/>
+                </a:solidFill>
+              </a:rPr>
+            </a:br>
+            <a:br>
+              <a:rPr lang="en-US" sz="600" dirty="0">
+                <a:solidFill>
+                  <a:srgbClr val="00FF00"/>
+                </a:solidFill>
+              </a:rPr>
+            </a:br>
+            <a:r>
+              <a:rPr lang="en-US" sz="600" dirty="0">
+                <a:solidFill>
+                  <a:srgbClr val="00FF00"/>
+                </a:solidFill>
+              </a:rPr>
+              <a:t>import </a:t>
+            </a:r>
+            <a:r>
+              <a:rPr lang="en-US" sz="600" dirty="0" err="1">
+                <a:solidFill>
+                  <a:srgbClr val="00FF00"/>
+                </a:solidFill>
+              </a:rPr>
+              <a:t>java.rmi</a:t>
+            </a:r>
+            <a:r>
+              <a:rPr lang="en-US" sz="600" dirty="0">
+                <a:solidFill>
+                  <a:srgbClr val="00FF00"/>
+                </a:solidFill>
+              </a:rPr>
+              <a:t>.*;</a:t>
+            </a:r>
+            <a:br>
+              <a:rPr lang="en-US" sz="600" dirty="0">
+                <a:solidFill>
+                  <a:srgbClr val="00FF00"/>
+                </a:solidFill>
+              </a:rPr>
+            </a:br>
+            <a:r>
+              <a:rPr lang="en-US" sz="600" dirty="0">
+                <a:solidFill>
+                  <a:srgbClr val="00FF00"/>
+                </a:solidFill>
+              </a:rPr>
+              <a:t>import </a:t>
+            </a:r>
+            <a:r>
+              <a:rPr lang="en-US" sz="600" dirty="0" err="1">
+                <a:solidFill>
+                  <a:srgbClr val="00FF00"/>
+                </a:solidFill>
+              </a:rPr>
+              <a:t>java.util</a:t>
+            </a:r>
+            <a:r>
+              <a:rPr lang="en-US" sz="600" dirty="0">
+                <a:solidFill>
+                  <a:srgbClr val="00FF00"/>
+                </a:solidFill>
+              </a:rPr>
+              <a:t>.*;</a:t>
+            </a:r>
+            <a:br>
+              <a:rPr lang="en-US" sz="600" dirty="0">
+                <a:solidFill>
+                  <a:srgbClr val="00FF00"/>
+                </a:solidFill>
+              </a:rPr>
+            </a:br>
+            <a:r>
+              <a:rPr lang="en-US" sz="600" dirty="0">
+                <a:solidFill>
+                  <a:srgbClr val="00FF00"/>
+                </a:solidFill>
+              </a:rPr>
+              <a:t>import </a:t>
+            </a:r>
+            <a:r>
+              <a:rPr lang="en-US" sz="600" dirty="0" err="1">
+                <a:solidFill>
+                  <a:srgbClr val="00FF00"/>
+                </a:solidFill>
+              </a:rPr>
+              <a:t>javax.ejb</a:t>
+            </a:r>
+            <a:r>
+              <a:rPr lang="en-US" sz="600" dirty="0">
+                <a:solidFill>
+                  <a:srgbClr val="00FF00"/>
+                </a:solidFill>
+              </a:rPr>
+              <a:t>.*;</a:t>
+            </a:r>
+            <a:br>
+              <a:rPr lang="en-US" sz="600" dirty="0">
+                <a:solidFill>
+                  <a:srgbClr val="00FF00"/>
+                </a:solidFill>
+              </a:rPr>
+            </a:br>
+            <a:br>
+              <a:rPr lang="en-US" sz="600" dirty="0">
+                <a:solidFill>
+                  <a:srgbClr val="00FF00"/>
+                </a:solidFill>
+              </a:rPr>
+            </a:br>
+            <a:r>
+              <a:rPr lang="en-US" sz="600" dirty="0">
+                <a:solidFill>
+                  <a:srgbClr val="00FF00"/>
+                </a:solidFill>
+              </a:rPr>
+              <a:t>/** The implementation class for the </a:t>
+            </a:r>
+            <a:r>
+              <a:rPr lang="en-US" sz="600" dirty="0" err="1">
+                <a:solidFill>
+                  <a:srgbClr val="00FF00"/>
+                </a:solidFill>
+              </a:rPr>
+              <a:t>HelloWorldSession</a:t>
+            </a:r>
+            <a:r>
+              <a:rPr lang="en-US" sz="600" dirty="0">
+                <a:solidFill>
+                  <a:srgbClr val="00FF00"/>
+                </a:solidFill>
+              </a:rPr>
+              <a:t> bean */</a:t>
+            </a:r>
+            <a:br>
+              <a:rPr lang="en-US" sz="600" dirty="0">
+                <a:solidFill>
+                  <a:srgbClr val="00FF00"/>
+                </a:solidFill>
+              </a:rPr>
+            </a:br>
+            <a:br>
+              <a:rPr lang="en-US" sz="600" dirty="0">
+                <a:solidFill>
+                  <a:srgbClr val="00FF00"/>
+                </a:solidFill>
+              </a:rPr>
+            </a:br>
+            <a:r>
+              <a:rPr lang="en-US" sz="600" dirty="0">
+                <a:solidFill>
+                  <a:srgbClr val="00FF00"/>
+                </a:solidFill>
+              </a:rPr>
+              <a:t>public class </a:t>
+            </a:r>
+            <a:r>
+              <a:rPr lang="en-US" sz="600" dirty="0" err="1">
+                <a:solidFill>
+                  <a:srgbClr val="00FF00"/>
+                </a:solidFill>
+              </a:rPr>
+              <a:t>HelloWorldSessionImpl</a:t>
+            </a:r>
+            <a:r>
+              <a:rPr lang="en-US" sz="600" dirty="0">
+                <a:solidFill>
+                  <a:srgbClr val="00FF00"/>
+                </a:solidFill>
+              </a:rPr>
+              <a:t> implements </a:t>
+            </a:r>
+            <a:r>
+              <a:rPr lang="en-US" sz="600" dirty="0" err="1">
+                <a:solidFill>
+                  <a:srgbClr val="00FF00"/>
+                </a:solidFill>
+              </a:rPr>
+              <a:t>SessionBean</a:t>
+            </a:r>
+            <a:br>
+              <a:rPr lang="en-US" sz="600" dirty="0">
+                <a:solidFill>
+                  <a:srgbClr val="00FF00"/>
+                </a:solidFill>
+              </a:rPr>
+            </a:br>
+            <a:r>
+              <a:rPr lang="en-US" sz="600" dirty="0">
+                <a:solidFill>
+                  <a:srgbClr val="00FF00"/>
+                </a:solidFill>
+              </a:rPr>
+              <a:t>{</a:t>
+            </a:r>
+            <a:br>
+              <a:rPr lang="en-US" sz="600" dirty="0">
+                <a:solidFill>
+                  <a:srgbClr val="00FF00"/>
+                </a:solidFill>
+              </a:rPr>
+            </a:br>
+            <a:r>
+              <a:rPr lang="en-US" sz="600" dirty="0">
+                <a:solidFill>
+                  <a:srgbClr val="00FF00"/>
+                </a:solidFill>
+              </a:rPr>
+              <a:t>/** Holds the session's greeting */</a:t>
+            </a:r>
+            <a:br>
+              <a:rPr lang="en-US" sz="600" dirty="0">
+                <a:solidFill>
+                  <a:srgbClr val="00FF00"/>
+                </a:solidFill>
+              </a:rPr>
+            </a:br>
+            <a:r>
+              <a:rPr lang="en-US" sz="600" dirty="0">
+                <a:solidFill>
+                  <a:srgbClr val="00FF00"/>
+                </a:solidFill>
+              </a:rPr>
+              <a:t>    protected String greeting;</a:t>
+            </a:r>
+            <a:br>
+              <a:rPr lang="en-US" sz="600" dirty="0">
+                <a:solidFill>
+                  <a:srgbClr val="00FF00"/>
+                </a:solidFill>
+              </a:rPr>
+            </a:br>
+            <a:br>
+              <a:rPr lang="en-US" sz="600" dirty="0">
+                <a:solidFill>
+                  <a:srgbClr val="00FF00"/>
+                </a:solidFill>
+              </a:rPr>
+            </a:br>
+            <a:r>
+              <a:rPr lang="en-US" sz="600" dirty="0">
+                <a:solidFill>
+                  <a:srgbClr val="00FF00"/>
+                </a:solidFill>
+              </a:rPr>
+              <a:t>/** The session context provided by the EJB container. A session bean must</a:t>
+            </a:r>
+            <a:br>
+              <a:rPr lang="en-US" sz="600" dirty="0">
+                <a:solidFill>
+                  <a:srgbClr val="00FF00"/>
+                </a:solidFill>
+              </a:rPr>
+            </a:br>
+            <a:r>
+              <a:rPr lang="en-US" sz="600" dirty="0">
+                <a:solidFill>
+                  <a:srgbClr val="00FF00"/>
+                </a:solidFill>
+              </a:rPr>
+              <a:t>    hold on to the context it is given. */</a:t>
+            </a:r>
+            <a:br>
+              <a:rPr lang="en-US" sz="600" dirty="0">
+                <a:solidFill>
+                  <a:srgbClr val="00FF00"/>
+                </a:solidFill>
+              </a:rPr>
+            </a:br>
+            <a:br>
+              <a:rPr lang="en-US" sz="600" dirty="0">
+                <a:solidFill>
+                  <a:srgbClr val="00FF00"/>
+                </a:solidFill>
+              </a:rPr>
+            </a:br>
+            <a:r>
+              <a:rPr lang="en-US" sz="600" dirty="0">
+                <a:solidFill>
+                  <a:srgbClr val="00FF00"/>
+                </a:solidFill>
+              </a:rPr>
+              <a:t>    private </a:t>
+            </a:r>
+            <a:r>
+              <a:rPr lang="en-US" sz="600" dirty="0" err="1">
+                <a:solidFill>
+                  <a:srgbClr val="00FF00"/>
+                </a:solidFill>
+              </a:rPr>
+              <a:t>SessionContext</a:t>
+            </a:r>
+            <a:r>
+              <a:rPr lang="en-US" sz="600" dirty="0">
+                <a:solidFill>
+                  <a:srgbClr val="00FF00"/>
+                </a:solidFill>
+              </a:rPr>
+              <a:t> context;</a:t>
+            </a:r>
+            <a:br>
+              <a:rPr lang="en-US" sz="600" dirty="0">
+                <a:solidFill>
+                  <a:srgbClr val="00FF00"/>
+                </a:solidFill>
+              </a:rPr>
+            </a:br>
+            <a:br>
+              <a:rPr lang="en-US" sz="600" dirty="0">
+                <a:solidFill>
+                  <a:srgbClr val="00FF00"/>
+                </a:solidFill>
+              </a:rPr>
+            </a:br>
+            <a:r>
+              <a:rPr lang="en-US" sz="600" dirty="0">
+                <a:solidFill>
+                  <a:srgbClr val="00FF00"/>
+                </a:solidFill>
+              </a:rPr>
+              <a:t>/** An EJB must have a public, </a:t>
+            </a:r>
+            <a:r>
+              <a:rPr lang="en-US" sz="600" dirty="0" err="1">
+                <a:solidFill>
+                  <a:srgbClr val="00FF00"/>
+                </a:solidFill>
+              </a:rPr>
+              <a:t>parameterless</a:t>
+            </a:r>
+            <a:r>
+              <a:rPr lang="en-US" sz="600" dirty="0">
+                <a:solidFill>
+                  <a:srgbClr val="00FF00"/>
+                </a:solidFill>
+              </a:rPr>
+              <a:t> constructor */     </a:t>
+            </a:r>
+            <a:br>
+              <a:rPr lang="en-US" sz="600" dirty="0">
+                <a:solidFill>
+                  <a:srgbClr val="00FF00"/>
+                </a:solidFill>
+              </a:rPr>
+            </a:br>
+            <a:br>
+              <a:rPr lang="en-US" sz="600" dirty="0">
+                <a:solidFill>
+                  <a:srgbClr val="00FF00"/>
+                </a:solidFill>
+              </a:rPr>
+            </a:br>
+            <a:r>
+              <a:rPr lang="en-US" sz="600" dirty="0">
+                <a:solidFill>
+                  <a:srgbClr val="00FF00"/>
+                </a:solidFill>
+              </a:rPr>
+              <a:t>    public </a:t>
+            </a:r>
+            <a:r>
+              <a:rPr lang="en-US" sz="600" dirty="0" err="1">
+                <a:solidFill>
+                  <a:srgbClr val="00FF00"/>
+                </a:solidFill>
+              </a:rPr>
+              <a:t>HelloWorldSessionImpl</a:t>
+            </a:r>
+            <a:r>
+              <a:rPr lang="en-US" sz="600" dirty="0">
+                <a:solidFill>
+                  <a:srgbClr val="00FF00"/>
+                </a:solidFill>
+              </a:rPr>
+              <a:t>()</a:t>
+            </a:r>
+            <a:br>
+              <a:rPr lang="en-US" sz="600" dirty="0">
+                <a:solidFill>
+                  <a:srgbClr val="00FF00"/>
+                </a:solidFill>
+              </a:rPr>
+            </a:br>
+            <a:r>
+              <a:rPr lang="en-US" sz="600" dirty="0">
+                <a:solidFill>
+                  <a:srgbClr val="00FF00"/>
+                </a:solidFill>
+              </a:rPr>
+              <a:t>    {</a:t>
+            </a:r>
+            <a:br>
+              <a:rPr lang="en-US" sz="600" dirty="0">
+                <a:solidFill>
+                  <a:srgbClr val="00FF00"/>
+                </a:solidFill>
+              </a:rPr>
+            </a:br>
+            <a:r>
+              <a:rPr lang="en-US" sz="600" dirty="0">
+                <a:solidFill>
+                  <a:srgbClr val="00FF00"/>
+                </a:solidFill>
+              </a:rPr>
+              <a:t>    }</a:t>
+            </a:r>
+            <a:br>
+              <a:rPr lang="en-US" sz="600" dirty="0">
+                <a:solidFill>
+                  <a:srgbClr val="00FF00"/>
+                </a:solidFill>
+              </a:rPr>
+            </a:br>
+            <a:br>
+              <a:rPr lang="en-US" sz="600" dirty="0">
+                <a:solidFill>
+                  <a:srgbClr val="00FF00"/>
+                </a:solidFill>
+              </a:rPr>
+            </a:br>
+            <a:r>
+              <a:rPr lang="en-US" sz="600" dirty="0">
+                <a:solidFill>
+                  <a:srgbClr val="00FF00"/>
+                </a:solidFill>
+              </a:rPr>
+              <a:t>/** Called by the EJB container to set this session's context */</a:t>
+            </a:r>
+            <a:br>
+              <a:rPr lang="en-US" sz="600" dirty="0">
+                <a:solidFill>
+                  <a:srgbClr val="00FF00"/>
+                </a:solidFill>
+              </a:rPr>
+            </a:br>
+            <a:br>
+              <a:rPr lang="en-US" sz="600" dirty="0">
+                <a:solidFill>
+                  <a:srgbClr val="00FF00"/>
+                </a:solidFill>
+              </a:rPr>
+            </a:br>
+            <a:r>
+              <a:rPr lang="en-US" sz="600" dirty="0">
+                <a:solidFill>
+                  <a:srgbClr val="00FF00"/>
+                </a:solidFill>
+              </a:rPr>
+              <a:t>    public void </a:t>
+            </a:r>
+            <a:r>
+              <a:rPr lang="en-US" sz="600" dirty="0" err="1">
+                <a:solidFill>
+                  <a:srgbClr val="00FF00"/>
+                </a:solidFill>
+              </a:rPr>
+              <a:t>setSessionContext</a:t>
+            </a:r>
+            <a:r>
+              <a:rPr lang="en-US" sz="600" dirty="0">
+                <a:solidFill>
+                  <a:srgbClr val="00FF00"/>
+                </a:solidFill>
+              </a:rPr>
+              <a:t>(</a:t>
+            </a:r>
+            <a:r>
+              <a:rPr lang="en-US" sz="600" dirty="0" err="1">
+                <a:solidFill>
+                  <a:srgbClr val="00FF00"/>
+                </a:solidFill>
+              </a:rPr>
+              <a:t>SessionContext</a:t>
+            </a:r>
+            <a:r>
+              <a:rPr lang="en-US" sz="600" dirty="0">
+                <a:solidFill>
+                  <a:srgbClr val="00FF00"/>
+                </a:solidFill>
+              </a:rPr>
+              <a:t> </a:t>
+            </a:r>
+            <a:r>
+              <a:rPr lang="en-US" sz="600" dirty="0" err="1">
+                <a:solidFill>
+                  <a:srgbClr val="00FF00"/>
+                </a:solidFill>
+              </a:rPr>
+              <a:t>aContext</a:t>
+            </a:r>
+            <a:r>
+              <a:rPr lang="en-US" sz="600" dirty="0">
+                <a:solidFill>
+                  <a:srgbClr val="00FF00"/>
+                </a:solidFill>
+              </a:rPr>
+              <a:t>)</a:t>
+            </a:r>
+            <a:br>
+              <a:rPr lang="en-US" sz="600" dirty="0">
+                <a:solidFill>
+                  <a:srgbClr val="00FF00"/>
+                </a:solidFill>
+              </a:rPr>
+            </a:br>
+            <a:r>
+              <a:rPr lang="en-US" sz="600" dirty="0">
+                <a:solidFill>
+                  <a:srgbClr val="00FF00"/>
+                </a:solidFill>
+              </a:rPr>
+              <a:t>    {</a:t>
+            </a:r>
+            <a:br>
+              <a:rPr lang="en-US" sz="600" dirty="0">
+                <a:solidFill>
+                  <a:srgbClr val="00FF00"/>
+                </a:solidFill>
+              </a:rPr>
+            </a:br>
+            <a:r>
+              <a:rPr lang="en-US" sz="600" dirty="0">
+                <a:solidFill>
+                  <a:srgbClr val="00FF00"/>
+                </a:solidFill>
+              </a:rPr>
+              <a:t>        context = </a:t>
+            </a:r>
+            <a:r>
+              <a:rPr lang="en-US" sz="600" dirty="0" err="1">
+                <a:solidFill>
+                  <a:srgbClr val="00FF00"/>
+                </a:solidFill>
+              </a:rPr>
+              <a:t>aContext</a:t>
+            </a:r>
+            <a:r>
+              <a:rPr lang="en-US" sz="600" dirty="0">
+                <a:solidFill>
+                  <a:srgbClr val="00FF00"/>
+                </a:solidFill>
+              </a:rPr>
+              <a:t>;</a:t>
+            </a:r>
+            <a:br>
+              <a:rPr lang="en-US" sz="600" dirty="0">
+                <a:solidFill>
+                  <a:srgbClr val="00FF00"/>
+                </a:solidFill>
+              </a:rPr>
+            </a:br>
+            <a:r>
+              <a:rPr lang="en-US" sz="600" dirty="0">
+                <a:solidFill>
+                  <a:srgbClr val="00FF00"/>
+                </a:solidFill>
+              </a:rPr>
+              <a:t>    }</a:t>
+            </a:r>
+            <a:br>
+              <a:rPr lang="en-US" sz="600" dirty="0">
+                <a:solidFill>
+                  <a:srgbClr val="00FF00"/>
+                </a:solidFill>
+              </a:rPr>
+            </a:br>
+            <a:br>
+              <a:rPr lang="en-US" sz="600" dirty="0">
+                <a:solidFill>
+                  <a:srgbClr val="00FF00"/>
+                </a:solidFill>
+              </a:rPr>
+            </a:br>
+            <a:r>
+              <a:rPr lang="en-US" sz="600" dirty="0">
+                <a:solidFill>
+                  <a:srgbClr val="00FF00"/>
+                </a:solidFill>
+              </a:rPr>
+              <a:t>/** Called by the EJB container when a client calls the create() method in</a:t>
+            </a:r>
+            <a:br>
+              <a:rPr lang="en-US" sz="600" dirty="0">
+                <a:solidFill>
+                  <a:srgbClr val="00FF00"/>
+                </a:solidFill>
+              </a:rPr>
+            </a:br>
+            <a:r>
+              <a:rPr lang="en-US" sz="600" dirty="0">
+                <a:solidFill>
+                  <a:srgbClr val="00FF00"/>
+                </a:solidFill>
+              </a:rPr>
+              <a:t>    the Home interface */</a:t>
+            </a:r>
+            <a:br>
+              <a:rPr lang="en-US" sz="600" dirty="0">
+                <a:solidFill>
+                  <a:srgbClr val="00FF00"/>
+                </a:solidFill>
+              </a:rPr>
+            </a:br>
+            <a:br>
+              <a:rPr lang="en-US" sz="600" dirty="0">
+                <a:solidFill>
+                  <a:srgbClr val="00FF00"/>
+                </a:solidFill>
+              </a:rPr>
+            </a:br>
+            <a:r>
+              <a:rPr lang="en-US" sz="600" dirty="0">
+                <a:solidFill>
+                  <a:srgbClr val="00FF00"/>
+                </a:solidFill>
+              </a:rPr>
+              <a:t>    public void </a:t>
+            </a:r>
+            <a:r>
+              <a:rPr lang="en-US" sz="600" dirty="0" err="1">
+                <a:solidFill>
+                  <a:srgbClr val="00FF00"/>
+                </a:solidFill>
+              </a:rPr>
+              <a:t>ejbCreate</a:t>
+            </a:r>
+            <a:r>
+              <a:rPr lang="en-US" sz="600" dirty="0">
+                <a:solidFill>
+                  <a:srgbClr val="00FF00"/>
+                </a:solidFill>
+              </a:rPr>
+              <a:t>()</a:t>
+            </a:r>
+            <a:br>
+              <a:rPr lang="en-US" sz="600" dirty="0">
+                <a:solidFill>
+                  <a:srgbClr val="00FF00"/>
+                </a:solidFill>
+              </a:rPr>
+            </a:br>
+            <a:r>
+              <a:rPr lang="en-US" sz="600" dirty="0">
+                <a:solidFill>
+                  <a:srgbClr val="00FF00"/>
+                </a:solidFill>
+              </a:rPr>
+              <a:t>        throws </a:t>
+            </a:r>
+            <a:r>
+              <a:rPr lang="en-US" sz="600" dirty="0" err="1">
+                <a:solidFill>
+                  <a:srgbClr val="00FF00"/>
+                </a:solidFill>
+              </a:rPr>
+              <a:t>CreateException</a:t>
+            </a:r>
+            <a:br>
+              <a:rPr lang="en-US" sz="600" dirty="0">
+                <a:solidFill>
+                  <a:srgbClr val="00FF00"/>
+                </a:solidFill>
+              </a:rPr>
+            </a:br>
+            <a:r>
+              <a:rPr lang="en-US" sz="600" dirty="0">
+                <a:solidFill>
+                  <a:srgbClr val="00FF00"/>
+                </a:solidFill>
+              </a:rPr>
+              <a:t>    {</a:t>
+            </a:r>
+            <a:br>
+              <a:rPr lang="en-US" sz="600" dirty="0">
+                <a:solidFill>
+                  <a:srgbClr val="00FF00"/>
+                </a:solidFill>
+              </a:rPr>
+            </a:br>
+            <a:r>
+              <a:rPr lang="en-US" sz="600" dirty="0">
+                <a:solidFill>
+                  <a:srgbClr val="00FF00"/>
+                </a:solidFill>
+              </a:rPr>
+              <a:t>        greeting = "Hello World!";</a:t>
+            </a:r>
+            <a:br>
+              <a:rPr lang="en-US" sz="600" dirty="0">
+                <a:solidFill>
+                  <a:srgbClr val="00FF00"/>
+                </a:solidFill>
+              </a:rPr>
+            </a:br>
+            <a:r>
+              <a:rPr lang="en-US" sz="600" dirty="0">
+                <a:solidFill>
+                  <a:srgbClr val="00FF00"/>
+                </a:solidFill>
+              </a:rPr>
+              <a:t>    }</a:t>
+            </a:r>
+            <a:br>
+              <a:rPr lang="en-US" sz="600" dirty="0">
+                <a:solidFill>
+                  <a:srgbClr val="00FF00"/>
+                </a:solidFill>
+              </a:rPr>
+            </a:br>
+            <a:br>
+              <a:rPr lang="en-US" sz="600" dirty="0">
+                <a:solidFill>
+                  <a:srgbClr val="00FF00"/>
+                </a:solidFill>
+              </a:rPr>
+            </a:br>
+            <a:r>
+              <a:rPr lang="en-US" sz="600" dirty="0">
+                <a:solidFill>
+                  <a:srgbClr val="00FF00"/>
+                </a:solidFill>
+              </a:rPr>
+              <a:t>/** Called by the EJB container when a client calls the</a:t>
+            </a:r>
+            <a:br>
+              <a:rPr lang="en-US" sz="600" dirty="0">
+                <a:solidFill>
+                  <a:srgbClr val="00FF00"/>
+                </a:solidFill>
+              </a:rPr>
+            </a:br>
+            <a:r>
+              <a:rPr lang="en-US" sz="600" dirty="0">
+                <a:solidFill>
+                  <a:srgbClr val="00FF00"/>
+                </a:solidFill>
+              </a:rPr>
+              <a:t>    create(String) method in the Home interface */     </a:t>
+            </a:r>
+            <a:br>
+              <a:rPr lang="en-US" sz="600" dirty="0">
+                <a:solidFill>
+                  <a:srgbClr val="00FF00"/>
+                </a:solidFill>
+              </a:rPr>
+            </a:br>
+            <a:br>
+              <a:rPr lang="en-US" sz="600" dirty="0">
+                <a:solidFill>
+                  <a:srgbClr val="00FF00"/>
+                </a:solidFill>
+              </a:rPr>
+            </a:br>
+            <a:r>
+              <a:rPr lang="en-US" sz="600" dirty="0">
+                <a:solidFill>
+                  <a:srgbClr val="00FF00"/>
+                </a:solidFill>
+              </a:rPr>
+              <a:t>    public void </a:t>
+            </a:r>
+            <a:r>
+              <a:rPr lang="en-US" sz="600" dirty="0" err="1">
+                <a:solidFill>
+                  <a:srgbClr val="00FF00"/>
+                </a:solidFill>
+              </a:rPr>
+              <a:t>ejbCreate</a:t>
+            </a:r>
+            <a:r>
+              <a:rPr lang="en-US" sz="600" dirty="0">
+                <a:solidFill>
+                  <a:srgbClr val="00FF00"/>
+                </a:solidFill>
+              </a:rPr>
+              <a:t>(String </a:t>
+            </a:r>
+            <a:r>
+              <a:rPr lang="en-US" sz="600" dirty="0" err="1">
+                <a:solidFill>
+                  <a:srgbClr val="00FF00"/>
+                </a:solidFill>
+              </a:rPr>
+              <a:t>aGreeting</a:t>
+            </a:r>
+            <a:r>
+              <a:rPr lang="en-US" sz="600" dirty="0">
+                <a:solidFill>
+                  <a:srgbClr val="00FF00"/>
+                </a:solidFill>
+              </a:rPr>
+              <a:t>)</a:t>
+            </a:r>
+            <a:br>
+              <a:rPr lang="en-US" sz="600" dirty="0">
+                <a:solidFill>
+                  <a:srgbClr val="00FF00"/>
+                </a:solidFill>
+              </a:rPr>
+            </a:br>
+            <a:r>
+              <a:rPr lang="en-US" sz="600" dirty="0">
+                <a:solidFill>
+                  <a:srgbClr val="00FF00"/>
+                </a:solidFill>
+              </a:rPr>
+              <a:t>        throws </a:t>
+            </a:r>
+            <a:r>
+              <a:rPr lang="en-US" sz="600" dirty="0" err="1">
+                <a:solidFill>
+                  <a:srgbClr val="00FF00"/>
+                </a:solidFill>
+              </a:rPr>
+              <a:t>CreateException</a:t>
+            </a:r>
+            <a:br>
+              <a:rPr lang="en-US" sz="600" dirty="0">
+                <a:solidFill>
+                  <a:srgbClr val="00FF00"/>
+                </a:solidFill>
+              </a:rPr>
+            </a:br>
+            <a:r>
+              <a:rPr lang="en-US" sz="600" dirty="0">
+                <a:solidFill>
+                  <a:srgbClr val="00FF00"/>
+                </a:solidFill>
+              </a:rPr>
+              <a:t>    {</a:t>
+            </a:r>
+            <a:br>
+              <a:rPr lang="en-US" sz="600" dirty="0">
+                <a:solidFill>
+                  <a:srgbClr val="00FF00"/>
+                </a:solidFill>
+              </a:rPr>
+            </a:br>
+            <a:r>
+              <a:rPr lang="en-US" sz="600" dirty="0">
+                <a:solidFill>
+                  <a:srgbClr val="00FF00"/>
+                </a:solidFill>
+              </a:rPr>
+              <a:t>        greeting = </a:t>
+            </a:r>
+            <a:r>
+              <a:rPr lang="en-US" sz="600" dirty="0" err="1">
+                <a:solidFill>
+                  <a:srgbClr val="00FF00"/>
+                </a:solidFill>
+              </a:rPr>
+              <a:t>aGreeting</a:t>
+            </a:r>
+            <a:r>
+              <a:rPr lang="en-US" sz="600" dirty="0">
+                <a:solidFill>
+                  <a:srgbClr val="00FF00"/>
+                </a:solidFill>
+              </a:rPr>
+              <a:t>;</a:t>
+            </a:r>
+            <a:br>
+              <a:rPr lang="en-US" sz="600" dirty="0">
+                <a:solidFill>
+                  <a:srgbClr val="00FF00"/>
+                </a:solidFill>
+              </a:rPr>
+            </a:br>
+            <a:r>
+              <a:rPr lang="en-US" sz="600" dirty="0">
+                <a:solidFill>
+                  <a:srgbClr val="00FF00"/>
+                </a:solidFill>
+              </a:rPr>
+              <a:t>    }</a:t>
+            </a:r>
+            <a:br>
+              <a:rPr lang="en-US" sz="600" dirty="0">
+                <a:solidFill>
+                  <a:srgbClr val="00FF00"/>
+                </a:solidFill>
+              </a:rPr>
+            </a:br>
+            <a:br>
+              <a:rPr lang="en-US" sz="600" dirty="0">
+                <a:solidFill>
+                  <a:srgbClr val="00FF00"/>
+                </a:solidFill>
+              </a:rPr>
+            </a:br>
+            <a:r>
+              <a:rPr lang="en-US" sz="600" dirty="0">
+                <a:solidFill>
+                  <a:srgbClr val="00FF00"/>
+                </a:solidFill>
+              </a:rPr>
+              <a:t>/** Called by the EJB container to wake this session bean up after it</a:t>
+            </a:r>
+            <a:br>
+              <a:rPr lang="en-US" sz="600" dirty="0">
+                <a:solidFill>
+                  <a:srgbClr val="00FF00"/>
+                </a:solidFill>
+              </a:rPr>
+            </a:br>
+            <a:r>
+              <a:rPr lang="en-US" sz="600" dirty="0">
+                <a:solidFill>
+                  <a:srgbClr val="00FF00"/>
+                </a:solidFill>
+              </a:rPr>
+              <a:t>    has been put to sleep with the </a:t>
+            </a:r>
+            <a:r>
+              <a:rPr lang="en-US" sz="600" dirty="0" err="1">
+                <a:solidFill>
+                  <a:srgbClr val="00FF00"/>
+                </a:solidFill>
+              </a:rPr>
+              <a:t>ejbPassivate</a:t>
+            </a:r>
+            <a:r>
+              <a:rPr lang="en-US" sz="600" dirty="0">
+                <a:solidFill>
+                  <a:srgbClr val="00FF00"/>
+                </a:solidFill>
+              </a:rPr>
+              <a:t> method. */</a:t>
+            </a:r>
+            <a:br>
+              <a:rPr lang="en-US" sz="600" dirty="0">
+                <a:solidFill>
+                  <a:srgbClr val="00FF00"/>
+                </a:solidFill>
+              </a:rPr>
+            </a:br>
+            <a:br>
+              <a:rPr lang="en-US" sz="600" dirty="0">
+                <a:solidFill>
+                  <a:srgbClr val="00FF00"/>
+                </a:solidFill>
+              </a:rPr>
+            </a:br>
+            <a:r>
+              <a:rPr lang="en-US" sz="600" dirty="0">
+                <a:solidFill>
+                  <a:srgbClr val="00FF00"/>
+                </a:solidFill>
+              </a:rPr>
+              <a:t>    public void </a:t>
+            </a:r>
+            <a:r>
+              <a:rPr lang="en-US" sz="600" dirty="0" err="1">
+                <a:solidFill>
+                  <a:srgbClr val="00FF00"/>
+                </a:solidFill>
+              </a:rPr>
+              <a:t>ejbActivate</a:t>
+            </a:r>
+            <a:r>
+              <a:rPr lang="en-US" sz="600" dirty="0">
+                <a:solidFill>
+                  <a:srgbClr val="00FF00"/>
+                </a:solidFill>
+              </a:rPr>
+              <a:t>()</a:t>
+            </a:r>
+            <a:br>
+              <a:rPr lang="en-US" sz="600" dirty="0">
+                <a:solidFill>
+                  <a:srgbClr val="00FF00"/>
+                </a:solidFill>
+              </a:rPr>
+            </a:br>
+            <a:r>
+              <a:rPr lang="en-US" sz="600" dirty="0">
+                <a:solidFill>
+                  <a:srgbClr val="00FF00"/>
+                </a:solidFill>
+              </a:rPr>
+              <a:t>    {</a:t>
+            </a:r>
+            <a:br>
+              <a:rPr lang="en-US" sz="600" dirty="0">
+                <a:solidFill>
+                  <a:srgbClr val="00FF00"/>
+                </a:solidFill>
+              </a:rPr>
+            </a:br>
+            <a:r>
+              <a:rPr lang="en-US" sz="600" dirty="0">
+                <a:solidFill>
+                  <a:srgbClr val="00FF00"/>
+                </a:solidFill>
+              </a:rPr>
+              <a:t>    }</a:t>
+            </a:r>
+            <a:br>
+              <a:rPr lang="en-US" sz="600" dirty="0">
+                <a:solidFill>
+                  <a:srgbClr val="00FF00"/>
+                </a:solidFill>
+              </a:rPr>
+            </a:br>
+            <a:br>
+              <a:rPr lang="en-US" sz="600" dirty="0">
+                <a:solidFill>
+                  <a:srgbClr val="00FF00"/>
+                </a:solidFill>
+              </a:rPr>
+            </a:br>
+            <a:r>
+              <a:rPr lang="en-US" sz="600" dirty="0">
+                <a:solidFill>
+                  <a:srgbClr val="00FF00"/>
+                </a:solidFill>
+              </a:rPr>
+              <a:t>/** Called by the EJB container to tell this session bean that it is being</a:t>
+            </a:r>
+            <a:br>
+              <a:rPr lang="en-US" sz="600" dirty="0">
+                <a:solidFill>
+                  <a:srgbClr val="00FF00"/>
+                </a:solidFill>
+              </a:rPr>
+            </a:br>
+            <a:r>
+              <a:rPr lang="en-US" sz="600" dirty="0">
+                <a:solidFill>
+                  <a:srgbClr val="00FF00"/>
+                </a:solidFill>
+              </a:rPr>
+              <a:t>    suspended from use (it's being put to sleep). */</a:t>
+            </a:r>
+            <a:br>
+              <a:rPr lang="en-US" sz="600" dirty="0">
+                <a:solidFill>
+                  <a:srgbClr val="00FF00"/>
+                </a:solidFill>
+              </a:rPr>
+            </a:br>
+            <a:br>
+              <a:rPr lang="en-US" sz="600" dirty="0">
+                <a:solidFill>
+                  <a:srgbClr val="00FF00"/>
+                </a:solidFill>
+              </a:rPr>
+            </a:br>
+            <a:r>
+              <a:rPr lang="en-US" sz="600" dirty="0">
+                <a:solidFill>
+                  <a:srgbClr val="00FF00"/>
+                </a:solidFill>
+              </a:rPr>
+              <a:t>    public void </a:t>
+            </a:r>
+            <a:r>
+              <a:rPr lang="en-US" sz="600" dirty="0" err="1">
+                <a:solidFill>
+                  <a:srgbClr val="00FF00"/>
+                </a:solidFill>
+              </a:rPr>
+              <a:t>ejbPassivate</a:t>
+            </a:r>
+            <a:r>
+              <a:rPr lang="en-US" sz="600" dirty="0">
+                <a:solidFill>
+                  <a:srgbClr val="00FF00"/>
+                </a:solidFill>
+              </a:rPr>
+              <a:t>()</a:t>
+            </a:r>
+            <a:br>
+              <a:rPr lang="en-US" sz="600" dirty="0">
+                <a:solidFill>
+                  <a:srgbClr val="00FF00"/>
+                </a:solidFill>
+              </a:rPr>
+            </a:br>
+            <a:r>
+              <a:rPr lang="en-US" sz="600" dirty="0">
+                <a:solidFill>
+                  <a:srgbClr val="00FF00"/>
+                </a:solidFill>
+              </a:rPr>
+              <a:t>    {</a:t>
+            </a:r>
+            <a:br>
+              <a:rPr lang="en-US" sz="600" dirty="0">
+                <a:solidFill>
+                  <a:srgbClr val="00FF00"/>
+                </a:solidFill>
+              </a:rPr>
+            </a:br>
+            <a:r>
+              <a:rPr lang="en-US" sz="600" dirty="0">
+                <a:solidFill>
+                  <a:srgbClr val="00FF00"/>
+                </a:solidFill>
+              </a:rPr>
+              <a:t>    }</a:t>
+            </a:r>
+            <a:br>
+              <a:rPr lang="en-US" sz="600" dirty="0">
+                <a:solidFill>
+                  <a:srgbClr val="00FF00"/>
+                </a:solidFill>
+              </a:rPr>
+            </a:br>
+            <a:br>
+              <a:rPr lang="en-US" sz="600" dirty="0">
+                <a:solidFill>
+                  <a:srgbClr val="00FF00"/>
+                </a:solidFill>
+              </a:rPr>
+            </a:br>
+            <a:r>
+              <a:rPr lang="en-US" sz="600" dirty="0">
+                <a:solidFill>
+                  <a:srgbClr val="00FF00"/>
+                </a:solidFill>
+              </a:rPr>
+              <a:t>/** Called by the EJB container to tell this session bean that it has been</a:t>
+            </a:r>
+            <a:br>
+              <a:rPr lang="en-US" sz="600" dirty="0">
+                <a:solidFill>
+                  <a:srgbClr val="00FF00"/>
+                </a:solidFill>
+              </a:rPr>
+            </a:br>
+            <a:r>
+              <a:rPr lang="en-US" sz="600" dirty="0">
+                <a:solidFill>
+                  <a:srgbClr val="00FF00"/>
+                </a:solidFill>
+              </a:rPr>
+              <a:t>    removed, either because the client invoked the remove() method or the</a:t>
+            </a:r>
+            <a:br>
+              <a:rPr lang="en-US" sz="600" dirty="0">
+                <a:solidFill>
+                  <a:srgbClr val="00FF00"/>
+                </a:solidFill>
+              </a:rPr>
+            </a:br>
+            <a:r>
+              <a:rPr lang="en-US" sz="600" dirty="0">
+                <a:solidFill>
+                  <a:srgbClr val="00FF00"/>
+                </a:solidFill>
+              </a:rPr>
+              <a:t>    container has timed the session out. */</a:t>
+            </a:r>
+            <a:br>
+              <a:rPr lang="en-US" sz="600" dirty="0">
+                <a:solidFill>
+                  <a:srgbClr val="00FF00"/>
+                </a:solidFill>
+              </a:rPr>
+            </a:br>
+            <a:br>
+              <a:rPr lang="en-US" sz="600" dirty="0">
+                <a:solidFill>
+                  <a:srgbClr val="00FF00"/>
+                </a:solidFill>
+              </a:rPr>
+            </a:br>
+            <a:r>
+              <a:rPr lang="en-US" sz="600" dirty="0">
+                <a:solidFill>
+                  <a:srgbClr val="00FF00"/>
+                </a:solidFill>
+              </a:rPr>
+              <a:t>    public void </a:t>
+            </a:r>
+            <a:r>
+              <a:rPr lang="en-US" sz="600" dirty="0" err="1">
+                <a:solidFill>
+                  <a:srgbClr val="00FF00"/>
+                </a:solidFill>
+              </a:rPr>
+              <a:t>ejbRemove</a:t>
+            </a:r>
+            <a:r>
+              <a:rPr lang="en-US" sz="600" dirty="0">
+                <a:solidFill>
+                  <a:srgbClr val="00FF00"/>
+                </a:solidFill>
+              </a:rPr>
+              <a:t>()</a:t>
+            </a:r>
+            <a:br>
+              <a:rPr lang="en-US" sz="600" dirty="0">
+                <a:solidFill>
+                  <a:srgbClr val="00FF00"/>
+                </a:solidFill>
+              </a:rPr>
+            </a:br>
+            <a:r>
+              <a:rPr lang="en-US" sz="600" dirty="0">
+                <a:solidFill>
+                  <a:srgbClr val="00FF00"/>
+                </a:solidFill>
+              </a:rPr>
+              <a:t>    {</a:t>
+            </a:r>
+            <a:br>
+              <a:rPr lang="en-US" sz="600" dirty="0">
+                <a:solidFill>
+                  <a:srgbClr val="00FF00"/>
+                </a:solidFill>
+              </a:rPr>
+            </a:br>
+            <a:r>
+              <a:rPr lang="en-US" sz="600" dirty="0">
+                <a:solidFill>
+                  <a:srgbClr val="00FF00"/>
+                </a:solidFill>
+              </a:rPr>
+              <a:t>    }</a:t>
+            </a:r>
+            <a:br>
+              <a:rPr lang="en-US" sz="600" dirty="0">
+                <a:solidFill>
+                  <a:srgbClr val="00FF00"/>
+                </a:solidFill>
+              </a:rPr>
+            </a:br>
+            <a:br>
+              <a:rPr lang="en-US" sz="600" dirty="0">
+                <a:solidFill>
+                  <a:srgbClr val="00FF00"/>
+                </a:solidFill>
+              </a:rPr>
+            </a:br>
+            <a:r>
+              <a:rPr lang="en-US" sz="600" dirty="0">
+                <a:solidFill>
+                  <a:srgbClr val="00FF00"/>
+                </a:solidFill>
+              </a:rPr>
+              <a:t>/** Returns the session's greeting */</a:t>
+            </a:r>
+            <a:br>
+              <a:rPr lang="en-US" sz="600" dirty="0">
+                <a:solidFill>
+                  <a:srgbClr val="00FF00"/>
+                </a:solidFill>
+              </a:rPr>
+            </a:br>
+            <a:br>
+              <a:rPr lang="en-US" sz="600" dirty="0">
+                <a:solidFill>
+                  <a:srgbClr val="00FF00"/>
+                </a:solidFill>
+              </a:rPr>
+            </a:br>
+            <a:r>
+              <a:rPr lang="en-US" sz="600" dirty="0">
+                <a:solidFill>
+                  <a:srgbClr val="00FF00"/>
+                </a:solidFill>
+              </a:rPr>
+              <a:t>    public String </a:t>
+            </a:r>
+            <a:r>
+              <a:rPr lang="en-US" sz="600" dirty="0" err="1">
+                <a:solidFill>
+                  <a:srgbClr val="00FF00"/>
+                </a:solidFill>
+              </a:rPr>
+              <a:t>getGreeting</a:t>
+            </a:r>
+            <a:r>
+              <a:rPr lang="en-US" sz="600" dirty="0">
+                <a:solidFill>
+                  <a:srgbClr val="00FF00"/>
+                </a:solidFill>
+              </a:rPr>
+              <a:t>()</a:t>
+            </a:r>
+            <a:br>
+              <a:rPr lang="en-US" sz="600" dirty="0">
+                <a:solidFill>
+                  <a:srgbClr val="00FF00"/>
+                </a:solidFill>
+              </a:rPr>
+            </a:br>
+            <a:r>
+              <a:rPr lang="en-US" sz="600" dirty="0">
+                <a:solidFill>
+                  <a:srgbClr val="00FF00"/>
+                </a:solidFill>
+              </a:rPr>
+              <a:t>    {</a:t>
+            </a:r>
+            <a:br>
+              <a:rPr lang="en-US" sz="600" dirty="0">
+                <a:solidFill>
+                  <a:srgbClr val="00FF00"/>
+                </a:solidFill>
+              </a:rPr>
+            </a:br>
+            <a:r>
+              <a:rPr lang="en-US" sz="600" dirty="0">
+                <a:solidFill>
+                  <a:srgbClr val="00FF00"/>
+                </a:solidFill>
+              </a:rPr>
+              <a:t>        return greeting;</a:t>
+            </a:r>
+            <a:br>
+              <a:rPr lang="en-US" sz="600" dirty="0">
+                <a:solidFill>
+                  <a:srgbClr val="00FF00"/>
+                </a:solidFill>
+              </a:rPr>
+            </a:br>
+            <a:r>
+              <a:rPr lang="en-US" sz="600" dirty="0">
+                <a:solidFill>
+                  <a:srgbClr val="00FF00"/>
+                </a:solidFill>
+              </a:rPr>
+              <a:t>    }</a:t>
+            </a:r>
+            <a:br>
+              <a:rPr lang="en-US" sz="600" dirty="0">
+                <a:solidFill>
+                  <a:srgbClr val="00FF00"/>
+                </a:solidFill>
+              </a:rPr>
+            </a:br>
+            <a:br>
+              <a:rPr lang="en-US" sz="600" dirty="0">
+                <a:solidFill>
+                  <a:srgbClr val="00FF00"/>
+                </a:solidFill>
+              </a:rPr>
+            </a:br>
+            <a:r>
+              <a:rPr lang="en-US" sz="600" dirty="0">
+                <a:solidFill>
+                  <a:srgbClr val="00FF00"/>
+                </a:solidFill>
+              </a:rPr>
+              <a:t>/** Changes the session's greeting */</a:t>
+            </a:r>
+            <a:br>
+              <a:rPr lang="en-US" sz="600" dirty="0">
+                <a:solidFill>
+                  <a:srgbClr val="00FF00"/>
+                </a:solidFill>
+              </a:rPr>
+            </a:br>
+            <a:br>
+              <a:rPr lang="en-US" sz="600" dirty="0">
+                <a:solidFill>
+                  <a:srgbClr val="00FF00"/>
+                </a:solidFill>
+              </a:rPr>
+            </a:br>
+            <a:r>
+              <a:rPr lang="en-US" sz="600" dirty="0">
+                <a:solidFill>
+                  <a:srgbClr val="00FF00"/>
+                </a:solidFill>
+              </a:rPr>
+              <a:t>    public void </a:t>
+            </a:r>
+            <a:r>
+              <a:rPr lang="en-US" sz="600" dirty="0" err="1">
+                <a:solidFill>
+                  <a:srgbClr val="00FF00"/>
+                </a:solidFill>
+              </a:rPr>
+              <a:t>setGreeting</a:t>
+            </a:r>
+            <a:r>
+              <a:rPr lang="en-US" sz="600" dirty="0">
+                <a:solidFill>
+                  <a:srgbClr val="00FF00"/>
+                </a:solidFill>
+              </a:rPr>
+              <a:t>(String </a:t>
+            </a:r>
+            <a:r>
+              <a:rPr lang="en-US" sz="600" dirty="0" err="1">
+                <a:solidFill>
+                  <a:srgbClr val="00FF00"/>
+                </a:solidFill>
+              </a:rPr>
+              <a:t>aGreeting</a:t>
+            </a:r>
+            <a:r>
+              <a:rPr lang="en-US" sz="600" dirty="0">
+                <a:solidFill>
+                  <a:srgbClr val="00FF00"/>
+                </a:solidFill>
+              </a:rPr>
+              <a:t>)</a:t>
+            </a:r>
+            <a:br>
+              <a:rPr lang="en-US" sz="600" dirty="0">
+                <a:solidFill>
+                  <a:srgbClr val="00FF00"/>
+                </a:solidFill>
+              </a:rPr>
+            </a:br>
+            <a:r>
+              <a:rPr lang="en-US" sz="600" dirty="0">
+                <a:solidFill>
+                  <a:srgbClr val="00FF00"/>
+                </a:solidFill>
+              </a:rPr>
+              <a:t>    {</a:t>
+            </a:r>
+            <a:br>
+              <a:rPr lang="en-US" sz="600" dirty="0">
+                <a:solidFill>
+                  <a:srgbClr val="00FF00"/>
+                </a:solidFill>
+              </a:rPr>
+            </a:br>
+            <a:r>
+              <a:rPr lang="en-US" sz="600" dirty="0">
+                <a:solidFill>
+                  <a:srgbClr val="00FF00"/>
+                </a:solidFill>
+              </a:rPr>
+              <a:t>        greeting = </a:t>
+            </a:r>
+            <a:r>
+              <a:rPr lang="en-US" sz="600" dirty="0" err="1">
+                <a:solidFill>
+                  <a:srgbClr val="00FF00"/>
+                </a:solidFill>
+              </a:rPr>
+              <a:t>aGreeting</a:t>
+            </a:r>
+            <a:r>
+              <a:rPr lang="en-US" sz="600" dirty="0">
+                <a:solidFill>
+                  <a:srgbClr val="00FF00"/>
+                </a:solidFill>
+              </a:rPr>
+              <a:t>;</a:t>
+            </a:r>
+            <a:br>
+              <a:rPr lang="en-US" sz="600" dirty="0">
+                <a:solidFill>
+                  <a:srgbClr val="00FF00"/>
+                </a:solidFill>
+              </a:rPr>
+            </a:br>
+            <a:r>
+              <a:rPr lang="en-US" sz="600" dirty="0">
+                <a:solidFill>
+                  <a:srgbClr val="00FF00"/>
+                </a:solidFill>
+              </a:rPr>
+              <a:t>    }</a:t>
+            </a:r>
+            <a:br>
+              <a:rPr lang="en-US" sz="600" dirty="0">
+                <a:solidFill>
+                  <a:srgbClr val="00FF00"/>
+                </a:solidFill>
+              </a:rPr>
+            </a:br>
+            <a:r>
+              <a:rPr lang="en-US" sz="600" dirty="0">
+                <a:solidFill>
+                  <a:srgbClr val="00FF00"/>
+                </a:solidFill>
+              </a:rPr>
+              <a:t>}     </a:t>
+            </a:r>
+            <a:br>
+              <a:rPr lang="en-US" sz="600" dirty="0">
+                <a:solidFill>
+                  <a:srgbClr val="00FF00"/>
+                </a:solidFill>
+              </a:rPr>
+            </a:br>
+            <a:r>
+              <a:rPr lang="en-US" sz="600" dirty="0">
+                <a:solidFill>
+                  <a:srgbClr val="00FF00"/>
+                </a:solidFill>
+              </a:rPr>
+              <a:t>	</a:t>
+            </a:r>
+            <a:endParaRPr lang="vi-VN" sz="600" dirty="0">
               <a:solidFill>
                 <a:srgbClr val="00FF00"/>
               </a:solidFill>
@@ -10909,7 +12669,7 @@
     </p:spTree>
     <p:extLst>
       <p:ext uri="{BB962C8B-B14F-4D97-AF65-F5344CB8AC3E}">
-        <p14:creationId xmlns:p14="http://schemas.microsoft.com/office/powerpoint/2010/main" val="1989742414"/>
+        <p14:creationId xmlns:p14="http://schemas.microsoft.com/office/powerpoint/2010/main" val="784460740"/>
       </p:ext>
     </p:extLst>
   </p:cSld>
@@ -11072,267 +12832,162 @@
       </p:grpSpPr>
       <p:sp>
         <p:nvSpPr>
-          <p:cNvPr id="4" name="Hộp Văn bản 3">
-            <a:extLst>
-              <a:ext uri="{FF2B5EF4-FFF2-40B4-BE49-F238E27FC236}">
-                <a16:creationId xmlns:a16="http://schemas.microsoft.com/office/drawing/2014/main" id="{CBC22A56-140B-49AF-BF22-522A937D8F3F}"/>
-              </a:ext>
-            </a:extLst>
-          </p:cNvPr>
-          <p:cNvSpPr txBox="1"/>
-          <p:nvPr/>
+          <p:cNvPr id="2" name="Title 1">
+            <a:extLst>
+              <a:ext uri="{FF2B5EF4-FFF2-40B4-BE49-F238E27FC236}">
+                <a16:creationId xmlns:a16="http://schemas.microsoft.com/office/drawing/2014/main" id="{5B45A638-D310-4B8E-B5E0-24066CFF7497}"/>
+              </a:ext>
+            </a:extLst>
+          </p:cNvPr>
+          <p:cNvSpPr>
+            <a:spLocks noGrp="1"/>
+          </p:cNvSpPr>
+          <p:nvPr>
+            <p:ph type="title"/>
+          </p:nvPr>
         </p:nvSpPr>
         <p:spPr>
           <a:xfrm>
-            <a:off x="395654" y="600501"/>
-            <a:ext cx="11109409" cy="6063198"/>
+            <a:off x="838200" y="2766218"/>
+            <a:ext cx="10515600" cy="1325563"/>
           </a:xfrm>
-          <a:prstGeom prst="rect">
-            <a:avLst/>
-          </a:prstGeom>
-          <a:noFill/>
         </p:spPr>
         <p:txBody>
-          <a:bodyPr wrap="square" rtlCol="0">
-            <a:spAutoFit/>
+          <a:bodyPr>
+            <a:noAutofit/>
           </a:bodyPr>
           <a:lstStyle/>
           <a:p>
             <a:r>
-              <a:rPr lang="en-US" sz="2200" dirty="0">
-                <a:solidFill>
-                  <a:srgbClr val="00FF00"/>
-                </a:solidFill>
-              </a:rPr>
-              <a:t>Imperative</a:t>
-            </a:r>
-          </a:p>
-          <a:p>
-            <a:pPr marL="285750" indent="-285750">
-              <a:buFont typeface="Arial" panose="020B0604020202020204" pitchFamily="34" charset="0"/>
-              <a:buChar char="•"/>
-            </a:pPr>
-            <a:r>
-              <a:rPr lang="en-US" sz="2200" dirty="0">
-                <a:solidFill>
-                  <a:srgbClr val="00FF00"/>
-                </a:solidFill>
-              </a:rPr>
-              <a:t>Procedural : groups instructions into procedures which might be called during a program's execution</a:t>
-            </a:r>
-          </a:p>
-          <a:p>
-            <a:r>
-              <a:rPr lang="en-US" sz="2200" dirty="0">
-                <a:solidFill>
-                  <a:srgbClr val="00FF00"/>
-                </a:solidFill>
-              </a:rPr>
-              <a:t>	- Fortran (</a:t>
-            </a:r>
-            <a:r>
-              <a:rPr lang="en-US" sz="2200" dirty="0" err="1">
-                <a:solidFill>
-                  <a:srgbClr val="00FF00"/>
-                </a:solidFill>
-              </a:rPr>
-              <a:t>Formular</a:t>
-            </a:r>
-            <a:r>
-              <a:rPr lang="en-US" sz="2200" dirty="0">
-                <a:solidFill>
-                  <a:srgbClr val="00FF00"/>
-                </a:solidFill>
-              </a:rPr>
-              <a:t> Translating system)</a:t>
-            </a:r>
-          </a:p>
-          <a:p>
-            <a:r>
-              <a:rPr lang="en-US" sz="2200" dirty="0">
-                <a:solidFill>
-                  <a:srgbClr val="00FF00"/>
-                </a:solidFill>
-              </a:rPr>
-              <a:t>		   + developed by IBM in 1950’s, first commercial version was released in 1957.</a:t>
-            </a:r>
-          </a:p>
-          <a:p>
-            <a:r>
-              <a:rPr lang="en-US" sz="2200" dirty="0">
-                <a:solidFill>
-                  <a:srgbClr val="00FF00"/>
-                </a:solidFill>
-              </a:rPr>
-              <a:t>		   + the first high-level language 		   </a:t>
-            </a:r>
-          </a:p>
-          <a:p>
-            <a:r>
-              <a:rPr lang="en-US" sz="2200" dirty="0">
-                <a:solidFill>
-                  <a:srgbClr val="00FF00"/>
-                </a:solidFill>
-              </a:rPr>
-              <a:t>		   + solve problems with a heavy mathematics or computational flavor.</a:t>
-            </a:r>
-          </a:p>
-          <a:p>
-            <a:r>
-              <a:rPr lang="en-US" sz="2200" dirty="0">
-                <a:solidFill>
-                  <a:srgbClr val="00FF00"/>
-                </a:solidFill>
-              </a:rPr>
-              <a:t>	 - Cobol (</a:t>
-            </a:r>
-            <a:r>
-              <a:rPr lang="en-US" sz="2200" dirty="0" err="1">
-                <a:solidFill>
-                  <a:srgbClr val="00FF00"/>
-                </a:solidFill>
-              </a:rPr>
-              <a:t>COmon</a:t>
-            </a:r>
-            <a:r>
-              <a:rPr lang="en-US" sz="2200" dirty="0">
-                <a:solidFill>
-                  <a:srgbClr val="00FF00"/>
-                </a:solidFill>
-              </a:rPr>
-              <a:t> </a:t>
-            </a:r>
-            <a:r>
-              <a:rPr lang="en-US" sz="2200" dirty="0" err="1">
-                <a:solidFill>
-                  <a:srgbClr val="00FF00"/>
-                </a:solidFill>
-              </a:rPr>
-              <a:t>Bussiness</a:t>
-            </a:r>
-            <a:r>
-              <a:rPr lang="en-US" sz="2200" dirty="0">
-                <a:solidFill>
-                  <a:srgbClr val="00FF00"/>
-                </a:solidFill>
-              </a:rPr>
-              <a:t>-Oriented Language)</a:t>
-            </a:r>
-          </a:p>
-          <a:p>
-            <a:r>
-              <a:rPr lang="en-US" sz="2200" dirty="0">
-                <a:solidFill>
-                  <a:srgbClr val="00FF00"/>
-                </a:solidFill>
-              </a:rPr>
-              <a:t>   		 + developed by a group headed by </a:t>
-            </a:r>
-            <a:r>
-              <a:rPr lang="en-US" sz="2200" dirty="0" err="1">
-                <a:solidFill>
-                  <a:srgbClr val="00FF00"/>
-                </a:solidFill>
-              </a:rPr>
-              <a:t>Amiral</a:t>
-            </a:r>
-            <a:r>
-              <a:rPr lang="en-US" sz="2200" dirty="0">
-                <a:solidFill>
-                  <a:srgbClr val="00FF00"/>
-                </a:solidFill>
-              </a:rPr>
-              <a:t> Grace Murray Hopper of U.S Navy in </a:t>
-            </a:r>
-          </a:p>
-          <a:p>
-            <a:r>
-              <a:rPr lang="en-US" sz="2200" dirty="0">
-                <a:solidFill>
-                  <a:srgbClr val="00FF00"/>
-                </a:solidFill>
-              </a:rPr>
-              <a:t>   		   1959 and 1960</a:t>
-            </a:r>
-          </a:p>
-          <a:p>
-            <a:r>
-              <a:rPr lang="en-US" sz="2200" dirty="0">
-                <a:solidFill>
-                  <a:srgbClr val="00FF00"/>
-                </a:solidFill>
-              </a:rPr>
-              <a:t>		 + serve </a:t>
-            </a:r>
-            <a:r>
-              <a:rPr lang="en-US" sz="2200" dirty="0" err="1">
-                <a:solidFill>
-                  <a:srgbClr val="00FF00"/>
-                </a:solidFill>
-              </a:rPr>
-              <a:t>bussiness</a:t>
-            </a:r>
-            <a:r>
-              <a:rPr lang="en-US" sz="2200" dirty="0">
-                <a:solidFill>
-                  <a:srgbClr val="00FF00"/>
-                </a:solidFill>
-              </a:rPr>
-              <a:t> .</a:t>
-            </a:r>
-          </a:p>
-          <a:p>
-            <a:r>
-              <a:rPr lang="en-US" sz="2200" dirty="0">
-                <a:solidFill>
-                  <a:srgbClr val="00FF00"/>
-                </a:solidFill>
-              </a:rPr>
-              <a:t>	- C:             </a:t>
-            </a:r>
-          </a:p>
-          <a:p>
-            <a:r>
-              <a:rPr lang="en-US" sz="2200" dirty="0">
-                <a:solidFill>
-                  <a:srgbClr val="00FF00"/>
-                </a:solidFill>
-              </a:rPr>
-              <a:t>		+ developed in early 1970s by Dennis Ritchie at AT&amp;T lab.</a:t>
-            </a:r>
-          </a:p>
-          <a:p>
-            <a:r>
-              <a:rPr lang="en-US" sz="2200" dirty="0">
-                <a:solidFill>
-                  <a:srgbClr val="00FF00"/>
-                </a:solidFill>
-              </a:rPr>
-              <a:t>		+ originally designed system programming (UNIX).</a:t>
-            </a:r>
-          </a:p>
-          <a:p>
-            <a:r>
-              <a:rPr lang="en-US" sz="2200" dirty="0">
-                <a:solidFill>
-                  <a:srgbClr val="00FF00"/>
-                </a:solidFill>
-              </a:rPr>
-              <a:t>		+ was a popular for its close relationship with UNIX and its 				efficiency.</a:t>
-            </a:r>
-          </a:p>
-          <a:p>
-            <a:r>
-              <a:rPr lang="en-US" dirty="0">
-                <a:solidFill>
-                  <a:srgbClr val="00FF00"/>
-                </a:solidFill>
-              </a:rPr>
-              <a:t>	</a:t>
-            </a:r>
-          </a:p>
-          <a:p>
-            <a:endParaRPr lang="en-US" dirty="0">
+              <a:rPr lang="en-US" sz="3200" b="1" dirty="0">
+                <a:solidFill>
+                  <a:srgbClr val="00FF00"/>
+                </a:solidFill>
+              </a:rPr>
+              <a:t>public class HelloWorld {</a:t>
+            </a:r>
+            <a:br>
+              <a:rPr lang="en-US" sz="3200" b="1" dirty="0">
+                <a:solidFill>
+                  <a:srgbClr val="00FF00"/>
+                </a:solidFill>
+              </a:rPr>
+            </a:br>
+            <a:br>
+              <a:rPr lang="en-US" sz="3200" b="1" dirty="0">
+                <a:solidFill>
+                  <a:srgbClr val="00FF00"/>
+                </a:solidFill>
+              </a:rPr>
+            </a:br>
+            <a:r>
+              <a:rPr lang="en-US" sz="3200" b="1" dirty="0">
+                <a:solidFill>
+                  <a:srgbClr val="00FF00"/>
+                </a:solidFill>
+              </a:rPr>
+              <a:t>    public static void main(String[] </a:t>
+            </a:r>
+            <a:r>
+              <a:rPr lang="en-US" sz="3200" b="1" dirty="0" err="1">
+                <a:solidFill>
+                  <a:srgbClr val="00FF00"/>
+                </a:solidFill>
+              </a:rPr>
+              <a:t>args</a:t>
+            </a:r>
+            <a:r>
+              <a:rPr lang="en-US" sz="3200" b="1" dirty="0">
+                <a:solidFill>
+                  <a:srgbClr val="00FF00"/>
+                </a:solidFill>
+              </a:rPr>
+              <a:t>) {</a:t>
+            </a:r>
+            <a:br>
+              <a:rPr lang="en-US" sz="3200" b="1" dirty="0">
+                <a:solidFill>
+                  <a:srgbClr val="00FF00"/>
+                </a:solidFill>
+              </a:rPr>
+            </a:br>
+            <a:r>
+              <a:rPr lang="en-US" sz="3200" b="1" dirty="0">
+                <a:solidFill>
+                  <a:srgbClr val="00FF00"/>
+                </a:solidFill>
+              </a:rPr>
+              <a:t>        // Prints "Hello, World" to the terminal window.</a:t>
+            </a:r>
+            <a:br>
+              <a:rPr lang="en-US" sz="3200" b="1" dirty="0">
+                <a:solidFill>
+                  <a:srgbClr val="00FF00"/>
+                </a:solidFill>
+              </a:rPr>
+            </a:br>
+            <a:r>
+              <a:rPr lang="en-US" sz="3200" b="1" dirty="0">
+                <a:solidFill>
+                  <a:srgbClr val="00FF00"/>
+                </a:solidFill>
+              </a:rPr>
+              <a:t>        </a:t>
+            </a:r>
+            <a:r>
+              <a:rPr lang="en-US" sz="3200" b="1" dirty="0" err="1">
+                <a:solidFill>
+                  <a:srgbClr val="00FF00"/>
+                </a:solidFill>
+              </a:rPr>
+              <a:t>System.out.println</a:t>
+            </a:r>
+            <a:r>
+              <a:rPr lang="en-US" sz="3200" b="1" dirty="0">
+                <a:solidFill>
+                  <a:srgbClr val="00FF00"/>
+                </a:solidFill>
+              </a:rPr>
+              <a:t>("Hello, World");</a:t>
+            </a:r>
+            <a:br>
+              <a:rPr lang="en-US" sz="3200" b="1" dirty="0">
+                <a:solidFill>
+                  <a:srgbClr val="00FF00"/>
+                </a:solidFill>
+              </a:rPr>
+            </a:br>
+            <a:r>
+              <a:rPr lang="en-US" sz="3200" b="1" dirty="0">
+                <a:solidFill>
+                  <a:srgbClr val="00FF00"/>
+                </a:solidFill>
+              </a:rPr>
+              <a:t>    }</a:t>
+            </a:r>
+            <a:br>
+              <a:rPr lang="en-US" sz="3200" b="1" dirty="0">
+                <a:solidFill>
+                  <a:srgbClr val="00FF00"/>
+                </a:solidFill>
+              </a:rPr>
+            </a:br>
+            <a:br>
+              <a:rPr lang="en-US" sz="3200" b="1" dirty="0">
+                <a:solidFill>
+                  <a:srgbClr val="00FF00"/>
+                </a:solidFill>
+              </a:rPr>
+            </a:br>
+            <a:r>
+              <a:rPr lang="en-US" sz="3200" b="1" dirty="0">
+                <a:solidFill>
+                  <a:srgbClr val="00FF00"/>
+                </a:solidFill>
+              </a:rPr>
+              <a:t>}</a:t>
+            </a:r>
+            <a:endParaRPr lang="vi-VN" sz="3200" b="1" dirty="0">
               <a:solidFill>
                 <a:srgbClr val="00FF00"/>
               </a:solidFill>
@@ -11343,7 +12998,7 @@
     </p:spTree>
     <p:extLst>
       <p:ext uri="{BB962C8B-B14F-4D97-AF65-F5344CB8AC3E}">
-        <p14:creationId xmlns:p14="http://schemas.microsoft.com/office/powerpoint/2010/main" val="898724099"/>
+        <p14:creationId xmlns:p14="http://schemas.microsoft.com/office/powerpoint/2010/main" val="255207214"/>
       </p:ext>
     </p:extLst>
   </p:cSld>
@@ -11372,10 +13027,10 @@
       </p:grpSpPr>
       <p:sp>
         <p:nvSpPr>
-          <p:cNvPr id="4" name="Hộp Văn bản 3">
-            <a:extLst>
-              <a:ext uri="{FF2B5EF4-FFF2-40B4-BE49-F238E27FC236}">
-                <a16:creationId xmlns:a16="http://schemas.microsoft.com/office/drawing/2014/main" id="{CBC22A56-140B-49AF-BF22-522A937D8F3F}"/>
+          <p:cNvPr id="4" name="TextBox 3">
+            <a:extLst>
+              <a:ext uri="{FF2B5EF4-FFF2-40B4-BE49-F238E27FC236}">
+                <a16:creationId xmlns:a16="http://schemas.microsoft.com/office/drawing/2014/main" id="{3C6FD1E6-15D2-4296-A885-7E8D8B4AD957}"/>
               </a:ext>
             </a:extLst>
           </p:cNvPr>
@@ -11384,8 +13039,8 @@
         </p:nvSpPr>
         <p:spPr>
           <a:xfrm>
-            <a:off x="446045" y="289917"/>
-            <a:ext cx="11109409" cy="4770537"/>
+            <a:off x="0" y="2536447"/>
+            <a:ext cx="12192000" cy="830997"/>
           </a:xfrm>
           <a:prstGeom prst="rect">
             <a:avLst/>
@@ -11398,171 +13053,16 @@
           </a:bodyPr>
           <a:lstStyle/>
           <a:p>
-            <a:r>
-              <a:rPr lang="en-US" sz="2200" dirty="0">
-                <a:solidFill>
-                  <a:srgbClr val="00FF00"/>
-                </a:solidFill>
-              </a:rPr>
-              <a:t>Imperative</a:t>
-            </a:r>
-          </a:p>
-          <a:p>
-            <a:pPr marL="285750" indent="-285750">
-              <a:buFont typeface="Arial" panose="020B0604020202020204" pitchFamily="34" charset="0"/>
-              <a:buChar char="•"/>
-            </a:pPr>
-            <a:r>
-              <a:rPr lang="en-US" sz="2200" dirty="0">
-                <a:solidFill>
-                  <a:srgbClr val="00FF00"/>
-                </a:solidFill>
-              </a:rPr>
-              <a:t>Object-oriented : groups instructions together with the part of the state they operate on</a:t>
-            </a:r>
-          </a:p>
-          <a:p>
-            <a:r>
-              <a:rPr lang="en-US" sz="2200" dirty="0">
-                <a:solidFill>
-                  <a:srgbClr val="00FF00"/>
-                </a:solidFill>
-              </a:rPr>
-              <a:t>	- Smalltalk (purely):</a:t>
-            </a:r>
-          </a:p>
-          <a:p>
-            <a:r>
-              <a:rPr lang="en-US" sz="2200" dirty="0">
-                <a:solidFill>
-                  <a:srgbClr val="00FF00"/>
-                </a:solidFill>
-              </a:rPr>
-              <a:t>		+ developed at the Learning Research Group of Xerox PARC by during the 		1970s.</a:t>
-            </a:r>
-          </a:p>
-          <a:p>
-            <a:r>
-              <a:rPr lang="en-US" sz="2200" dirty="0">
-                <a:solidFill>
-                  <a:srgbClr val="00FF00"/>
-                </a:solidFill>
-              </a:rPr>
-              <a:t>		+ first for educational use, later for constructionist learning.</a:t>
-            </a:r>
-          </a:p>
-          <a:p>
-            <a:r>
-              <a:rPr lang="en-US" sz="2200" dirty="0">
-                <a:solidFill>
-                  <a:srgbClr val="00FF00"/>
-                </a:solidFill>
-              </a:rPr>
-              <a:t>	 - Ruby:   		 </a:t>
-            </a:r>
-          </a:p>
-          <a:p>
-            <a:r>
-              <a:rPr lang="en-US" sz="2200" dirty="0">
-                <a:solidFill>
-                  <a:srgbClr val="00FF00"/>
-                </a:solidFill>
-              </a:rPr>
-              <a:t>		+ developed in 1993 by </a:t>
-            </a:r>
-            <a:r>
-              <a:rPr lang="en-US" sz="2200" dirty="0" err="1">
-                <a:solidFill>
-                  <a:srgbClr val="00FF00"/>
-                </a:solidFill>
-              </a:rPr>
-              <a:t>Matsumiko</a:t>
-            </a:r>
-            <a:r>
-              <a:rPr lang="en-US" sz="2200" dirty="0">
-                <a:solidFill>
-                  <a:srgbClr val="00FF00"/>
-                </a:solidFill>
-              </a:rPr>
-              <a:t> Yukihiro in Japan.		 </a:t>
-            </a:r>
-          </a:p>
-          <a:p>
-            <a:r>
-              <a:rPr lang="en-US" sz="2200" dirty="0">
-                <a:solidFill>
-                  <a:srgbClr val="00FF00"/>
-                </a:solidFill>
-              </a:rPr>
-              <a:t>		+ influenced by Perl, Smalltalk, Eiffel, Ada, and Lisp.</a:t>
-            </a:r>
-          </a:p>
-          <a:p>
-            <a:r>
-              <a:rPr lang="en-US" sz="2200" dirty="0">
-                <a:solidFill>
-                  <a:srgbClr val="00FF00"/>
-                </a:solidFill>
-              </a:rPr>
-              <a:t>	- </a:t>
-            </a:r>
-            <a:r>
-              <a:rPr lang="en-US" sz="2200" dirty="0" err="1">
-                <a:solidFill>
-                  <a:srgbClr val="00FF00"/>
-                </a:solidFill>
-              </a:rPr>
-              <a:t>Effiel</a:t>
-            </a:r>
-            <a:r>
-              <a:rPr lang="en-US" sz="2200" dirty="0">
-                <a:solidFill>
-                  <a:srgbClr val="00FF00"/>
-                </a:solidFill>
-              </a:rPr>
-              <a:t>  (purely):             </a:t>
-            </a:r>
-          </a:p>
-          <a:p>
-            <a:r>
-              <a:rPr lang="en-US" sz="2200" dirty="0">
-                <a:solidFill>
-                  <a:srgbClr val="00FF00"/>
-                </a:solidFill>
-              </a:rPr>
-              <a:t>		+ developed in 1985 by Bertrand Meyer. 		</a:t>
-            </a:r>
-          </a:p>
-          <a:p>
-            <a:r>
-              <a:rPr lang="en-US" sz="2200" dirty="0">
-                <a:solidFill>
-                  <a:srgbClr val="00FF00"/>
-                </a:solidFill>
-              </a:rPr>
-              <a:t>		+ many important programming concepts.	</a:t>
-            </a:r>
-          </a:p>
-          <a:p>
-            <a:r>
-              <a:rPr lang="en-US" sz="2200" dirty="0">
-                <a:solidFill>
-                  <a:srgbClr val="00FF00"/>
-                </a:solidFill>
-              </a:rPr>
-              <a:t>	</a:t>
-            </a:r>
-            <a:r>
-              <a:rPr lang="en-US" dirty="0">
-                <a:solidFill>
-                  <a:srgbClr val="00FF00"/>
-                </a:solidFill>
-              </a:rPr>
-              <a:t>	</a:t>
-            </a:r>
-          </a:p>
-          <a:p>
-            <a:endParaRPr lang="en-US" dirty="0">
+            <a:pPr algn="ctr"/>
+            <a:r>
+              <a:rPr lang="en-US" sz="4800" dirty="0">
+                <a:solidFill>
+                  <a:srgbClr val="00FF00"/>
+                </a:solidFill>
+              </a:rPr>
+              <a:t>PHP</a:t>
+            </a:r>
+            <a:endParaRPr lang="vi-VN" sz="4800" dirty="0">
               <a:solidFill>
                 <a:srgbClr val="00FF00"/>
               </a:solidFill>
@@ -11570,10 +13070,63 @@
           </a:p>
         </p:txBody>
       </p:sp>
+      <p:sp>
+        <p:nvSpPr>
+          <p:cNvPr id="3" name="TextBox 2">
+            <a:extLst>
+              <a:ext uri="{FF2B5EF4-FFF2-40B4-BE49-F238E27FC236}">
+                <a16:creationId xmlns:a16="http://schemas.microsoft.com/office/drawing/2014/main" id="{7156D1A0-2122-4C3D-8246-4978E9DF6336}"/>
+              </a:ext>
+            </a:extLst>
+          </p:cNvPr>
+          <p:cNvSpPr txBox="1"/>
+          <p:nvPr/>
+        </p:nvSpPr>
+        <p:spPr>
+          <a:xfrm>
+            <a:off x="0" y="3490557"/>
+            <a:ext cx="12192000" cy="707886"/>
+          </a:xfrm>
+          <a:prstGeom prst="rect">
+            <a:avLst/>
+          </a:prstGeom>
+          <a:noFill/>
+        </p:spPr>
+        <p:txBody>
+          <a:bodyPr wrap="square" rtlCol="0">
+            <a:spAutoFit/>
+          </a:bodyPr>
+          <a:lstStyle/>
+          <a:p>
+            <a:pPr algn="ctr"/>
+            <a:r>
+              <a:rPr lang="en-US" sz="4000" dirty="0">
+                <a:solidFill>
+                  <a:srgbClr val="00FF00"/>
+                </a:solidFill>
+              </a:rPr>
+              <a:t>Rasmus </a:t>
+            </a:r>
+            <a:r>
+              <a:rPr lang="en-US" sz="4000" dirty="0" err="1">
+                <a:solidFill>
+                  <a:srgbClr val="00FF00"/>
+                </a:solidFill>
+              </a:rPr>
+              <a:t>Lerdorf</a:t>
+            </a:r>
+            <a:endParaRPr lang="vi-VN" sz="4000" dirty="0">
+              <a:solidFill>
+                <a:srgbClr val="00FF00"/>
+              </a:solidFill>
+            </a:endParaRPr>
+          </a:p>
+        </p:txBody>
+      </p:sp>
     </p:spTree>
     <p:extLst>
       <p:ext uri="{BB962C8B-B14F-4D97-AF65-F5344CB8AC3E}">
-        <p14:creationId xmlns:p14="http://schemas.microsoft.com/office/powerpoint/2010/main" val="3111521534"/>
+        <p14:creationId xmlns:p14="http://schemas.microsoft.com/office/powerpoint/2010/main" val="4195663016"/>
       </p:ext>
     </p:extLst>
   </p:cSld>
@@ -11602,217 +13155,77 @@
       </p:grpSpPr>
       <p:sp>
         <p:nvSpPr>
-          <p:cNvPr id="4" name="Hộp Văn bản 3">
-            <a:extLst>
-              <a:ext uri="{FF2B5EF4-FFF2-40B4-BE49-F238E27FC236}">
-                <a16:creationId xmlns:a16="http://schemas.microsoft.com/office/drawing/2014/main" id="{CBC22A56-140B-49AF-BF22-522A937D8F3F}"/>
-              </a:ext>
-            </a:extLst>
-          </p:cNvPr>
-          <p:cNvSpPr txBox="1"/>
-          <p:nvPr/>
+          <p:cNvPr id="2" name="Title 1">
+            <a:extLst>
+              <a:ext uri="{FF2B5EF4-FFF2-40B4-BE49-F238E27FC236}">
+                <a16:creationId xmlns:a16="http://schemas.microsoft.com/office/drawing/2014/main" id="{E09AC5D8-14EE-4C10-B84D-49334EDFB27A}"/>
+              </a:ext>
+            </a:extLst>
+          </p:cNvPr>
+          <p:cNvSpPr>
+            <a:spLocks noGrp="1"/>
+          </p:cNvSpPr>
+          <p:nvPr>
+            <p:ph type="title"/>
+          </p:nvPr>
         </p:nvSpPr>
         <p:spPr>
           <a:xfrm>
-            <a:off x="386129" y="366623"/>
-            <a:ext cx="11109409" cy="5109091"/>
+            <a:off x="838200" y="2339699"/>
+            <a:ext cx="10515600" cy="1325563"/>
           </a:xfrm>
-          <a:prstGeom prst="rect">
-            <a:avLst/>
-          </a:prstGeom>
-          <a:noFill/>
         </p:spPr>
         <p:txBody>
-          <a:bodyPr wrap="square" rtlCol="0">
-            <a:spAutoFit/>
+          <a:bodyPr>
+            <a:normAutofit fontScale="90000"/>
           </a:bodyPr>
           <a:lstStyle/>
           <a:p>
             <a:r>
-              <a:rPr lang="en-US" sz="2200" dirty="0">
-                <a:solidFill>
-                  <a:srgbClr val="00FF00"/>
-                </a:solidFill>
-              </a:rPr>
-              <a:t>Imperative</a:t>
-            </a:r>
-          </a:p>
-          <a:p>
-            <a:pPr marL="285750" indent="-285750">
-              <a:buFont typeface="Arial" panose="020B0604020202020204" pitchFamily="34" charset="0"/>
-              <a:buChar char="•"/>
-            </a:pPr>
-            <a:r>
-              <a:rPr lang="en-US" sz="2200" dirty="0">
-                <a:solidFill>
-                  <a:srgbClr val="00FF00"/>
-                </a:solidFill>
-              </a:rPr>
-              <a:t>Object-oriented : 	</a:t>
-            </a:r>
-          </a:p>
-          <a:p>
-            <a:pPr lvl="2"/>
-            <a:r>
-              <a:rPr lang="en-US" sz="2200" dirty="0">
-                <a:solidFill>
-                  <a:srgbClr val="00FF00"/>
-                </a:solidFill>
-              </a:rPr>
-              <a:t>- Java :</a:t>
-            </a:r>
-          </a:p>
-          <a:p>
-            <a:r>
-              <a:rPr lang="en-US" sz="2200" dirty="0">
-                <a:solidFill>
-                  <a:srgbClr val="00FF00"/>
-                </a:solidFill>
-              </a:rPr>
-              <a:t>		+ developed by James Gosling at Sun Microsystems and released in 1995.</a:t>
-            </a:r>
-          </a:p>
-          <a:p>
-            <a:r>
-              <a:rPr lang="en-US" sz="2200" dirty="0">
-                <a:solidFill>
-                  <a:srgbClr val="00FF00"/>
-                </a:solidFill>
-              </a:rPr>
-              <a:t>		+ features from </a:t>
-            </a:r>
-            <a:r>
-              <a:rPr lang="en-US" sz="2200" dirty="0" err="1">
-                <a:solidFill>
-                  <a:srgbClr val="00FF00"/>
-                </a:solidFill>
-              </a:rPr>
-              <a:t>SmallTalk</a:t>
-            </a:r>
-            <a:r>
-              <a:rPr lang="en-US" sz="2200" dirty="0">
-                <a:solidFill>
-                  <a:srgbClr val="00FF00"/>
-                </a:solidFill>
-              </a:rPr>
-              <a:t>, with a syntax similar to C and	C++. 				+ fewer low-level facilities than C and  C++, provide garbage collection.</a:t>
-            </a:r>
-          </a:p>
-          <a:p>
-            <a:r>
-              <a:rPr lang="en-US" sz="2200" dirty="0">
-                <a:solidFill>
-                  <a:srgbClr val="00FF00"/>
-                </a:solidFill>
-              </a:rPr>
-              <a:t>	 - C#:</a:t>
-            </a:r>
-          </a:p>
-          <a:p>
-            <a:r>
-              <a:rPr lang="en-US" sz="2200" dirty="0">
-                <a:solidFill>
-                  <a:srgbClr val="00FF00"/>
-                </a:solidFill>
-              </a:rPr>
-              <a:t>		+ developed by Microsoft in 2000.</a:t>
-            </a:r>
-          </a:p>
-          <a:p>
-            <a:r>
-              <a:rPr lang="en-US" sz="2200" dirty="0">
-                <a:solidFill>
-                  <a:srgbClr val="00FF00"/>
-                </a:solidFill>
-              </a:rPr>
-              <a:t>		+ make some improvements over C++ in safe usage.</a:t>
-            </a:r>
-          </a:p>
-          <a:p>
-            <a:r>
-              <a:rPr lang="en-US" sz="2200" dirty="0">
-                <a:solidFill>
-                  <a:srgbClr val="00FF00"/>
-                </a:solidFill>
-              </a:rPr>
-              <a:t>		+ share many features with Java, an object-oriented syntax based on C++. </a:t>
-            </a:r>
-            <a:r>
-              <a:rPr lang="en-US" dirty="0">
-                <a:solidFill>
-                  <a:srgbClr val="00FF00"/>
-                </a:solidFill>
-              </a:rPr>
-              <a:t>	 </a:t>
-            </a:r>
-            <a:r>
-              <a:rPr lang="en-US" sz="2200" dirty="0">
-                <a:solidFill>
-                  <a:srgbClr val="00FF00"/>
-                </a:solidFill>
-              </a:rPr>
-              <a:t>- C++:</a:t>
-            </a:r>
-          </a:p>
-          <a:p>
-            <a:r>
-              <a:rPr lang="en-US" sz="2200" dirty="0">
-                <a:solidFill>
-                  <a:srgbClr val="00FF00"/>
-                </a:solidFill>
-              </a:rPr>
-              <a:t>		+ developed at Bell Labs by Bjarne </a:t>
-            </a:r>
-            <a:r>
-              <a:rPr lang="en-US" sz="2200" dirty="0" err="1">
-                <a:solidFill>
-                  <a:srgbClr val="00FF00"/>
-                </a:solidFill>
-              </a:rPr>
-              <a:t>Stroustrup</a:t>
-            </a:r>
-            <a:r>
-              <a:rPr lang="en-US" sz="2200" dirty="0">
-                <a:solidFill>
-                  <a:srgbClr val="00FF00"/>
-                </a:solidFill>
-              </a:rPr>
-              <a:t> in early 1980s.</a:t>
-            </a:r>
-          </a:p>
-          <a:p>
-            <a:r>
-              <a:rPr lang="en-US" sz="2200" dirty="0">
-                <a:solidFill>
-                  <a:srgbClr val="00FF00"/>
-                </a:solidFill>
-              </a:rPr>
-              <a:t>		+ extending the C programming language. </a:t>
-            </a:r>
-          </a:p>
-          <a:p>
-            <a:r>
-              <a:rPr lang="en-US" sz="2200" dirty="0">
-                <a:solidFill>
-                  <a:srgbClr val="00FF00"/>
-                </a:solidFill>
-              </a:rPr>
-              <a:t>		+ provide the ability to do  object – oriented programming </a:t>
-            </a:r>
-          </a:p>
-          <a:p>
-            <a:endParaRPr lang="en-US" dirty="0">
-              <a:solidFill>
-                <a:srgbClr val="00FF00"/>
-              </a:solidFill>
-            </a:endParaRPr>
+              <a:rPr lang="vi-VN" dirty="0">
+                <a:solidFill>
+                  <a:srgbClr val="00FF00"/>
+                </a:solidFill>
+              </a:rPr>
+              <a:t>&lt;?php</a:t>
+            </a:r>
+            <a:br>
+              <a:rPr lang="vi-VN" dirty="0">
+                <a:solidFill>
+                  <a:srgbClr val="00FF00"/>
+                </a:solidFill>
+              </a:rPr>
+            </a:br>
+            <a:r>
+              <a:rPr lang="vi-VN" dirty="0">
+                <a:solidFill>
+                  <a:srgbClr val="00FF00"/>
+                </a:solidFill>
+              </a:rPr>
+              <a:t>   echo "Hello World";</a:t>
+            </a:r>
+            <a:br>
+              <a:rPr lang="vi-VN" dirty="0">
+                <a:solidFill>
+                  <a:srgbClr val="00FF00"/>
+                </a:solidFill>
+              </a:rPr>
+            </a:br>
+            <a:r>
+              <a:rPr lang="vi-VN" dirty="0">
+                <a:solidFill>
+                  <a:srgbClr val="00FF00"/>
+                </a:solidFill>
+              </a:rPr>
+              <a:t>?&gt;</a:t>
+            </a:r>
           </a:p>
         </p:txBody>
       </p:sp>
     </p:spTree>
     <p:extLst>
       <p:ext uri="{BB962C8B-B14F-4D97-AF65-F5344CB8AC3E}">
-        <p14:creationId xmlns:p14="http://schemas.microsoft.com/office/powerpoint/2010/main" val="198559458"/>
+        <p14:creationId xmlns:p14="http://schemas.microsoft.com/office/powerpoint/2010/main" val="1931136151"/>
       </p:ext>
     </p:extLst>
   </p:cSld>
@@ -11841,10 +13254,10 @@
       </p:grpSpPr>
       <p:sp>
         <p:nvSpPr>
-          <p:cNvPr id="4" name="Hộp Văn bản 3">
-            <a:extLst>
-              <a:ext uri="{FF2B5EF4-FFF2-40B4-BE49-F238E27FC236}">
-                <a16:creationId xmlns:a16="http://schemas.microsoft.com/office/drawing/2014/main" id="{CBC22A56-140B-49AF-BF22-522A937D8F3F}"/>
+          <p:cNvPr id="4" name="TextBox 3">
+            <a:extLst>
+              <a:ext uri="{FF2B5EF4-FFF2-40B4-BE49-F238E27FC236}">
+                <a16:creationId xmlns:a16="http://schemas.microsoft.com/office/drawing/2014/main" id="{3C6FD1E6-15D2-4296-A885-7E8D8B4AD957}"/>
               </a:ext>
             </a:extLst>
           </p:cNvPr>
@@ -11853,8 +13266,8 @@
         </p:nvSpPr>
         <p:spPr>
           <a:xfrm>
-            <a:off x="386129" y="366623"/>
-            <a:ext cx="11109409" cy="3816429"/>
+            <a:off x="0" y="2536447"/>
+            <a:ext cx="12192000" cy="830997"/>
           </a:xfrm>
           <a:prstGeom prst="rect">
             <a:avLst/>
@@ -11867,145 +13280,72 @@
           </a:bodyPr>
           <a:lstStyle/>
           <a:p>
-            <a:r>
-              <a:rPr lang="en-US" sz="2200" dirty="0">
-                <a:solidFill>
-                  <a:srgbClr val="00FF00"/>
-                </a:solidFill>
-              </a:rPr>
-              <a:t>Declarative</a:t>
-            </a:r>
-          </a:p>
-          <a:p>
-            <a:pPr marL="285750" indent="-285750">
-              <a:buFont typeface="Arial" panose="020B0604020202020204" pitchFamily="34" charset="0"/>
-              <a:buChar char="•"/>
-            </a:pPr>
-            <a:r>
-              <a:rPr lang="en-US" sz="2200" dirty="0">
-                <a:solidFill>
-                  <a:srgbClr val="00FF00"/>
-                </a:solidFill>
-              </a:rPr>
-              <a:t>Functional : the desired result is declared as the value of a series of function applications	-  Haskell (purely):</a:t>
-            </a:r>
-          </a:p>
-          <a:p>
-            <a:r>
-              <a:rPr lang="en-US" sz="2200" dirty="0">
-                <a:solidFill>
-                  <a:srgbClr val="00FF00"/>
-                </a:solidFill>
-              </a:rPr>
-              <a:t>		+ a open standard for functional languages in late 1980s.</a:t>
-            </a:r>
-          </a:p>
-          <a:p>
-            <a:r>
-              <a:rPr lang="en-US" sz="2200" dirty="0">
-                <a:solidFill>
-                  <a:srgbClr val="00FF00"/>
-                </a:solidFill>
-              </a:rPr>
-              <a:t>		+ first version The first version of Haskell (Haskell 1.0) was defined in 1990.</a:t>
-            </a:r>
-          </a:p>
-          <a:p>
-            <a:r>
-              <a:rPr lang="en-US" sz="2200" dirty="0">
-                <a:solidFill>
-                  <a:srgbClr val="00FF00"/>
-                </a:solidFill>
-              </a:rPr>
-              <a:t>		+ </a:t>
-            </a:r>
-            <a:r>
-              <a:rPr lang="en-US" sz="2200" b="0" i="0" dirty="0">
-                <a:solidFill>
-                  <a:srgbClr val="00FF00"/>
-                </a:solidFill>
-                <a:effectLst/>
-              </a:rPr>
-              <a:t>teaching, research and industry.</a:t>
-            </a:r>
-            <a:endParaRPr lang="en-US" sz="2200" dirty="0">
+            <a:pPr algn="ctr"/>
+            <a:r>
+              <a:rPr lang="en-US" sz="4800" dirty="0">
+                <a:solidFill>
+                  <a:srgbClr val="00FF00"/>
+                </a:solidFill>
+              </a:rPr>
+              <a:t>Ruby</a:t>
+            </a:r>
+            <a:endParaRPr lang="vi-VN" sz="4800" dirty="0">
               <a:solidFill>
                 <a:srgbClr val="00FF00"/>
               </a:solidFill>
             </a:endParaRPr>
           </a:p>
-          <a:p>
-            <a:r>
-              <a:rPr lang="en-US" sz="2200" dirty="0">
-                <a:solidFill>
-                  <a:srgbClr val="00FF00"/>
-                </a:solidFill>
-              </a:rPr>
-              <a:t> 	 - Elm (purely):</a:t>
-            </a:r>
-          </a:p>
-          <a:p>
-            <a:r>
-              <a:rPr lang="en-US" sz="2200" dirty="0">
-                <a:solidFill>
-                  <a:srgbClr val="00FF00"/>
-                </a:solidFill>
-              </a:rPr>
-              <a:t>		+ designed by Evan </a:t>
-            </a:r>
-            <a:r>
-              <a:rPr lang="en-US" sz="2200" dirty="0" err="1">
-                <a:solidFill>
-                  <a:srgbClr val="00FF00"/>
-                </a:solidFill>
-              </a:rPr>
-              <a:t>Czaplicki</a:t>
-            </a:r>
-            <a:r>
-              <a:rPr lang="en-US" sz="2200" dirty="0">
-                <a:solidFill>
-                  <a:srgbClr val="00FF00"/>
-                </a:solidFill>
-              </a:rPr>
-              <a:t> in 2012					</a:t>
-            </a:r>
-          </a:p>
-          <a:p>
-            <a:r>
-              <a:rPr lang="en-US" sz="2200" dirty="0">
-                <a:solidFill>
-                  <a:srgbClr val="00FF00"/>
-                </a:solidFill>
-              </a:rPr>
-              <a:t>		+ creating web browser-based graphical user interfaces.		</a:t>
-            </a:r>
-          </a:p>
-          <a:p>
-            <a:r>
-              <a:rPr lang="en-US" sz="2200" dirty="0">
-                <a:solidFill>
-                  <a:srgbClr val="00FF00"/>
-                </a:solidFill>
-              </a:rPr>
-              <a:t>		+ share many features with Java, object-oriented syntax based on C++.</a:t>
-            </a:r>
-          </a:p>
-          <a:p>
-            <a:r>
-              <a:rPr lang="en-US" sz="2200" dirty="0">
-                <a:solidFill>
-                  <a:srgbClr val="00FF00"/>
-                </a:solidFill>
-              </a:rPr>
-              <a:t>	- Others: Scala, Elixir, …	</a:t>
-            </a:r>
+        </p:txBody>
+      </p:sp>
+      <p:sp>
+        <p:nvSpPr>
+          <p:cNvPr id="3" name="TextBox 2">
+            <a:extLst>
+              <a:ext uri="{FF2B5EF4-FFF2-40B4-BE49-F238E27FC236}">
+                <a16:creationId xmlns:a16="http://schemas.microsoft.com/office/drawing/2014/main" id="{7156D1A0-2122-4C3D-8246-4978E9DF6336}"/>
+              </a:ext>
+            </a:extLst>
+          </p:cNvPr>
+          <p:cNvSpPr txBox="1"/>
+          <p:nvPr/>
+        </p:nvSpPr>
+        <p:spPr>
+          <a:xfrm>
+            <a:off x="0" y="3490557"/>
+            <a:ext cx="12192000" cy="707886"/>
+          </a:xfrm>
+          <a:prstGeom prst="rect">
+            <a:avLst/>
+          </a:prstGeom>
+          <a:noFill/>
+        </p:spPr>
+        <p:txBody>
+          <a:bodyPr wrap="square" rtlCol="0">
+            <a:spAutoFit/>
+          </a:bodyPr>
+          <a:lstStyle/>
+          <a:p>
+            <a:pPr algn="ctr"/>
+            <a:r>
+              <a:rPr lang="en-US" sz="4000" dirty="0">
+                <a:solidFill>
+                  <a:srgbClr val="00FF00"/>
+                </a:solidFill>
+              </a:rPr>
+              <a:t>Yukihiro Matsumoto</a:t>
+            </a:r>
+            <a:endParaRPr lang="vi-VN" sz="4000" dirty="0">
+              <a:solidFill>
+                <a:srgbClr val="00FF00"/>
+              </a:solidFill>
+            </a:endParaRPr>
           </a:p>
         </p:txBody>
       </p:sp>
     </p:spTree>
     <p:extLst>
       <p:ext uri="{BB962C8B-B14F-4D97-AF65-F5344CB8AC3E}">
-        <p14:creationId xmlns:p14="http://schemas.microsoft.com/office/powerpoint/2010/main" val="3250395714"/>
+        <p14:creationId xmlns:p14="http://schemas.microsoft.com/office/powerpoint/2010/main" val="3950220386"/>
       </p:ext>
     </p:extLst>
   </p:cSld>
@@ -12034,10 +13374,10 @@
       </p:grpSpPr>
       <p:sp>
         <p:nvSpPr>
-          <p:cNvPr id="4" name="Hộp Văn bản 3">
-            <a:extLst>
-              <a:ext uri="{FF2B5EF4-FFF2-40B4-BE49-F238E27FC236}">
-                <a16:creationId xmlns:a16="http://schemas.microsoft.com/office/drawing/2014/main" id="{CBC22A56-140B-49AF-BF22-522A937D8F3F}"/>
+          <p:cNvPr id="4" name="TextBox 3">
+            <a:extLst>
+              <a:ext uri="{FF2B5EF4-FFF2-40B4-BE49-F238E27FC236}">
+                <a16:creationId xmlns:a16="http://schemas.microsoft.com/office/drawing/2014/main" id="{3C6FD1E6-15D2-4296-A885-7E8D8B4AD957}"/>
               </a:ext>
             </a:extLst>
           </p:cNvPr>
@@ -12046,8 +13386,8 @@
         </p:nvSpPr>
         <p:spPr>
           <a:xfrm>
-            <a:off x="541295" y="1426798"/>
-            <a:ext cx="11109409" cy="2123658"/>
+            <a:off x="0" y="2536447"/>
+            <a:ext cx="12192000" cy="830997"/>
           </a:xfrm>
           <a:prstGeom prst="rect">
             <a:avLst/>
@@ -12060,68 +13400,80 @@
           </a:bodyPr>
           <a:lstStyle/>
           <a:p>
-            <a:r>
-              <a:rPr lang="en-US" sz="2200" dirty="0">
-                <a:solidFill>
-                  <a:srgbClr val="00FF00"/>
-                </a:solidFill>
-              </a:rPr>
-              <a:t>Declarative</a:t>
-            </a:r>
-          </a:p>
-          <a:p>
-            <a:pPr marL="342900" indent="-342900">
-              <a:buFont typeface="Arial" panose="020B0604020202020204" pitchFamily="34" charset="0"/>
-              <a:buChar char="•"/>
-            </a:pPr>
-            <a:r>
-              <a:rPr lang="en-US" sz="2200" dirty="0">
-                <a:solidFill>
-                  <a:srgbClr val="00FF00"/>
-                </a:solidFill>
-              </a:rPr>
-              <a:t>Logic: the desired result is declared as the answer to a question about a system of facts and rules.</a:t>
-            </a:r>
-          </a:p>
-          <a:p>
-            <a:pPr lvl="2"/>
-            <a:r>
-              <a:rPr lang="en-US" sz="2200" dirty="0">
-                <a:solidFill>
-                  <a:srgbClr val="00FF00"/>
-                </a:solidFill>
-              </a:rPr>
-              <a:t>- Prolog: </a:t>
-            </a:r>
-          </a:p>
-          <a:p>
-            <a:pPr lvl="4"/>
-            <a:r>
-              <a:rPr lang="en-US" sz="2200" dirty="0">
-                <a:solidFill>
-                  <a:srgbClr val="00FF00"/>
-                </a:solidFill>
-              </a:rPr>
-              <a:t>+ artificial intelligence and computational linguistics.</a:t>
-            </a:r>
-          </a:p>
-          <a:p>
-            <a:pPr lvl="4"/>
-            <a:r>
-              <a:rPr lang="en-US" sz="2200" dirty="0">
-                <a:solidFill>
-                  <a:srgbClr val="00FF00"/>
-                </a:solidFill>
-              </a:rPr>
-              <a:t>+ specific tasks: searching databases, voice control systems.</a:t>
-            </a:r>
+            <a:pPr algn="ctr"/>
+            <a:r>
+              <a:rPr lang="en-US" sz="4800" dirty="0" err="1">
+                <a:solidFill>
+                  <a:srgbClr val="00FF00"/>
+                </a:solidFill>
+              </a:rPr>
+              <a:t>LiveScript</a:t>
+            </a:r>
+            <a:endParaRPr lang="vi-VN" sz="4800" dirty="0">
+              <a:solidFill>
+                <a:srgbClr val="00FF00"/>
+              </a:solidFill>
+            </a:endParaRPr>
+          </a:p>
+        </p:txBody>
+      </p:sp>
+      <p:sp>
+        <p:nvSpPr>
+          <p:cNvPr id="3" name="TextBox 2">
+            <a:extLst>
+              <a:ext uri="{FF2B5EF4-FFF2-40B4-BE49-F238E27FC236}">
+                <a16:creationId xmlns:a16="http://schemas.microsoft.com/office/drawing/2014/main" id="{7156D1A0-2122-4C3D-8246-4978E9DF6336}"/>
+              </a:ext>
+            </a:extLst>
+          </p:cNvPr>
+          <p:cNvSpPr txBox="1"/>
+          <p:nvPr/>
+        </p:nvSpPr>
+        <p:spPr>
+          <a:xfrm>
+            <a:off x="0" y="3490557"/>
+            <a:ext cx="12192000" cy="707886"/>
+          </a:xfrm>
+          <a:prstGeom prst="rect">
+            <a:avLst/>
+          </a:prstGeom>
+          <a:noFill/>
+        </p:spPr>
+        <p:txBody>
+          <a:bodyPr wrap="square" rtlCol="0">
+            <a:spAutoFit/>
+          </a:bodyPr>
+          <a:lstStyle/>
+          <a:p>
+            <a:pPr algn="ctr"/>
+            <a:r>
+              <a:rPr lang="en-US" sz="4000" dirty="0">
+                <a:solidFill>
+                  <a:srgbClr val="00FF00"/>
+                </a:solidFill>
+              </a:rPr>
+              <a:t>Brendan </a:t>
+            </a:r>
+            <a:r>
+              <a:rPr lang="en-US" sz="4000" dirty="0" err="1">
+                <a:solidFill>
+                  <a:srgbClr val="00FF00"/>
+                </a:solidFill>
+              </a:rPr>
+              <a:t>Eich</a:t>
+            </a:r>
+            <a:endParaRPr lang="vi-VN" sz="4000" dirty="0">
+              <a:solidFill>
+                <a:srgbClr val="00FF00"/>
+              </a:solidFill>
+            </a:endParaRPr>
           </a:p>
         </p:txBody>
       </p:sp>
     </p:spTree>
     <p:extLst>
       <p:ext uri="{BB962C8B-B14F-4D97-AF65-F5344CB8AC3E}">
-        <p14:creationId xmlns:p14="http://schemas.microsoft.com/office/powerpoint/2010/main" val="2207368965"/>
+        <p14:creationId xmlns:p14="http://schemas.microsoft.com/office/powerpoint/2010/main" val="1641227844"/>
       </p:ext>
     </p:extLst>
   </p:cSld>
@@ -12148,6 +13500,1067 @@
           <a:chExt cx="0" cy="0"/>
         </a:xfrm>
       </p:grpSpPr>
+      <p:sp>
+        <p:nvSpPr>
+          <p:cNvPr id="4" name="TextBox 3">
+            <a:extLst>
+              <a:ext uri="{FF2B5EF4-FFF2-40B4-BE49-F238E27FC236}">
+                <a16:creationId xmlns:a16="http://schemas.microsoft.com/office/drawing/2014/main" id="{3C6FD1E6-15D2-4296-A885-7E8D8B4AD957}"/>
+              </a:ext>
+            </a:extLst>
+          </p:cNvPr>
+          <p:cNvSpPr txBox="1"/>
+          <p:nvPr/>
+        </p:nvSpPr>
+        <p:spPr>
+          <a:xfrm>
+            <a:off x="0" y="2536447"/>
+            <a:ext cx="12192000" cy="830997"/>
+          </a:xfrm>
+          <a:prstGeom prst="rect">
+            <a:avLst/>
+          </a:prstGeom>
+          <a:noFill/>
+        </p:spPr>
+        <p:txBody>
+          <a:bodyPr wrap="square" rtlCol="0">
+            <a:spAutoFit/>
+          </a:bodyPr>
+          <a:lstStyle/>
+          <a:p>
+            <a:pPr algn="ctr"/>
+            <a:r>
+              <a:rPr lang="en-US" sz="4800" dirty="0" err="1">
+                <a:solidFill>
+                  <a:srgbClr val="00FF00"/>
+                </a:solidFill>
+              </a:rPr>
+              <a:t>Javascript</a:t>
+            </a:r>
+            <a:endParaRPr lang="vi-VN" sz="4800" dirty="0">
+              <a:solidFill>
+                <a:srgbClr val="00FF00"/>
+              </a:solidFill>
+            </a:endParaRPr>
+          </a:p>
+        </p:txBody>
+      </p:sp>
+      <p:sp>
+        <p:nvSpPr>
+          <p:cNvPr id="3" name="TextBox 2">
+            <a:extLst>
+              <a:ext uri="{FF2B5EF4-FFF2-40B4-BE49-F238E27FC236}">
+                <a16:creationId xmlns:a16="http://schemas.microsoft.com/office/drawing/2014/main" id="{7156D1A0-2122-4C3D-8246-4978E9DF6336}"/>
+              </a:ext>
+            </a:extLst>
+          </p:cNvPr>
+          <p:cNvSpPr txBox="1"/>
+          <p:nvPr/>
+        </p:nvSpPr>
+        <p:spPr>
+          <a:xfrm>
+            <a:off x="0" y="3490557"/>
+            <a:ext cx="12192000" cy="707886"/>
+          </a:xfrm>
+          <a:prstGeom prst="rect">
+            <a:avLst/>
+          </a:prstGeom>
+          <a:noFill/>
+        </p:spPr>
+        <p:txBody>
+          <a:bodyPr wrap="square" rtlCol="0">
+            <a:spAutoFit/>
+          </a:bodyPr>
+          <a:lstStyle/>
+          <a:p>
+            <a:pPr algn="ctr"/>
+            <a:r>
+              <a:rPr lang="en-US" sz="4000" dirty="0">
+                <a:solidFill>
+                  <a:srgbClr val="00FF00"/>
+                </a:solidFill>
+              </a:rPr>
+              <a:t>Brendan </a:t>
+            </a:r>
+            <a:r>
+              <a:rPr lang="en-US" sz="4000" dirty="0" err="1">
+                <a:solidFill>
+                  <a:srgbClr val="00FF00"/>
+                </a:solidFill>
+              </a:rPr>
+              <a:t>Eich</a:t>
+            </a:r>
+            <a:endParaRPr lang="vi-VN" sz="4000" dirty="0">
+              <a:solidFill>
+                <a:srgbClr val="00FF00"/>
+              </a:solidFill>
+            </a:endParaRPr>
+          </a:p>
+        </p:txBody>
+      </p:sp>
+    </p:spTree>
+    <p:extLst>
+      <p:ext uri="{BB962C8B-B14F-4D97-AF65-F5344CB8AC3E}">
+        <p14:creationId xmlns:p14="http://schemas.microsoft.com/office/powerpoint/2010/main" val="1336001600"/>
+      </p:ext>
+    </p:extLst>
+  </p:cSld>
+  <p:clrMapOvr>
+    <a:masterClrMapping/>
+  </p:clrMapOvr>
+</p:sld>
+</file>
+
+<file path=ppt/slides/slide66.xml><?xml version="1.0" encoding="utf-8"?>
+<p:sld xmlns:a="http://schemas.openxmlformats.org/drawingml/2006/main" xmlns:r="http://schemas.openxmlformats.org/officeDocument/2006/relationships" xmlns:p="http://schemas.openxmlformats.org/presentationml/2006/main">
+  <p:cSld>
+    <p:spTree>
+      <p:nvGrpSpPr>
+        <p:cNvPr id="1" name=""/>
+        <p:cNvGrpSpPr/>
+        <p:nvPr/>
+      </p:nvGrpSpPr>
+      <p:grpSpPr>
+        <a:xfrm>
+          <a:off x="0" y="0"/>
+          <a:ext cx="0" cy="0"/>
+          <a:chOff x="0" y="0"/>
+          <a:chExt cx="0" cy="0"/>
+        </a:xfrm>
+      </p:grpSpPr>
+      <p:sp>
+        <p:nvSpPr>
+          <p:cNvPr id="4" name="TextBox 3">
+            <a:extLst>
+              <a:ext uri="{FF2B5EF4-FFF2-40B4-BE49-F238E27FC236}">
+                <a16:creationId xmlns:a16="http://schemas.microsoft.com/office/drawing/2014/main" id="{3C6FD1E6-15D2-4296-A885-7E8D8B4AD957}"/>
+              </a:ext>
+            </a:extLst>
+          </p:cNvPr>
+          <p:cNvSpPr txBox="1"/>
+          <p:nvPr/>
+        </p:nvSpPr>
+        <p:spPr>
+          <a:xfrm>
+            <a:off x="0" y="2536447"/>
+            <a:ext cx="12192000" cy="830997"/>
+          </a:xfrm>
+          <a:prstGeom prst="rect">
+            <a:avLst/>
+          </a:prstGeom>
+          <a:noFill/>
+        </p:spPr>
+        <p:txBody>
+          <a:bodyPr wrap="square" rtlCol="0">
+            <a:spAutoFit/>
+          </a:bodyPr>
+          <a:lstStyle/>
+          <a:p>
+            <a:pPr algn="ctr"/>
+            <a:r>
+              <a:rPr lang="en-US" sz="4800" dirty="0">
+                <a:solidFill>
+                  <a:srgbClr val="00FF00"/>
+                </a:solidFill>
+              </a:rPr>
+              <a:t>C#</a:t>
+            </a:r>
+            <a:endParaRPr lang="vi-VN" sz="4800" dirty="0">
+              <a:solidFill>
+                <a:srgbClr val="00FF00"/>
+              </a:solidFill>
+            </a:endParaRPr>
+          </a:p>
+        </p:txBody>
+      </p:sp>
+      <p:sp>
+        <p:nvSpPr>
+          <p:cNvPr id="3" name="TextBox 2">
+            <a:extLst>
+              <a:ext uri="{FF2B5EF4-FFF2-40B4-BE49-F238E27FC236}">
+                <a16:creationId xmlns:a16="http://schemas.microsoft.com/office/drawing/2014/main" id="{7156D1A0-2122-4C3D-8246-4978E9DF6336}"/>
+              </a:ext>
+            </a:extLst>
+          </p:cNvPr>
+          <p:cNvSpPr txBox="1"/>
+          <p:nvPr/>
+        </p:nvSpPr>
+        <p:spPr>
+          <a:xfrm>
+            <a:off x="0" y="3490557"/>
+            <a:ext cx="12192000" cy="707886"/>
+          </a:xfrm>
+          <a:prstGeom prst="rect">
+            <a:avLst/>
+          </a:prstGeom>
+          <a:noFill/>
+        </p:spPr>
+        <p:txBody>
+          <a:bodyPr wrap="square" rtlCol="0">
+            <a:spAutoFit/>
+          </a:bodyPr>
+          <a:lstStyle/>
+          <a:p>
+            <a:pPr algn="ctr"/>
+            <a:r>
+              <a:rPr lang="en-US" sz="4000" dirty="0">
+                <a:solidFill>
+                  <a:srgbClr val="00FF00"/>
+                </a:solidFill>
+              </a:rPr>
+              <a:t>Anders </a:t>
+            </a:r>
+            <a:r>
+              <a:rPr lang="en-US" sz="4000" dirty="0" err="1">
+                <a:solidFill>
+                  <a:srgbClr val="00FF00"/>
+                </a:solidFill>
+              </a:rPr>
+              <a:t>Heijsberg</a:t>
+            </a:r>
+            <a:endParaRPr lang="vi-VN" sz="4000" dirty="0">
+              <a:solidFill>
+                <a:srgbClr val="00FF00"/>
+              </a:solidFill>
+            </a:endParaRPr>
+          </a:p>
+        </p:txBody>
+      </p:sp>
+    </p:spTree>
+    <p:extLst>
+      <p:ext uri="{BB962C8B-B14F-4D97-AF65-F5344CB8AC3E}">
+        <p14:creationId xmlns:p14="http://schemas.microsoft.com/office/powerpoint/2010/main" val="2713722850"/>
+      </p:ext>
+    </p:extLst>
+  </p:cSld>
+  <p:clrMapOvr>
+    <a:masterClrMapping/>
+  </p:clrMapOvr>
+</p:sld>
+</file>
+
+<file path=ppt/slides/slide67.xml><?xml version="1.0" encoding="utf-8"?>
+<p:sld xmlns:a="http://schemas.openxmlformats.org/drawingml/2006/main" xmlns:r="http://schemas.openxmlformats.org/officeDocument/2006/relationships" xmlns:p="http://schemas.openxmlformats.org/presentationml/2006/main">
+  <p:cSld>
+    <p:spTree>
+      <p:nvGrpSpPr>
+        <p:cNvPr id="1" name=""/>
+        <p:cNvGrpSpPr/>
+        <p:nvPr/>
+      </p:nvGrpSpPr>
+      <p:grpSpPr>
+        <a:xfrm>
+          <a:off x="0" y="0"/>
+          <a:ext cx="0" cy="0"/>
+          <a:chOff x="0" y="0"/>
+          <a:chExt cx="0" cy="0"/>
+        </a:xfrm>
+      </p:grpSpPr>
+      <p:sp>
+        <p:nvSpPr>
+          <p:cNvPr id="4" name="TextBox 3">
+            <a:extLst>
+              <a:ext uri="{FF2B5EF4-FFF2-40B4-BE49-F238E27FC236}">
+                <a16:creationId xmlns:a16="http://schemas.microsoft.com/office/drawing/2014/main" id="{3C6FD1E6-15D2-4296-A885-7E8D8B4AD957}"/>
+              </a:ext>
+            </a:extLst>
+          </p:cNvPr>
+          <p:cNvSpPr txBox="1"/>
+          <p:nvPr/>
+        </p:nvSpPr>
+        <p:spPr>
+          <a:xfrm>
+            <a:off x="0" y="2536447"/>
+            <a:ext cx="12192000" cy="830997"/>
+          </a:xfrm>
+          <a:prstGeom prst="rect">
+            <a:avLst/>
+          </a:prstGeom>
+          <a:noFill/>
+        </p:spPr>
+        <p:txBody>
+          <a:bodyPr wrap="square" rtlCol="0">
+            <a:spAutoFit/>
+          </a:bodyPr>
+          <a:lstStyle/>
+          <a:p>
+            <a:pPr algn="ctr"/>
+            <a:r>
+              <a:rPr lang="en-US" sz="4800" dirty="0">
+                <a:solidFill>
+                  <a:srgbClr val="00FF00"/>
+                </a:solidFill>
+              </a:rPr>
+              <a:t>ECMAScript</a:t>
+            </a:r>
+            <a:endParaRPr lang="vi-VN" sz="4800" dirty="0">
+              <a:solidFill>
+                <a:srgbClr val="00FF00"/>
+              </a:solidFill>
+            </a:endParaRPr>
+          </a:p>
+        </p:txBody>
+      </p:sp>
+    </p:spTree>
+    <p:extLst>
+      <p:ext uri="{BB962C8B-B14F-4D97-AF65-F5344CB8AC3E}">
+        <p14:creationId xmlns:p14="http://schemas.microsoft.com/office/powerpoint/2010/main" val="2726849882"/>
+      </p:ext>
+    </p:extLst>
+  </p:cSld>
+  <p:clrMapOvr>
+    <a:masterClrMapping/>
+  </p:clrMapOvr>
+</p:sld>
+</file>
+
+<file path=ppt/slides/slide68.xml><?xml version="1.0" encoding="utf-8"?>
+<p:sld xmlns:a="http://schemas.openxmlformats.org/drawingml/2006/main" xmlns:r="http://schemas.openxmlformats.org/officeDocument/2006/relationships" xmlns:p="http://schemas.openxmlformats.org/presentationml/2006/main">
+  <p:cSld>
+    <p:spTree>
+      <p:nvGrpSpPr>
+        <p:cNvPr id="1" name=""/>
+        <p:cNvGrpSpPr/>
+        <p:nvPr/>
+      </p:nvGrpSpPr>
+      <p:grpSpPr>
+        <a:xfrm>
+          <a:off x="0" y="0"/>
+          <a:ext cx="0" cy="0"/>
+          <a:chOff x="0" y="0"/>
+          <a:chExt cx="0" cy="0"/>
+        </a:xfrm>
+      </p:grpSpPr>
+      <p:sp>
+        <p:nvSpPr>
+          <p:cNvPr id="4" name="TextBox 3">
+            <a:extLst>
+              <a:ext uri="{FF2B5EF4-FFF2-40B4-BE49-F238E27FC236}">
+                <a16:creationId xmlns:a16="http://schemas.microsoft.com/office/drawing/2014/main" id="{3C6FD1E6-15D2-4296-A885-7E8D8B4AD957}"/>
+              </a:ext>
+            </a:extLst>
+          </p:cNvPr>
+          <p:cNvSpPr txBox="1"/>
+          <p:nvPr/>
+        </p:nvSpPr>
+        <p:spPr>
+          <a:xfrm>
+            <a:off x="0" y="2536447"/>
+            <a:ext cx="12192000" cy="830997"/>
+          </a:xfrm>
+          <a:prstGeom prst="rect">
+            <a:avLst/>
+          </a:prstGeom>
+          <a:noFill/>
+        </p:spPr>
+        <p:txBody>
+          <a:bodyPr wrap="square" rtlCol="0">
+            <a:spAutoFit/>
+          </a:bodyPr>
+          <a:lstStyle/>
+          <a:p>
+            <a:pPr algn="ctr"/>
+            <a:r>
+              <a:rPr lang="en-US" sz="4800" dirty="0">
+                <a:solidFill>
+                  <a:srgbClr val="00FF00"/>
+                </a:solidFill>
+              </a:rPr>
+              <a:t>JVM Language</a:t>
+            </a:r>
+            <a:endParaRPr lang="vi-VN" sz="4800" dirty="0">
+              <a:solidFill>
+                <a:srgbClr val="00FF00"/>
+              </a:solidFill>
+            </a:endParaRPr>
+          </a:p>
+        </p:txBody>
+      </p:sp>
+      <p:sp>
+        <p:nvSpPr>
+          <p:cNvPr id="3" name="TextBox 2">
+            <a:extLst>
+              <a:ext uri="{FF2B5EF4-FFF2-40B4-BE49-F238E27FC236}">
+                <a16:creationId xmlns:a16="http://schemas.microsoft.com/office/drawing/2014/main" id="{7156D1A0-2122-4C3D-8246-4978E9DF6336}"/>
+              </a:ext>
+            </a:extLst>
+          </p:cNvPr>
+          <p:cNvSpPr txBox="1"/>
+          <p:nvPr/>
+        </p:nvSpPr>
+        <p:spPr>
+          <a:xfrm>
+            <a:off x="0" y="3490557"/>
+            <a:ext cx="12192000" cy="707886"/>
+          </a:xfrm>
+          <a:prstGeom prst="rect">
+            <a:avLst/>
+          </a:prstGeom>
+          <a:noFill/>
+        </p:spPr>
+        <p:txBody>
+          <a:bodyPr wrap="square" rtlCol="0">
+            <a:spAutoFit/>
+          </a:bodyPr>
+          <a:lstStyle/>
+          <a:p>
+            <a:pPr algn="ctr"/>
+            <a:r>
+              <a:rPr lang="en-US" sz="4000" dirty="0">
+                <a:solidFill>
+                  <a:srgbClr val="00FF00"/>
+                </a:solidFill>
+              </a:rPr>
+              <a:t>Scala, Groovy, Clojure, </a:t>
+            </a:r>
+            <a:r>
+              <a:rPr lang="en-US" sz="4000" dirty="0" err="1">
+                <a:solidFill>
+                  <a:srgbClr val="00FF00"/>
+                </a:solidFill>
+              </a:rPr>
+              <a:t>Jruby</a:t>
+            </a:r>
+            <a:r>
+              <a:rPr lang="en-US" sz="4000" dirty="0">
+                <a:solidFill>
+                  <a:srgbClr val="00FF00"/>
+                </a:solidFill>
+              </a:rPr>
+              <a:t>, </a:t>
+            </a:r>
+            <a:r>
+              <a:rPr lang="en-US" sz="4000" dirty="0" err="1">
+                <a:solidFill>
+                  <a:srgbClr val="00FF00"/>
+                </a:solidFill>
+              </a:rPr>
+              <a:t>Fantom</a:t>
+            </a:r>
+            <a:r>
+              <a:rPr lang="en-US" sz="4000" dirty="0">
+                <a:solidFill>
+                  <a:srgbClr val="00FF00"/>
+                </a:solidFill>
+              </a:rPr>
+              <a:t>, </a:t>
+            </a:r>
+            <a:r>
+              <a:rPr lang="en-US" sz="4000" dirty="0" err="1">
+                <a:solidFill>
+                  <a:srgbClr val="00FF00"/>
+                </a:solidFill>
+              </a:rPr>
+              <a:t>Jython</a:t>
+            </a:r>
+            <a:r>
+              <a:rPr lang="en-US" sz="4000" dirty="0">
+                <a:solidFill>
+                  <a:srgbClr val="00FF00"/>
+                </a:solidFill>
+              </a:rPr>
+              <a:t>,…</a:t>
+            </a:r>
+            <a:endParaRPr lang="vi-VN" sz="4000" dirty="0">
+              <a:solidFill>
+                <a:srgbClr val="00FF00"/>
+              </a:solidFill>
+            </a:endParaRPr>
+          </a:p>
+        </p:txBody>
+      </p:sp>
+    </p:spTree>
+    <p:extLst>
+      <p:ext uri="{BB962C8B-B14F-4D97-AF65-F5344CB8AC3E}">
+        <p14:creationId xmlns:p14="http://schemas.microsoft.com/office/powerpoint/2010/main" val="374579549"/>
+      </p:ext>
+    </p:extLst>
+  </p:cSld>
+  <p:clrMapOvr>
+    <a:masterClrMapping/>
+  </p:clrMapOvr>
+</p:sld>
+</file>
+
+<file path=ppt/slides/slide69.xml><?xml version="1.0" encoding="utf-8"?>
+<p:sld xmlns:a="http://schemas.openxmlformats.org/drawingml/2006/main" xmlns:r="http://schemas.openxmlformats.org/officeDocument/2006/relationships" xmlns:p="http://schemas.openxmlformats.org/presentationml/2006/main">
+  <p:cSld>
+    <p:spTree>
+      <p:nvGrpSpPr>
+        <p:cNvPr id="1" name=""/>
+        <p:cNvGrpSpPr/>
+        <p:nvPr/>
+      </p:nvGrpSpPr>
+      <p:grpSpPr>
+        <a:xfrm>
+          <a:off x="0" y="0"/>
+          <a:ext cx="0" cy="0"/>
+          <a:chOff x="0" y="0"/>
+          <a:chExt cx="0" cy="0"/>
+        </a:xfrm>
+      </p:grpSpPr>
+      <p:sp>
+        <p:nvSpPr>
+          <p:cNvPr id="4" name="TextBox 3">
+            <a:extLst>
+              <a:ext uri="{FF2B5EF4-FFF2-40B4-BE49-F238E27FC236}">
+                <a16:creationId xmlns:a16="http://schemas.microsoft.com/office/drawing/2014/main" id="{3C6FD1E6-15D2-4296-A885-7E8D8B4AD957}"/>
+              </a:ext>
+            </a:extLst>
+          </p:cNvPr>
+          <p:cNvSpPr txBox="1"/>
+          <p:nvPr/>
+        </p:nvSpPr>
+        <p:spPr>
+          <a:xfrm>
+            <a:off x="0" y="2536447"/>
+            <a:ext cx="12192000" cy="830997"/>
+          </a:xfrm>
+          <a:prstGeom prst="rect">
+            <a:avLst/>
+          </a:prstGeom>
+          <a:noFill/>
+        </p:spPr>
+        <p:txBody>
+          <a:bodyPr wrap="square" rtlCol="0">
+            <a:spAutoFit/>
+          </a:bodyPr>
+          <a:lstStyle/>
+          <a:p>
+            <a:pPr algn="ctr"/>
+            <a:r>
+              <a:rPr lang="en-US" sz="4800" dirty="0">
+                <a:solidFill>
+                  <a:srgbClr val="00FF00"/>
+                </a:solidFill>
+              </a:rPr>
+              <a:t>F#</a:t>
+            </a:r>
+            <a:endParaRPr lang="vi-VN" sz="4800" dirty="0">
+              <a:solidFill>
+                <a:srgbClr val="00FF00"/>
+              </a:solidFill>
+            </a:endParaRPr>
+          </a:p>
+        </p:txBody>
+      </p:sp>
+      <p:sp>
+        <p:nvSpPr>
+          <p:cNvPr id="3" name="TextBox 2">
+            <a:extLst>
+              <a:ext uri="{FF2B5EF4-FFF2-40B4-BE49-F238E27FC236}">
+                <a16:creationId xmlns:a16="http://schemas.microsoft.com/office/drawing/2014/main" id="{7156D1A0-2122-4C3D-8246-4978E9DF6336}"/>
+              </a:ext>
+            </a:extLst>
+          </p:cNvPr>
+          <p:cNvSpPr txBox="1"/>
+          <p:nvPr/>
+        </p:nvSpPr>
+        <p:spPr>
+          <a:xfrm>
+            <a:off x="0" y="3490557"/>
+            <a:ext cx="12192000" cy="707886"/>
+          </a:xfrm>
+          <a:prstGeom prst="rect">
+            <a:avLst/>
+          </a:prstGeom>
+          <a:noFill/>
+        </p:spPr>
+        <p:txBody>
+          <a:bodyPr wrap="square" rtlCol="0">
+            <a:spAutoFit/>
+          </a:bodyPr>
+          <a:lstStyle/>
+          <a:p>
+            <a:pPr algn="ctr"/>
+            <a:r>
+              <a:rPr lang="en-US" sz="4000" dirty="0">
+                <a:solidFill>
+                  <a:srgbClr val="00FF00"/>
+                </a:solidFill>
+              </a:rPr>
+              <a:t>Don Syme &amp; Microsoft Research</a:t>
+            </a:r>
+            <a:endParaRPr lang="vi-VN" sz="4000" dirty="0">
+              <a:solidFill>
+                <a:srgbClr val="00FF00"/>
+              </a:solidFill>
+            </a:endParaRPr>
+          </a:p>
+        </p:txBody>
+      </p:sp>
+    </p:spTree>
+    <p:extLst>
+      <p:ext uri="{BB962C8B-B14F-4D97-AF65-F5344CB8AC3E}">
+        <p14:creationId xmlns:p14="http://schemas.microsoft.com/office/powerpoint/2010/main" val="3736297427"/>
+      </p:ext>
+    </p:extLst>
+  </p:cSld>
+  <p:clrMapOvr>
+    <a:masterClrMapping/>
+  </p:clrMapOvr>
+</p:sld>
+</file>
+
+<file path=ppt/slides/slide7.xml><?xml version="1.0" encoding="utf-8"?>
+<p:sld xmlns:a="http://schemas.openxmlformats.org/drawingml/2006/main" xmlns:r="http://schemas.openxmlformats.org/officeDocument/2006/relationships" xmlns:p="http://schemas.openxmlformats.org/presentationml/2006/main">
+  <p:cSld>
+    <p:spTree>
+      <p:nvGrpSpPr>
+        <p:cNvPr id="1" name=""/>
+        <p:cNvGrpSpPr/>
+        <p:nvPr/>
+      </p:nvGrpSpPr>
+      <p:grpSpPr>
+        <a:xfrm>
+          <a:off x="0" y="0"/>
+          <a:ext cx="0" cy="0"/>
+          <a:chOff x="0" y="0"/>
+          <a:chExt cx="0" cy="0"/>
+        </a:xfrm>
+      </p:grpSpPr>
+      <p:sp>
+        <p:nvSpPr>
+          <p:cNvPr id="4" name="TextBox 3">
+            <a:extLst>
+              <a:ext uri="{FF2B5EF4-FFF2-40B4-BE49-F238E27FC236}">
+                <a16:creationId xmlns:a16="http://schemas.microsoft.com/office/drawing/2014/main" id="{3C6FD1E6-15D2-4296-A885-7E8D8B4AD957}"/>
+              </a:ext>
+            </a:extLst>
+          </p:cNvPr>
+          <p:cNvSpPr txBox="1"/>
+          <p:nvPr/>
+        </p:nvSpPr>
+        <p:spPr>
+          <a:xfrm>
+            <a:off x="4598474" y="2398644"/>
+            <a:ext cx="2995051" cy="830997"/>
+          </a:xfrm>
+          <a:prstGeom prst="rect">
+            <a:avLst/>
+          </a:prstGeom>
+          <a:noFill/>
+        </p:spPr>
+        <p:txBody>
+          <a:bodyPr wrap="none" rtlCol="0">
+            <a:spAutoFit/>
+          </a:bodyPr>
+          <a:lstStyle/>
+          <a:p>
+            <a:r>
+              <a:rPr lang="en-US" sz="4800" dirty="0">
+                <a:solidFill>
+                  <a:srgbClr val="00FF00"/>
+                </a:solidFill>
+              </a:rPr>
+              <a:t>Alan Turing</a:t>
+            </a:r>
+            <a:endParaRPr lang="vi-VN" sz="4800" dirty="0">
+              <a:solidFill>
+                <a:srgbClr val="00FF00"/>
+              </a:solidFill>
+            </a:endParaRPr>
+          </a:p>
+        </p:txBody>
+      </p:sp>
+    </p:spTree>
+    <p:extLst>
+      <p:ext uri="{BB962C8B-B14F-4D97-AF65-F5344CB8AC3E}">
+        <p14:creationId xmlns:p14="http://schemas.microsoft.com/office/powerpoint/2010/main" val="3840587780"/>
+      </p:ext>
+    </p:extLst>
+  </p:cSld>
+  <p:clrMapOvr>
+    <a:masterClrMapping/>
+  </p:clrMapOvr>
+</p:sld>
+</file>
+
+<file path=ppt/slides/slide70.xml><?xml version="1.0" encoding="utf-8"?>
+<p:sld xmlns:a="http://schemas.openxmlformats.org/drawingml/2006/main" xmlns:r="http://schemas.openxmlformats.org/officeDocument/2006/relationships" xmlns:p="http://schemas.openxmlformats.org/presentationml/2006/main">
+  <p:cSld>
+    <p:spTree>
+      <p:nvGrpSpPr>
+        <p:cNvPr id="1" name=""/>
+        <p:cNvGrpSpPr/>
+        <p:nvPr/>
+      </p:nvGrpSpPr>
+      <p:grpSpPr>
+        <a:xfrm>
+          <a:off x="0" y="0"/>
+          <a:ext cx="0" cy="0"/>
+          <a:chOff x="0" y="0"/>
+          <a:chExt cx="0" cy="0"/>
+        </a:xfrm>
+      </p:grpSpPr>
+      <p:sp>
+        <p:nvSpPr>
+          <p:cNvPr id="4" name="TextBox 3">
+            <a:extLst>
+              <a:ext uri="{FF2B5EF4-FFF2-40B4-BE49-F238E27FC236}">
+                <a16:creationId xmlns:a16="http://schemas.microsoft.com/office/drawing/2014/main" id="{3C6FD1E6-15D2-4296-A885-7E8D8B4AD957}"/>
+              </a:ext>
+            </a:extLst>
+          </p:cNvPr>
+          <p:cNvSpPr txBox="1"/>
+          <p:nvPr/>
+        </p:nvSpPr>
+        <p:spPr>
+          <a:xfrm>
+            <a:off x="0" y="2536447"/>
+            <a:ext cx="12192000" cy="830997"/>
+          </a:xfrm>
+          <a:prstGeom prst="rect">
+            <a:avLst/>
+          </a:prstGeom>
+          <a:noFill/>
+        </p:spPr>
+        <p:txBody>
+          <a:bodyPr wrap="square" rtlCol="0">
+            <a:spAutoFit/>
+          </a:bodyPr>
+          <a:lstStyle/>
+          <a:p>
+            <a:pPr algn="ctr"/>
+            <a:r>
+              <a:rPr lang="en-US" sz="4800" dirty="0">
+                <a:solidFill>
+                  <a:srgbClr val="00FF00"/>
+                </a:solidFill>
+              </a:rPr>
+              <a:t>Go</a:t>
+            </a:r>
+            <a:endParaRPr lang="vi-VN" sz="4800" dirty="0">
+              <a:solidFill>
+                <a:srgbClr val="00FF00"/>
+              </a:solidFill>
+            </a:endParaRPr>
+          </a:p>
+        </p:txBody>
+      </p:sp>
+      <p:sp>
+        <p:nvSpPr>
+          <p:cNvPr id="3" name="TextBox 2">
+            <a:extLst>
+              <a:ext uri="{FF2B5EF4-FFF2-40B4-BE49-F238E27FC236}">
+                <a16:creationId xmlns:a16="http://schemas.microsoft.com/office/drawing/2014/main" id="{7156D1A0-2122-4C3D-8246-4978E9DF6336}"/>
+              </a:ext>
+            </a:extLst>
+          </p:cNvPr>
+          <p:cNvSpPr txBox="1"/>
+          <p:nvPr/>
+        </p:nvSpPr>
+        <p:spPr>
+          <a:xfrm>
+            <a:off x="0" y="3490557"/>
+            <a:ext cx="12192000" cy="707886"/>
+          </a:xfrm>
+          <a:prstGeom prst="rect">
+            <a:avLst/>
+          </a:prstGeom>
+          <a:noFill/>
+        </p:spPr>
+        <p:txBody>
+          <a:bodyPr wrap="square" rtlCol="0">
+            <a:spAutoFit/>
+          </a:bodyPr>
+          <a:lstStyle/>
+          <a:p>
+            <a:pPr algn="ctr"/>
+            <a:r>
+              <a:rPr lang="en-US" sz="4000" dirty="0">
+                <a:solidFill>
+                  <a:srgbClr val="00FF00"/>
+                </a:solidFill>
+              </a:rPr>
+              <a:t>Google</a:t>
+            </a:r>
+            <a:endParaRPr lang="vi-VN" sz="4000" dirty="0">
+              <a:solidFill>
+                <a:srgbClr val="00FF00"/>
+              </a:solidFill>
+            </a:endParaRPr>
+          </a:p>
+        </p:txBody>
+      </p:sp>
+    </p:spTree>
+    <p:extLst>
+      <p:ext uri="{BB962C8B-B14F-4D97-AF65-F5344CB8AC3E}">
+        <p14:creationId xmlns:p14="http://schemas.microsoft.com/office/powerpoint/2010/main" val="4098593009"/>
+      </p:ext>
+    </p:extLst>
+  </p:cSld>
+  <p:clrMapOvr>
+    <a:masterClrMapping/>
+  </p:clrMapOvr>
+</p:sld>
+</file>
+
+<file path=ppt/slides/slide71.xml><?xml version="1.0" encoding="utf-8"?>
+<p:sld xmlns:a="http://schemas.openxmlformats.org/drawingml/2006/main" xmlns:r="http://schemas.openxmlformats.org/officeDocument/2006/relationships" xmlns:p="http://schemas.openxmlformats.org/presentationml/2006/main">
+  <p:cSld>
+    <p:spTree>
+      <p:nvGrpSpPr>
+        <p:cNvPr id="1" name=""/>
+        <p:cNvGrpSpPr/>
+        <p:nvPr/>
+      </p:nvGrpSpPr>
+      <p:grpSpPr>
+        <a:xfrm>
+          <a:off x="0" y="0"/>
+          <a:ext cx="0" cy="0"/>
+          <a:chOff x="0" y="0"/>
+          <a:chExt cx="0" cy="0"/>
+        </a:xfrm>
+      </p:grpSpPr>
+      <p:sp>
+        <p:nvSpPr>
+          <p:cNvPr id="4" name="TextBox 3">
+            <a:extLst>
+              <a:ext uri="{FF2B5EF4-FFF2-40B4-BE49-F238E27FC236}">
+                <a16:creationId xmlns:a16="http://schemas.microsoft.com/office/drawing/2014/main" id="{3C6FD1E6-15D2-4296-A885-7E8D8B4AD957}"/>
+              </a:ext>
+            </a:extLst>
+          </p:cNvPr>
+          <p:cNvSpPr txBox="1"/>
+          <p:nvPr/>
+        </p:nvSpPr>
+        <p:spPr>
+          <a:xfrm>
+            <a:off x="0" y="2536447"/>
+            <a:ext cx="12192000" cy="830997"/>
+          </a:xfrm>
+          <a:prstGeom prst="rect">
+            <a:avLst/>
+          </a:prstGeom>
+          <a:noFill/>
+        </p:spPr>
+        <p:txBody>
+          <a:bodyPr wrap="square" rtlCol="0">
+            <a:spAutoFit/>
+          </a:bodyPr>
+          <a:lstStyle/>
+          <a:p>
+            <a:pPr algn="ctr"/>
+            <a:r>
+              <a:rPr lang="en-US" sz="4800" dirty="0">
+                <a:solidFill>
+                  <a:srgbClr val="00FF00"/>
+                </a:solidFill>
+              </a:rPr>
+              <a:t>Rust</a:t>
+            </a:r>
+            <a:endParaRPr lang="vi-VN" sz="4800" dirty="0">
+              <a:solidFill>
+                <a:srgbClr val="00FF00"/>
+              </a:solidFill>
+            </a:endParaRPr>
+          </a:p>
+        </p:txBody>
+      </p:sp>
+      <p:sp>
+        <p:nvSpPr>
+          <p:cNvPr id="3" name="TextBox 2">
+            <a:extLst>
+              <a:ext uri="{FF2B5EF4-FFF2-40B4-BE49-F238E27FC236}">
+                <a16:creationId xmlns:a16="http://schemas.microsoft.com/office/drawing/2014/main" id="{7156D1A0-2122-4C3D-8246-4978E9DF6336}"/>
+              </a:ext>
+            </a:extLst>
+          </p:cNvPr>
+          <p:cNvSpPr txBox="1"/>
+          <p:nvPr/>
+        </p:nvSpPr>
+        <p:spPr>
+          <a:xfrm>
+            <a:off x="0" y="3490557"/>
+            <a:ext cx="12192000" cy="707886"/>
+          </a:xfrm>
+          <a:prstGeom prst="rect">
+            <a:avLst/>
+          </a:prstGeom>
+          <a:noFill/>
+        </p:spPr>
+        <p:txBody>
+          <a:bodyPr wrap="square" rtlCol="0">
+            <a:spAutoFit/>
+          </a:bodyPr>
+          <a:lstStyle/>
+          <a:p>
+            <a:pPr algn="ctr"/>
+            <a:r>
+              <a:rPr lang="en-US" sz="4000" dirty="0">
+                <a:solidFill>
+                  <a:srgbClr val="00FF00"/>
+                </a:solidFill>
+              </a:rPr>
+              <a:t>Mozilla</a:t>
+            </a:r>
+            <a:endParaRPr lang="vi-VN" sz="4000" dirty="0">
+              <a:solidFill>
+                <a:srgbClr val="00FF00"/>
+              </a:solidFill>
+            </a:endParaRPr>
+          </a:p>
+        </p:txBody>
+      </p:sp>
+    </p:spTree>
+    <p:extLst>
+      <p:ext uri="{BB962C8B-B14F-4D97-AF65-F5344CB8AC3E}">
+        <p14:creationId xmlns:p14="http://schemas.microsoft.com/office/powerpoint/2010/main" val="255506846"/>
+      </p:ext>
+    </p:extLst>
+  </p:cSld>
+  <p:clrMapOvr>
+    <a:masterClrMapping/>
+  </p:clrMapOvr>
+</p:sld>
+</file>
+
+<file path=ppt/slides/slide72.xml><?xml version="1.0" encoding="utf-8"?>
+<p:sld xmlns:a="http://schemas.openxmlformats.org/drawingml/2006/main" xmlns:r="http://schemas.openxmlformats.org/officeDocument/2006/relationships" xmlns:p="http://schemas.openxmlformats.org/presentationml/2006/main">
+  <p:cSld>
+    <p:spTree>
+      <p:nvGrpSpPr>
+        <p:cNvPr id="1" name=""/>
+        <p:cNvGrpSpPr/>
+        <p:nvPr/>
+      </p:nvGrpSpPr>
+      <p:grpSpPr>
+        <a:xfrm>
+          <a:off x="0" y="0"/>
+          <a:ext cx="0" cy="0"/>
+          <a:chOff x="0" y="0"/>
+          <a:chExt cx="0" cy="0"/>
+        </a:xfrm>
+      </p:grpSpPr>
+      <p:sp>
+        <p:nvSpPr>
+          <p:cNvPr id="4" name="TextBox 3">
+            <a:extLst>
+              <a:ext uri="{FF2B5EF4-FFF2-40B4-BE49-F238E27FC236}">
+                <a16:creationId xmlns:a16="http://schemas.microsoft.com/office/drawing/2014/main" id="{3C6FD1E6-15D2-4296-A885-7E8D8B4AD957}"/>
+              </a:ext>
+            </a:extLst>
+          </p:cNvPr>
+          <p:cNvSpPr txBox="1"/>
+          <p:nvPr/>
+        </p:nvSpPr>
+        <p:spPr>
+          <a:xfrm>
+            <a:off x="0" y="2536447"/>
+            <a:ext cx="12192000" cy="830997"/>
+          </a:xfrm>
+          <a:prstGeom prst="rect">
+            <a:avLst/>
+          </a:prstGeom>
+          <a:noFill/>
+        </p:spPr>
+        <p:txBody>
+          <a:bodyPr wrap="square" rtlCol="0">
+            <a:spAutoFit/>
+          </a:bodyPr>
+          <a:lstStyle/>
+          <a:p>
+            <a:pPr algn="ctr"/>
+            <a:r>
+              <a:rPr lang="en-US" sz="4800" dirty="0">
+                <a:solidFill>
+                  <a:srgbClr val="00FF00"/>
+                </a:solidFill>
+              </a:rPr>
+              <a:t>JavaScript like language</a:t>
+            </a:r>
+            <a:endParaRPr lang="vi-VN" sz="4800" dirty="0">
+              <a:solidFill>
+                <a:srgbClr val="00FF00"/>
+              </a:solidFill>
+            </a:endParaRPr>
+          </a:p>
+        </p:txBody>
+      </p:sp>
+      <p:sp>
+        <p:nvSpPr>
+          <p:cNvPr id="3" name="TextBox 2">
+            <a:extLst>
+              <a:ext uri="{FF2B5EF4-FFF2-40B4-BE49-F238E27FC236}">
+                <a16:creationId xmlns:a16="http://schemas.microsoft.com/office/drawing/2014/main" id="{7156D1A0-2122-4C3D-8246-4978E9DF6336}"/>
+              </a:ext>
+            </a:extLst>
+          </p:cNvPr>
+          <p:cNvSpPr txBox="1"/>
+          <p:nvPr/>
+        </p:nvSpPr>
+        <p:spPr>
+          <a:xfrm>
+            <a:off x="0" y="3490557"/>
+            <a:ext cx="12192000" cy="707886"/>
+          </a:xfrm>
+          <a:prstGeom prst="rect">
+            <a:avLst/>
+          </a:prstGeom>
+          <a:noFill/>
+        </p:spPr>
+        <p:txBody>
+          <a:bodyPr wrap="square" rtlCol="0">
+            <a:spAutoFit/>
+          </a:bodyPr>
+          <a:lstStyle/>
+          <a:p>
+            <a:pPr algn="ctr"/>
+            <a:r>
+              <a:rPr lang="en-US" sz="4000" dirty="0" err="1">
+                <a:solidFill>
+                  <a:srgbClr val="00FF00"/>
+                </a:solidFill>
+              </a:rPr>
+              <a:t>CoffeeScript</a:t>
+            </a:r>
+            <a:r>
+              <a:rPr lang="en-US" sz="4000" dirty="0">
+                <a:solidFill>
+                  <a:srgbClr val="00FF00"/>
+                </a:solidFill>
+              </a:rPr>
+              <a:t>, Dart, TypeScript, …..</a:t>
+            </a:r>
+            <a:endParaRPr lang="vi-VN" sz="4000" dirty="0">
+              <a:solidFill>
+                <a:srgbClr val="00FF00"/>
+              </a:solidFill>
+            </a:endParaRPr>
+          </a:p>
+        </p:txBody>
+      </p:sp>
+    </p:spTree>
+    <p:extLst>
+      <p:ext uri="{BB962C8B-B14F-4D97-AF65-F5344CB8AC3E}">
+        <p14:creationId xmlns:p14="http://schemas.microsoft.com/office/powerpoint/2010/main" val="933306100"/>
+      </p:ext>
+    </p:extLst>
+  </p:cSld>
+  <p:clrMapOvr>
+    <a:masterClrMapping/>
+  </p:clrMapOvr>
+</p:sld>
+</file>
+
+<file path=ppt/slides/slide73.xml><?xml version="1.0" encoding="utf-8"?>
+<p:sld xmlns:a="http://schemas.openxmlformats.org/drawingml/2006/main" xmlns:r="http://schemas.openxmlformats.org/officeDocument/2006/relationships" xmlns:p="http://schemas.openxmlformats.org/presentationml/2006/main">
+  <p:cSld>
+    <p:spTree>
+      <p:nvGrpSpPr>
+        <p:cNvPr id="1" name=""/>
+        <p:cNvGrpSpPr/>
+        <p:nvPr/>
+      </p:nvGrpSpPr>
+      <p:grpSpPr>
+        <a:xfrm>
+          <a:off x="0" y="0"/>
+          <a:ext cx="0" cy="0"/>
+          <a:chOff x="0" y="0"/>
+          <a:chExt cx="0" cy="0"/>
+        </a:xfrm>
+      </p:grpSpPr>
       <p:pic>
         <p:nvPicPr>
           <p:cNvPr id="6" name="Content Placeholder 5">
@@ -12194,7 +14607,7 @@
         </p:nvSpPr>
         <p:spPr>
           <a:xfrm>
-            <a:off x="2154521" y="365158"/>
+            <a:off x="3145046" y="259141"/>
             <a:ext cx="9046954" cy="1569660"/>
           </a:xfrm>
           <a:prstGeom prst="rect">
@@ -12216,7 +14629,7 @@
                 <a:latin typeface="Aharoni" panose="02010803020104030203" pitchFamily="2" charset="-79"/>
                 <a:cs typeface="Aharoni" panose="02010803020104030203" pitchFamily="2" charset="-79"/>
               </a:rPr>
-              <a:t>OBJECTIVE-C</a:t>
+              <a:t>Category</a:t>
             </a:r>
             <a:endParaRPr lang="vi-VN" sz="9600" dirty="0">
               <a:solidFill>
@@ -12230,29 +14643,17 @@
     </p:spTree>
     <p:extLst>
       <p:ext uri="{BB962C8B-B14F-4D97-AF65-F5344CB8AC3E}">
-        <p14:creationId xmlns:p14="http://schemas.microsoft.com/office/powerpoint/2010/main" val="2382284559"/>
+        <p14:creationId xmlns:p14="http://schemas.microsoft.com/office/powerpoint/2010/main" val="3270536585"/>
       </p:ext>
     </p:extLst>
   </p:cSld>
   <p:clrMapOvr>
     <a:masterClrMapping/>
   </p:clrMapOvr>
-  <mc:AlternateContent xmlns:mc="http://schemas.openxmlformats.org/markup-compatibility/2006">
-    <mc:Choice xmlns:p14="http://schemas.microsoft.com/office/powerpoint/2010/main" Requires="p14">
-      <p:transition spd="slow" p14:dur="800">
-        <p:circle/>
-      </p:transition>
-    </mc:Choice>
-    <mc:Fallback>
-      <p:transition spd="slow">
-        <p:circle/>
-      </p:transition>
-    </mc:Fallback>
-  </mc:AlternateContent>
 </p:sld>
 </file>
 
-<file path=ppt/slides/slide66.xml><?xml version="1.0" encoding="utf-8"?>
+<file path=ppt/slides/slide74.xml><?xml version="1.0" encoding="utf-8"?>
 <p:sld xmlns:a="http://schemas.openxmlformats.org/drawingml/2006/main" xmlns:r="http://schemas.openxmlformats.org/officeDocument/2006/relationships" xmlns:p="http://schemas.openxmlformats.org/presentationml/2006/main">
   <p:cSld>
     <p:spTree>
@@ -12271,6 +14672,1427 @@
       </p:grpSpPr>
       <p:sp>
         <p:nvSpPr>
+          <p:cNvPr id="4" name="Hộp Văn bản 3">
+            <a:extLst>
+              <a:ext uri="{FF2B5EF4-FFF2-40B4-BE49-F238E27FC236}">
+                <a16:creationId xmlns:a16="http://schemas.microsoft.com/office/drawing/2014/main" id="{CBC22A56-140B-49AF-BF22-522A937D8F3F}"/>
+              </a:ext>
+            </a:extLst>
+          </p:cNvPr>
+          <p:cNvSpPr txBox="1"/>
+          <p:nvPr/>
+        </p:nvSpPr>
+        <p:spPr>
+          <a:xfrm>
+            <a:off x="395654" y="600501"/>
+            <a:ext cx="11109409" cy="5293757"/>
+          </a:xfrm>
+          <a:prstGeom prst="rect">
+            <a:avLst/>
+          </a:prstGeom>
+          <a:noFill/>
+        </p:spPr>
+        <p:txBody>
+          <a:bodyPr wrap="square" rtlCol="0">
+            <a:spAutoFit/>
+          </a:bodyPr>
+          <a:lstStyle/>
+          <a:p>
+            <a:r>
+              <a:rPr lang="en-US" sz="3200" dirty="0">
+                <a:solidFill>
+                  <a:srgbClr val="00FF00"/>
+                </a:solidFill>
+              </a:rPr>
+              <a:t>Programming languages category (based on most common paradigms)</a:t>
+            </a:r>
+          </a:p>
+          <a:p>
+            <a:pPr marL="285750" indent="-285750">
+              <a:buFontTx/>
+              <a:buChar char="-"/>
+            </a:pPr>
+            <a:r>
+              <a:rPr lang="en-US" sz="3200" dirty="0">
+                <a:solidFill>
+                  <a:srgbClr val="00FF00"/>
+                </a:solidFill>
+              </a:rPr>
+              <a:t>Imperative: describes step-by-step instructions to computer to perform.</a:t>
+            </a:r>
+          </a:p>
+          <a:p>
+            <a:pPr lvl="1"/>
+            <a:r>
+              <a:rPr lang="en-US" sz="3200" dirty="0">
+                <a:solidFill>
+                  <a:srgbClr val="00FF00"/>
+                </a:solidFill>
+              </a:rPr>
+              <a:t>+	Procedural</a:t>
+            </a:r>
+          </a:p>
+          <a:p>
+            <a:pPr lvl="1"/>
+            <a:r>
+              <a:rPr lang="en-US" sz="3200" dirty="0">
+                <a:solidFill>
+                  <a:srgbClr val="00FF00"/>
+                </a:solidFill>
+              </a:rPr>
+              <a:t>+	Object - oriented</a:t>
+            </a:r>
+          </a:p>
+          <a:p>
+            <a:pPr marL="285750" indent="-285750">
+              <a:buFontTx/>
+              <a:buChar char="-"/>
+            </a:pPr>
+            <a:r>
+              <a:rPr lang="en-US" sz="3200" dirty="0">
+                <a:solidFill>
+                  <a:srgbClr val="00FF00"/>
+                </a:solidFill>
+              </a:rPr>
+              <a:t>Declarative:  declares properties of the desired result, but not how to compute it.</a:t>
+            </a:r>
+          </a:p>
+          <a:p>
+            <a:pPr lvl="1"/>
+            <a:r>
+              <a:rPr lang="en-US" sz="3200" dirty="0">
+                <a:solidFill>
+                  <a:srgbClr val="00FF00"/>
+                </a:solidFill>
+              </a:rPr>
+              <a:t>+	Functional</a:t>
+            </a:r>
+          </a:p>
+          <a:p>
+            <a:pPr lvl="1"/>
+            <a:r>
+              <a:rPr lang="en-US" sz="3200" dirty="0">
+                <a:solidFill>
+                  <a:srgbClr val="00FF00"/>
+                </a:solidFill>
+              </a:rPr>
+              <a:t>+	Logic</a:t>
+            </a:r>
+          </a:p>
+          <a:p>
+            <a:endParaRPr lang="en-US" dirty="0">
+              <a:solidFill>
+                <a:srgbClr val="00FF00"/>
+              </a:solidFill>
+            </a:endParaRPr>
+          </a:p>
+        </p:txBody>
+      </p:sp>
+    </p:spTree>
+    <p:extLst>
+      <p:ext uri="{BB962C8B-B14F-4D97-AF65-F5344CB8AC3E}">
+        <p14:creationId xmlns:p14="http://schemas.microsoft.com/office/powerpoint/2010/main" val="1989742414"/>
+      </p:ext>
+    </p:extLst>
+  </p:cSld>
+  <p:clrMapOvr>
+    <a:masterClrMapping/>
+  </p:clrMapOvr>
+</p:sld>
+</file>
+
+<file path=ppt/slides/slide75.xml><?xml version="1.0" encoding="utf-8"?>
+<p:sld xmlns:a="http://schemas.openxmlformats.org/drawingml/2006/main" xmlns:r="http://schemas.openxmlformats.org/officeDocument/2006/relationships" xmlns:p="http://schemas.openxmlformats.org/presentationml/2006/main">
+  <p:cSld>
+    <p:spTree>
+      <p:nvGrpSpPr>
+        <p:cNvPr id="1" name=""/>
+        <p:cNvGrpSpPr/>
+        <p:nvPr/>
+      </p:nvGrpSpPr>
+      <p:grpSpPr>
+        <a:xfrm>
+          <a:off x="0" y="0"/>
+          <a:ext cx="0" cy="0"/>
+          <a:chOff x="0" y="0"/>
+          <a:chExt cx="0" cy="0"/>
+        </a:xfrm>
+      </p:grpSpPr>
+      <p:sp>
+        <p:nvSpPr>
+          <p:cNvPr id="4" name="Hộp Văn bản 3">
+            <a:extLst>
+              <a:ext uri="{FF2B5EF4-FFF2-40B4-BE49-F238E27FC236}">
+                <a16:creationId xmlns:a16="http://schemas.microsoft.com/office/drawing/2014/main" id="{CBC22A56-140B-49AF-BF22-522A937D8F3F}"/>
+              </a:ext>
+            </a:extLst>
+          </p:cNvPr>
+          <p:cNvSpPr txBox="1"/>
+          <p:nvPr/>
+        </p:nvSpPr>
+        <p:spPr>
+          <a:xfrm>
+            <a:off x="395654" y="600501"/>
+            <a:ext cx="11109409" cy="6063198"/>
+          </a:xfrm>
+          <a:prstGeom prst="rect">
+            <a:avLst/>
+          </a:prstGeom>
+          <a:noFill/>
+        </p:spPr>
+        <p:txBody>
+          <a:bodyPr wrap="square" rtlCol="0">
+            <a:spAutoFit/>
+          </a:bodyPr>
+          <a:lstStyle/>
+          <a:p>
+            <a:r>
+              <a:rPr lang="en-US" sz="2200" dirty="0">
+                <a:solidFill>
+                  <a:srgbClr val="00FF00"/>
+                </a:solidFill>
+              </a:rPr>
+              <a:t>Imperative</a:t>
+            </a:r>
+          </a:p>
+          <a:p>
+            <a:pPr marL="285750" indent="-285750">
+              <a:buFont typeface="Arial" panose="020B0604020202020204" pitchFamily="34" charset="0"/>
+              <a:buChar char="•"/>
+            </a:pPr>
+            <a:r>
+              <a:rPr lang="en-US" sz="2200" dirty="0">
+                <a:solidFill>
+                  <a:srgbClr val="00FF00"/>
+                </a:solidFill>
+              </a:rPr>
+              <a:t>Procedural : groups instructions into procedures which might be called during a program's execution</a:t>
+            </a:r>
+          </a:p>
+          <a:p>
+            <a:r>
+              <a:rPr lang="en-US" sz="2200" dirty="0">
+                <a:solidFill>
+                  <a:srgbClr val="00FF00"/>
+                </a:solidFill>
+              </a:rPr>
+              <a:t>	- Fortran (</a:t>
+            </a:r>
+            <a:r>
+              <a:rPr lang="en-US" sz="2200" dirty="0" err="1">
+                <a:solidFill>
+                  <a:srgbClr val="00FF00"/>
+                </a:solidFill>
+              </a:rPr>
+              <a:t>Formular</a:t>
+            </a:r>
+            <a:r>
+              <a:rPr lang="en-US" sz="2200" dirty="0">
+                <a:solidFill>
+                  <a:srgbClr val="00FF00"/>
+                </a:solidFill>
+              </a:rPr>
+              <a:t> Translating system)</a:t>
+            </a:r>
+          </a:p>
+          <a:p>
+            <a:r>
+              <a:rPr lang="en-US" sz="2200" dirty="0">
+                <a:solidFill>
+                  <a:srgbClr val="00FF00"/>
+                </a:solidFill>
+              </a:rPr>
+              <a:t>		   + developed by IBM in 1950’s, first commercial version was released in 1957.</a:t>
+            </a:r>
+          </a:p>
+          <a:p>
+            <a:r>
+              <a:rPr lang="en-US" sz="2200" dirty="0">
+                <a:solidFill>
+                  <a:srgbClr val="00FF00"/>
+                </a:solidFill>
+              </a:rPr>
+              <a:t>		   + the first high-level language 		   </a:t>
+            </a:r>
+          </a:p>
+          <a:p>
+            <a:r>
+              <a:rPr lang="en-US" sz="2200" dirty="0">
+                <a:solidFill>
+                  <a:srgbClr val="00FF00"/>
+                </a:solidFill>
+              </a:rPr>
+              <a:t>		   + solve problems with a heavy mathematics or computational flavor.</a:t>
+            </a:r>
+          </a:p>
+          <a:p>
+            <a:r>
+              <a:rPr lang="en-US" sz="2200" dirty="0">
+                <a:solidFill>
+                  <a:srgbClr val="00FF00"/>
+                </a:solidFill>
+              </a:rPr>
+              <a:t>	 - Cobol (</a:t>
+            </a:r>
+            <a:r>
+              <a:rPr lang="en-US" sz="2200" dirty="0" err="1">
+                <a:solidFill>
+                  <a:srgbClr val="00FF00"/>
+                </a:solidFill>
+              </a:rPr>
+              <a:t>COmon</a:t>
+            </a:r>
+            <a:r>
+              <a:rPr lang="en-US" sz="2200" dirty="0">
+                <a:solidFill>
+                  <a:srgbClr val="00FF00"/>
+                </a:solidFill>
+              </a:rPr>
+              <a:t> </a:t>
+            </a:r>
+            <a:r>
+              <a:rPr lang="en-US" sz="2200" dirty="0" err="1">
+                <a:solidFill>
+                  <a:srgbClr val="00FF00"/>
+                </a:solidFill>
+              </a:rPr>
+              <a:t>Bussiness</a:t>
+            </a:r>
+            <a:r>
+              <a:rPr lang="en-US" sz="2200" dirty="0">
+                <a:solidFill>
+                  <a:srgbClr val="00FF00"/>
+                </a:solidFill>
+              </a:rPr>
+              <a:t>-Oriented Language)</a:t>
+            </a:r>
+          </a:p>
+          <a:p>
+            <a:r>
+              <a:rPr lang="en-US" sz="2200" dirty="0">
+                <a:solidFill>
+                  <a:srgbClr val="00FF00"/>
+                </a:solidFill>
+              </a:rPr>
+              <a:t>   		 + developed by a group headed by </a:t>
+            </a:r>
+            <a:r>
+              <a:rPr lang="en-US" sz="2200" dirty="0" err="1">
+                <a:solidFill>
+                  <a:srgbClr val="00FF00"/>
+                </a:solidFill>
+              </a:rPr>
+              <a:t>Amiral</a:t>
+            </a:r>
+            <a:r>
+              <a:rPr lang="en-US" sz="2200" dirty="0">
+                <a:solidFill>
+                  <a:srgbClr val="00FF00"/>
+                </a:solidFill>
+              </a:rPr>
+              <a:t> Grace Murray Hopper of U.S Navy in </a:t>
+            </a:r>
+          </a:p>
+          <a:p>
+            <a:r>
+              <a:rPr lang="en-US" sz="2200" dirty="0">
+                <a:solidFill>
+                  <a:srgbClr val="00FF00"/>
+                </a:solidFill>
+              </a:rPr>
+              <a:t>   		   1959 and 1960</a:t>
+            </a:r>
+          </a:p>
+          <a:p>
+            <a:r>
+              <a:rPr lang="en-US" sz="2200" dirty="0">
+                <a:solidFill>
+                  <a:srgbClr val="00FF00"/>
+                </a:solidFill>
+              </a:rPr>
+              <a:t>		 + serve </a:t>
+            </a:r>
+            <a:r>
+              <a:rPr lang="en-US" sz="2200" dirty="0" err="1">
+                <a:solidFill>
+                  <a:srgbClr val="00FF00"/>
+                </a:solidFill>
+              </a:rPr>
+              <a:t>bussiness</a:t>
+            </a:r>
+            <a:r>
+              <a:rPr lang="en-US" sz="2200" dirty="0">
+                <a:solidFill>
+                  <a:srgbClr val="00FF00"/>
+                </a:solidFill>
+              </a:rPr>
+              <a:t> .</a:t>
+            </a:r>
+          </a:p>
+          <a:p>
+            <a:r>
+              <a:rPr lang="en-US" sz="2200" dirty="0">
+                <a:solidFill>
+                  <a:srgbClr val="00FF00"/>
+                </a:solidFill>
+              </a:rPr>
+              <a:t>	- C:             </a:t>
+            </a:r>
+          </a:p>
+          <a:p>
+            <a:r>
+              <a:rPr lang="en-US" sz="2200" dirty="0">
+                <a:solidFill>
+                  <a:srgbClr val="00FF00"/>
+                </a:solidFill>
+              </a:rPr>
+              <a:t>		+ developed in early 1970s by Dennis Ritchie at AT&amp;T lab.</a:t>
+            </a:r>
+          </a:p>
+          <a:p>
+            <a:r>
+              <a:rPr lang="en-US" sz="2200" dirty="0">
+                <a:solidFill>
+                  <a:srgbClr val="00FF00"/>
+                </a:solidFill>
+              </a:rPr>
+              <a:t>		+ originally designed system programming (UNIX).</a:t>
+            </a:r>
+          </a:p>
+          <a:p>
+            <a:r>
+              <a:rPr lang="en-US" sz="2200" dirty="0">
+                <a:solidFill>
+                  <a:srgbClr val="00FF00"/>
+                </a:solidFill>
+              </a:rPr>
+              <a:t>		+ was a popular for its close relationship with UNIX and its 				efficiency.</a:t>
+            </a:r>
+          </a:p>
+          <a:p>
+            <a:r>
+              <a:rPr lang="en-US" dirty="0">
+                <a:solidFill>
+                  <a:srgbClr val="00FF00"/>
+                </a:solidFill>
+              </a:rPr>
+              <a:t>	</a:t>
+            </a:r>
+          </a:p>
+          <a:p>
+            <a:endParaRPr lang="en-US" dirty="0">
+              <a:solidFill>
+                <a:srgbClr val="00FF00"/>
+              </a:solidFill>
+            </a:endParaRPr>
+          </a:p>
+        </p:txBody>
+      </p:sp>
+    </p:spTree>
+    <p:extLst>
+      <p:ext uri="{BB962C8B-B14F-4D97-AF65-F5344CB8AC3E}">
+        <p14:creationId xmlns:p14="http://schemas.microsoft.com/office/powerpoint/2010/main" val="898724099"/>
+      </p:ext>
+    </p:extLst>
+  </p:cSld>
+  <p:clrMapOvr>
+    <a:masterClrMapping/>
+  </p:clrMapOvr>
+</p:sld>
+</file>
+
+<file path=ppt/slides/slide76.xml><?xml version="1.0" encoding="utf-8"?>
+<p:sld xmlns:a="http://schemas.openxmlformats.org/drawingml/2006/main" xmlns:r="http://schemas.openxmlformats.org/officeDocument/2006/relationships" xmlns:p="http://schemas.openxmlformats.org/presentationml/2006/main">
+  <p:cSld>
+    <p:spTree>
+      <p:nvGrpSpPr>
+        <p:cNvPr id="1" name=""/>
+        <p:cNvGrpSpPr/>
+        <p:nvPr/>
+      </p:nvGrpSpPr>
+      <p:grpSpPr>
+        <a:xfrm>
+          <a:off x="0" y="0"/>
+          <a:ext cx="0" cy="0"/>
+          <a:chOff x="0" y="0"/>
+          <a:chExt cx="0" cy="0"/>
+        </a:xfrm>
+      </p:grpSpPr>
+      <p:sp>
+        <p:nvSpPr>
+          <p:cNvPr id="4" name="Hộp Văn bản 3">
+            <a:extLst>
+              <a:ext uri="{FF2B5EF4-FFF2-40B4-BE49-F238E27FC236}">
+                <a16:creationId xmlns:a16="http://schemas.microsoft.com/office/drawing/2014/main" id="{CBC22A56-140B-49AF-BF22-522A937D8F3F}"/>
+              </a:ext>
+            </a:extLst>
+          </p:cNvPr>
+          <p:cNvSpPr txBox="1"/>
+          <p:nvPr/>
+        </p:nvSpPr>
+        <p:spPr>
+          <a:xfrm>
+            <a:off x="446045" y="289917"/>
+            <a:ext cx="11109409" cy="4770537"/>
+          </a:xfrm>
+          <a:prstGeom prst="rect">
+            <a:avLst/>
+          </a:prstGeom>
+          <a:noFill/>
+        </p:spPr>
+        <p:txBody>
+          <a:bodyPr wrap="square" rtlCol="0">
+            <a:spAutoFit/>
+          </a:bodyPr>
+          <a:lstStyle/>
+          <a:p>
+            <a:r>
+              <a:rPr lang="en-US" sz="2200" dirty="0">
+                <a:solidFill>
+                  <a:srgbClr val="00FF00"/>
+                </a:solidFill>
+              </a:rPr>
+              <a:t>Imperative</a:t>
+            </a:r>
+          </a:p>
+          <a:p>
+            <a:pPr marL="285750" indent="-285750">
+              <a:buFont typeface="Arial" panose="020B0604020202020204" pitchFamily="34" charset="0"/>
+              <a:buChar char="•"/>
+            </a:pPr>
+            <a:r>
+              <a:rPr lang="en-US" sz="2200" dirty="0">
+                <a:solidFill>
+                  <a:srgbClr val="00FF00"/>
+                </a:solidFill>
+              </a:rPr>
+              <a:t>Object-oriented : groups instructions together with the part of the state they operate on</a:t>
+            </a:r>
+          </a:p>
+          <a:p>
+            <a:r>
+              <a:rPr lang="en-US" sz="2200" dirty="0">
+                <a:solidFill>
+                  <a:srgbClr val="00FF00"/>
+                </a:solidFill>
+              </a:rPr>
+              <a:t>	- Smalltalk (purely):</a:t>
+            </a:r>
+          </a:p>
+          <a:p>
+            <a:r>
+              <a:rPr lang="en-US" sz="2200" dirty="0">
+                <a:solidFill>
+                  <a:srgbClr val="00FF00"/>
+                </a:solidFill>
+              </a:rPr>
+              <a:t>		+ developed at the Learning Research Group of Xerox PARC by during the 		1970s.</a:t>
+            </a:r>
+          </a:p>
+          <a:p>
+            <a:r>
+              <a:rPr lang="en-US" sz="2200" dirty="0">
+                <a:solidFill>
+                  <a:srgbClr val="00FF00"/>
+                </a:solidFill>
+              </a:rPr>
+              <a:t>		+ first for educational use, later for constructionist learning.</a:t>
+            </a:r>
+          </a:p>
+          <a:p>
+            <a:r>
+              <a:rPr lang="en-US" sz="2200" dirty="0">
+                <a:solidFill>
+                  <a:srgbClr val="00FF00"/>
+                </a:solidFill>
+              </a:rPr>
+              <a:t>	 - Ruby:   		 </a:t>
+            </a:r>
+          </a:p>
+          <a:p>
+            <a:r>
+              <a:rPr lang="en-US" sz="2200" dirty="0">
+                <a:solidFill>
+                  <a:srgbClr val="00FF00"/>
+                </a:solidFill>
+              </a:rPr>
+              <a:t>		+ developed in 1993 by </a:t>
+            </a:r>
+            <a:r>
+              <a:rPr lang="en-US" sz="2200" dirty="0" err="1">
+                <a:solidFill>
+                  <a:srgbClr val="00FF00"/>
+                </a:solidFill>
+              </a:rPr>
+              <a:t>Matsumiko</a:t>
+            </a:r>
+            <a:r>
+              <a:rPr lang="en-US" sz="2200" dirty="0">
+                <a:solidFill>
+                  <a:srgbClr val="00FF00"/>
+                </a:solidFill>
+              </a:rPr>
+              <a:t> Yukihiro in Japan.		 </a:t>
+            </a:r>
+          </a:p>
+          <a:p>
+            <a:r>
+              <a:rPr lang="en-US" sz="2200" dirty="0">
+                <a:solidFill>
+                  <a:srgbClr val="00FF00"/>
+                </a:solidFill>
+              </a:rPr>
+              <a:t>		+ influenced by Perl, Smalltalk, Eiffel, Ada, and Lisp.</a:t>
+            </a:r>
+          </a:p>
+          <a:p>
+            <a:r>
+              <a:rPr lang="en-US" sz="2200" dirty="0">
+                <a:solidFill>
+                  <a:srgbClr val="00FF00"/>
+                </a:solidFill>
+              </a:rPr>
+              <a:t>	- </a:t>
+            </a:r>
+            <a:r>
+              <a:rPr lang="en-US" sz="2200" dirty="0" err="1">
+                <a:solidFill>
+                  <a:srgbClr val="00FF00"/>
+                </a:solidFill>
+              </a:rPr>
+              <a:t>Effiel</a:t>
+            </a:r>
+            <a:r>
+              <a:rPr lang="en-US" sz="2200" dirty="0">
+                <a:solidFill>
+                  <a:srgbClr val="00FF00"/>
+                </a:solidFill>
+              </a:rPr>
+              <a:t>  (purely):             </a:t>
+            </a:r>
+          </a:p>
+          <a:p>
+            <a:r>
+              <a:rPr lang="en-US" sz="2200" dirty="0">
+                <a:solidFill>
+                  <a:srgbClr val="00FF00"/>
+                </a:solidFill>
+              </a:rPr>
+              <a:t>		+ developed in 1985 by Bertrand Meyer. 		</a:t>
+            </a:r>
+          </a:p>
+          <a:p>
+            <a:r>
+              <a:rPr lang="en-US" sz="2200" dirty="0">
+                <a:solidFill>
+                  <a:srgbClr val="00FF00"/>
+                </a:solidFill>
+              </a:rPr>
+              <a:t>		+ many important programming concepts.	</a:t>
+            </a:r>
+          </a:p>
+          <a:p>
+            <a:r>
+              <a:rPr lang="en-US" sz="2200" dirty="0">
+                <a:solidFill>
+                  <a:srgbClr val="00FF00"/>
+                </a:solidFill>
+              </a:rPr>
+              <a:t>	</a:t>
+            </a:r>
+            <a:r>
+              <a:rPr lang="en-US" dirty="0">
+                <a:solidFill>
+                  <a:srgbClr val="00FF00"/>
+                </a:solidFill>
+              </a:rPr>
+              <a:t>	</a:t>
+            </a:r>
+          </a:p>
+          <a:p>
+            <a:endParaRPr lang="en-US" dirty="0">
+              <a:solidFill>
+                <a:srgbClr val="00FF00"/>
+              </a:solidFill>
+            </a:endParaRPr>
+          </a:p>
+        </p:txBody>
+      </p:sp>
+    </p:spTree>
+    <p:extLst>
+      <p:ext uri="{BB962C8B-B14F-4D97-AF65-F5344CB8AC3E}">
+        <p14:creationId xmlns:p14="http://schemas.microsoft.com/office/powerpoint/2010/main" val="3111521534"/>
+      </p:ext>
+    </p:extLst>
+  </p:cSld>
+  <p:clrMapOvr>
+    <a:masterClrMapping/>
+  </p:clrMapOvr>
+</p:sld>
+</file>
+
+<file path=ppt/slides/slide77.xml><?xml version="1.0" encoding="utf-8"?>
+<p:sld xmlns:a="http://schemas.openxmlformats.org/drawingml/2006/main" xmlns:r="http://schemas.openxmlformats.org/officeDocument/2006/relationships" xmlns:p="http://schemas.openxmlformats.org/presentationml/2006/main">
+  <p:cSld>
+    <p:spTree>
+      <p:nvGrpSpPr>
+        <p:cNvPr id="1" name=""/>
+        <p:cNvGrpSpPr/>
+        <p:nvPr/>
+      </p:nvGrpSpPr>
+      <p:grpSpPr>
+        <a:xfrm>
+          <a:off x="0" y="0"/>
+          <a:ext cx="0" cy="0"/>
+          <a:chOff x="0" y="0"/>
+          <a:chExt cx="0" cy="0"/>
+        </a:xfrm>
+      </p:grpSpPr>
+      <p:sp>
+        <p:nvSpPr>
+          <p:cNvPr id="4" name="Hộp Văn bản 3">
+            <a:extLst>
+              <a:ext uri="{FF2B5EF4-FFF2-40B4-BE49-F238E27FC236}">
+                <a16:creationId xmlns:a16="http://schemas.microsoft.com/office/drawing/2014/main" id="{CBC22A56-140B-49AF-BF22-522A937D8F3F}"/>
+              </a:ext>
+            </a:extLst>
+          </p:cNvPr>
+          <p:cNvSpPr txBox="1"/>
+          <p:nvPr/>
+        </p:nvSpPr>
+        <p:spPr>
+          <a:xfrm>
+            <a:off x="386129" y="366623"/>
+            <a:ext cx="11109409" cy="5109091"/>
+          </a:xfrm>
+          <a:prstGeom prst="rect">
+            <a:avLst/>
+          </a:prstGeom>
+          <a:noFill/>
+        </p:spPr>
+        <p:txBody>
+          <a:bodyPr wrap="square" rtlCol="0">
+            <a:spAutoFit/>
+          </a:bodyPr>
+          <a:lstStyle/>
+          <a:p>
+            <a:r>
+              <a:rPr lang="en-US" sz="2200" dirty="0">
+                <a:solidFill>
+                  <a:srgbClr val="00FF00"/>
+                </a:solidFill>
+              </a:rPr>
+              <a:t>Imperative</a:t>
+            </a:r>
+          </a:p>
+          <a:p>
+            <a:pPr marL="285750" indent="-285750">
+              <a:buFont typeface="Arial" panose="020B0604020202020204" pitchFamily="34" charset="0"/>
+              <a:buChar char="•"/>
+            </a:pPr>
+            <a:r>
+              <a:rPr lang="en-US" sz="2200" dirty="0">
+                <a:solidFill>
+                  <a:srgbClr val="00FF00"/>
+                </a:solidFill>
+              </a:rPr>
+              <a:t>Object-oriented : 	</a:t>
+            </a:r>
+          </a:p>
+          <a:p>
+            <a:pPr lvl="2"/>
+            <a:r>
+              <a:rPr lang="en-US" sz="2200" dirty="0">
+                <a:solidFill>
+                  <a:srgbClr val="00FF00"/>
+                </a:solidFill>
+              </a:rPr>
+              <a:t>- Java :</a:t>
+            </a:r>
+          </a:p>
+          <a:p>
+            <a:r>
+              <a:rPr lang="en-US" sz="2200" dirty="0">
+                <a:solidFill>
+                  <a:srgbClr val="00FF00"/>
+                </a:solidFill>
+              </a:rPr>
+              <a:t>		+ developed by James Gosling at Sun Microsystems and released in 1995.</a:t>
+            </a:r>
+          </a:p>
+          <a:p>
+            <a:r>
+              <a:rPr lang="en-US" sz="2200" dirty="0">
+                <a:solidFill>
+                  <a:srgbClr val="00FF00"/>
+                </a:solidFill>
+              </a:rPr>
+              <a:t>		+ features from </a:t>
+            </a:r>
+            <a:r>
+              <a:rPr lang="en-US" sz="2200" dirty="0" err="1">
+                <a:solidFill>
+                  <a:srgbClr val="00FF00"/>
+                </a:solidFill>
+              </a:rPr>
+              <a:t>SmallTalk</a:t>
+            </a:r>
+            <a:r>
+              <a:rPr lang="en-US" sz="2200" dirty="0">
+                <a:solidFill>
+                  <a:srgbClr val="00FF00"/>
+                </a:solidFill>
+              </a:rPr>
+              <a:t>, with a syntax similar to C and	C++. 				+ fewer low-level facilities than C and  C++, provide garbage collection.</a:t>
+            </a:r>
+          </a:p>
+          <a:p>
+            <a:r>
+              <a:rPr lang="en-US" sz="2200" dirty="0">
+                <a:solidFill>
+                  <a:srgbClr val="00FF00"/>
+                </a:solidFill>
+              </a:rPr>
+              <a:t>	 - C#:</a:t>
+            </a:r>
+          </a:p>
+          <a:p>
+            <a:r>
+              <a:rPr lang="en-US" sz="2200" dirty="0">
+                <a:solidFill>
+                  <a:srgbClr val="00FF00"/>
+                </a:solidFill>
+              </a:rPr>
+              <a:t>		+ developed by Microsoft in 2000.</a:t>
+            </a:r>
+          </a:p>
+          <a:p>
+            <a:r>
+              <a:rPr lang="en-US" sz="2200" dirty="0">
+                <a:solidFill>
+                  <a:srgbClr val="00FF00"/>
+                </a:solidFill>
+              </a:rPr>
+              <a:t>		+ make some improvements over C++ in safe usage.</a:t>
+            </a:r>
+          </a:p>
+          <a:p>
+            <a:r>
+              <a:rPr lang="en-US" sz="2200" dirty="0">
+                <a:solidFill>
+                  <a:srgbClr val="00FF00"/>
+                </a:solidFill>
+              </a:rPr>
+              <a:t>		+ share many features with Java, an object-oriented syntax based on C++. </a:t>
+            </a:r>
+            <a:r>
+              <a:rPr lang="en-US" dirty="0">
+                <a:solidFill>
+                  <a:srgbClr val="00FF00"/>
+                </a:solidFill>
+              </a:rPr>
+              <a:t>	 </a:t>
+            </a:r>
+            <a:r>
+              <a:rPr lang="en-US" sz="2200" dirty="0">
+                <a:solidFill>
+                  <a:srgbClr val="00FF00"/>
+                </a:solidFill>
+              </a:rPr>
+              <a:t>- C++:</a:t>
+            </a:r>
+          </a:p>
+          <a:p>
+            <a:r>
+              <a:rPr lang="en-US" sz="2200" dirty="0">
+                <a:solidFill>
+                  <a:srgbClr val="00FF00"/>
+                </a:solidFill>
+              </a:rPr>
+              <a:t>		+ developed at Bell Labs by Bjarne </a:t>
+            </a:r>
+            <a:r>
+              <a:rPr lang="en-US" sz="2200" dirty="0" err="1">
+                <a:solidFill>
+                  <a:srgbClr val="00FF00"/>
+                </a:solidFill>
+              </a:rPr>
+              <a:t>Stroustrup</a:t>
+            </a:r>
+            <a:r>
+              <a:rPr lang="en-US" sz="2200" dirty="0">
+                <a:solidFill>
+                  <a:srgbClr val="00FF00"/>
+                </a:solidFill>
+              </a:rPr>
+              <a:t> in early 1980s.</a:t>
+            </a:r>
+          </a:p>
+          <a:p>
+            <a:r>
+              <a:rPr lang="en-US" sz="2200" dirty="0">
+                <a:solidFill>
+                  <a:srgbClr val="00FF00"/>
+                </a:solidFill>
+              </a:rPr>
+              <a:t>		+ extending the C programming language. </a:t>
+            </a:r>
+          </a:p>
+          <a:p>
+            <a:r>
+              <a:rPr lang="en-US" sz="2200" dirty="0">
+                <a:solidFill>
+                  <a:srgbClr val="00FF00"/>
+                </a:solidFill>
+              </a:rPr>
+              <a:t>		+ provide the ability to do  object – oriented programming </a:t>
+            </a:r>
+          </a:p>
+          <a:p>
+            <a:endParaRPr lang="en-US" dirty="0">
+              <a:solidFill>
+                <a:srgbClr val="00FF00"/>
+              </a:solidFill>
+            </a:endParaRPr>
+          </a:p>
+        </p:txBody>
+      </p:sp>
+    </p:spTree>
+    <p:extLst>
+      <p:ext uri="{BB962C8B-B14F-4D97-AF65-F5344CB8AC3E}">
+        <p14:creationId xmlns:p14="http://schemas.microsoft.com/office/powerpoint/2010/main" val="198559458"/>
+      </p:ext>
+    </p:extLst>
+  </p:cSld>
+  <p:clrMapOvr>
+    <a:masterClrMapping/>
+  </p:clrMapOvr>
+</p:sld>
+</file>
+
+<file path=ppt/slides/slide78.xml><?xml version="1.0" encoding="utf-8"?>
+<p:sld xmlns:a="http://schemas.openxmlformats.org/drawingml/2006/main" xmlns:r="http://schemas.openxmlformats.org/officeDocument/2006/relationships" xmlns:p="http://schemas.openxmlformats.org/presentationml/2006/main">
+  <p:cSld>
+    <p:spTree>
+      <p:nvGrpSpPr>
+        <p:cNvPr id="1" name=""/>
+        <p:cNvGrpSpPr/>
+        <p:nvPr/>
+      </p:nvGrpSpPr>
+      <p:grpSpPr>
+        <a:xfrm>
+          <a:off x="0" y="0"/>
+          <a:ext cx="0" cy="0"/>
+          <a:chOff x="0" y="0"/>
+          <a:chExt cx="0" cy="0"/>
+        </a:xfrm>
+      </p:grpSpPr>
+      <p:sp>
+        <p:nvSpPr>
+          <p:cNvPr id="4" name="Hộp Văn bản 3">
+            <a:extLst>
+              <a:ext uri="{FF2B5EF4-FFF2-40B4-BE49-F238E27FC236}">
+                <a16:creationId xmlns:a16="http://schemas.microsoft.com/office/drawing/2014/main" id="{CBC22A56-140B-49AF-BF22-522A937D8F3F}"/>
+              </a:ext>
+            </a:extLst>
+          </p:cNvPr>
+          <p:cNvSpPr txBox="1"/>
+          <p:nvPr/>
+        </p:nvSpPr>
+        <p:spPr>
+          <a:xfrm>
+            <a:off x="386129" y="366623"/>
+            <a:ext cx="11109409" cy="3816429"/>
+          </a:xfrm>
+          <a:prstGeom prst="rect">
+            <a:avLst/>
+          </a:prstGeom>
+          <a:noFill/>
+        </p:spPr>
+        <p:txBody>
+          <a:bodyPr wrap="square" rtlCol="0">
+            <a:spAutoFit/>
+          </a:bodyPr>
+          <a:lstStyle/>
+          <a:p>
+            <a:r>
+              <a:rPr lang="en-US" sz="2200" dirty="0">
+                <a:solidFill>
+                  <a:srgbClr val="00FF00"/>
+                </a:solidFill>
+              </a:rPr>
+              <a:t>Declarative</a:t>
+            </a:r>
+          </a:p>
+          <a:p>
+            <a:pPr marL="285750" indent="-285750">
+              <a:buFont typeface="Arial" panose="020B0604020202020204" pitchFamily="34" charset="0"/>
+              <a:buChar char="•"/>
+            </a:pPr>
+            <a:r>
+              <a:rPr lang="en-US" sz="2200" dirty="0">
+                <a:solidFill>
+                  <a:srgbClr val="00FF00"/>
+                </a:solidFill>
+              </a:rPr>
+              <a:t>Functional : the desired result is declared as the value of a series of function applications	-  Haskell (purely):</a:t>
+            </a:r>
+          </a:p>
+          <a:p>
+            <a:r>
+              <a:rPr lang="en-US" sz="2200" dirty="0">
+                <a:solidFill>
+                  <a:srgbClr val="00FF00"/>
+                </a:solidFill>
+              </a:rPr>
+              <a:t>		+ a open standard for functional languages in late 1980s.</a:t>
+            </a:r>
+          </a:p>
+          <a:p>
+            <a:r>
+              <a:rPr lang="en-US" sz="2200" dirty="0">
+                <a:solidFill>
+                  <a:srgbClr val="00FF00"/>
+                </a:solidFill>
+              </a:rPr>
+              <a:t>		+ first version The first version of Haskell (Haskell 1.0) was defined in 1990.</a:t>
+            </a:r>
+          </a:p>
+          <a:p>
+            <a:r>
+              <a:rPr lang="en-US" sz="2200" dirty="0">
+                <a:solidFill>
+                  <a:srgbClr val="00FF00"/>
+                </a:solidFill>
+              </a:rPr>
+              <a:t>		+ </a:t>
+            </a:r>
+            <a:r>
+              <a:rPr lang="en-US" sz="2200" b="0" i="0" dirty="0">
+                <a:solidFill>
+                  <a:srgbClr val="00FF00"/>
+                </a:solidFill>
+                <a:effectLst/>
+              </a:rPr>
+              <a:t>teaching, research and industry.</a:t>
+            </a:r>
+            <a:endParaRPr lang="en-US" sz="2200" dirty="0">
+              <a:solidFill>
+                <a:srgbClr val="00FF00"/>
+              </a:solidFill>
+            </a:endParaRPr>
+          </a:p>
+          <a:p>
+            <a:r>
+              <a:rPr lang="en-US" sz="2200" dirty="0">
+                <a:solidFill>
+                  <a:srgbClr val="00FF00"/>
+                </a:solidFill>
+              </a:rPr>
+              <a:t> 	 - Elm (purely):</a:t>
+            </a:r>
+          </a:p>
+          <a:p>
+            <a:r>
+              <a:rPr lang="en-US" sz="2200" dirty="0">
+                <a:solidFill>
+                  <a:srgbClr val="00FF00"/>
+                </a:solidFill>
+              </a:rPr>
+              <a:t>		+ designed by Evan </a:t>
+            </a:r>
+            <a:r>
+              <a:rPr lang="en-US" sz="2200" dirty="0" err="1">
+                <a:solidFill>
+                  <a:srgbClr val="00FF00"/>
+                </a:solidFill>
+              </a:rPr>
+              <a:t>Czaplicki</a:t>
+            </a:r>
+            <a:r>
+              <a:rPr lang="en-US" sz="2200" dirty="0">
+                <a:solidFill>
+                  <a:srgbClr val="00FF00"/>
+                </a:solidFill>
+              </a:rPr>
+              <a:t> in 2012					</a:t>
+            </a:r>
+          </a:p>
+          <a:p>
+            <a:r>
+              <a:rPr lang="en-US" sz="2200" dirty="0">
+                <a:solidFill>
+                  <a:srgbClr val="00FF00"/>
+                </a:solidFill>
+              </a:rPr>
+              <a:t>		+ creating web browser-based graphical user interfaces.		</a:t>
+            </a:r>
+          </a:p>
+          <a:p>
+            <a:r>
+              <a:rPr lang="en-US" sz="2200" dirty="0">
+                <a:solidFill>
+                  <a:srgbClr val="00FF00"/>
+                </a:solidFill>
+              </a:rPr>
+              <a:t>		+ share many features with Java, object-oriented syntax based on C++.</a:t>
+            </a:r>
+          </a:p>
+          <a:p>
+            <a:r>
+              <a:rPr lang="en-US" sz="2200" dirty="0">
+                <a:solidFill>
+                  <a:srgbClr val="00FF00"/>
+                </a:solidFill>
+              </a:rPr>
+              <a:t>	- Others: Scala, Elixir, …	</a:t>
+            </a:r>
+          </a:p>
+        </p:txBody>
+      </p:sp>
+    </p:spTree>
+    <p:extLst>
+      <p:ext uri="{BB962C8B-B14F-4D97-AF65-F5344CB8AC3E}">
+        <p14:creationId xmlns:p14="http://schemas.microsoft.com/office/powerpoint/2010/main" val="3250395714"/>
+      </p:ext>
+    </p:extLst>
+  </p:cSld>
+  <p:clrMapOvr>
+    <a:masterClrMapping/>
+  </p:clrMapOvr>
+</p:sld>
+</file>
+
+<file path=ppt/slides/slide79.xml><?xml version="1.0" encoding="utf-8"?>
+<p:sld xmlns:a="http://schemas.openxmlformats.org/drawingml/2006/main" xmlns:r="http://schemas.openxmlformats.org/officeDocument/2006/relationships" xmlns:p="http://schemas.openxmlformats.org/presentationml/2006/main">
+  <p:cSld>
+    <p:spTree>
+      <p:nvGrpSpPr>
+        <p:cNvPr id="1" name=""/>
+        <p:cNvGrpSpPr/>
+        <p:nvPr/>
+      </p:nvGrpSpPr>
+      <p:grpSpPr>
+        <a:xfrm>
+          <a:off x="0" y="0"/>
+          <a:ext cx="0" cy="0"/>
+          <a:chOff x="0" y="0"/>
+          <a:chExt cx="0" cy="0"/>
+        </a:xfrm>
+      </p:grpSpPr>
+      <p:sp>
+        <p:nvSpPr>
+          <p:cNvPr id="4" name="Hộp Văn bản 3">
+            <a:extLst>
+              <a:ext uri="{FF2B5EF4-FFF2-40B4-BE49-F238E27FC236}">
+                <a16:creationId xmlns:a16="http://schemas.microsoft.com/office/drawing/2014/main" id="{CBC22A56-140B-49AF-BF22-522A937D8F3F}"/>
+              </a:ext>
+            </a:extLst>
+          </p:cNvPr>
+          <p:cNvSpPr txBox="1"/>
+          <p:nvPr/>
+        </p:nvSpPr>
+        <p:spPr>
+          <a:xfrm>
+            <a:off x="541295" y="1426798"/>
+            <a:ext cx="11109409" cy="2123658"/>
+          </a:xfrm>
+          <a:prstGeom prst="rect">
+            <a:avLst/>
+          </a:prstGeom>
+          <a:noFill/>
+        </p:spPr>
+        <p:txBody>
+          <a:bodyPr wrap="square" rtlCol="0">
+            <a:spAutoFit/>
+          </a:bodyPr>
+          <a:lstStyle/>
+          <a:p>
+            <a:r>
+              <a:rPr lang="en-US" sz="2200" dirty="0">
+                <a:solidFill>
+                  <a:srgbClr val="00FF00"/>
+                </a:solidFill>
+              </a:rPr>
+              <a:t>Declarative</a:t>
+            </a:r>
+          </a:p>
+          <a:p>
+            <a:pPr marL="342900" indent="-342900">
+              <a:buFont typeface="Arial" panose="020B0604020202020204" pitchFamily="34" charset="0"/>
+              <a:buChar char="•"/>
+            </a:pPr>
+            <a:r>
+              <a:rPr lang="en-US" sz="2200" dirty="0">
+                <a:solidFill>
+                  <a:srgbClr val="00FF00"/>
+                </a:solidFill>
+              </a:rPr>
+              <a:t>Logic: the desired result is declared as the answer to a question about a system of facts and rules.</a:t>
+            </a:r>
+          </a:p>
+          <a:p>
+            <a:pPr lvl="2"/>
+            <a:r>
+              <a:rPr lang="en-US" sz="2200" dirty="0">
+                <a:solidFill>
+                  <a:srgbClr val="00FF00"/>
+                </a:solidFill>
+              </a:rPr>
+              <a:t>- Prolog: </a:t>
+            </a:r>
+          </a:p>
+          <a:p>
+            <a:pPr lvl="4"/>
+            <a:r>
+              <a:rPr lang="en-US" sz="2200" dirty="0">
+                <a:solidFill>
+                  <a:srgbClr val="00FF00"/>
+                </a:solidFill>
+              </a:rPr>
+              <a:t>+ artificial intelligence and computational linguistics.</a:t>
+            </a:r>
+          </a:p>
+          <a:p>
+            <a:pPr lvl="4"/>
+            <a:r>
+              <a:rPr lang="en-US" sz="2200" dirty="0">
+                <a:solidFill>
+                  <a:srgbClr val="00FF00"/>
+                </a:solidFill>
+              </a:rPr>
+              <a:t>+ specific tasks: searching databases, voice control systems.</a:t>
+            </a:r>
+          </a:p>
+        </p:txBody>
+      </p:sp>
+    </p:spTree>
+    <p:extLst>
+      <p:ext uri="{BB962C8B-B14F-4D97-AF65-F5344CB8AC3E}">
+        <p14:creationId xmlns:p14="http://schemas.microsoft.com/office/powerpoint/2010/main" val="2207368965"/>
+      </p:ext>
+    </p:extLst>
+  </p:cSld>
+  <p:clrMapOvr>
+    <a:masterClrMapping/>
+  </p:clrMapOvr>
+</p:sld>
+</file>
+
+<file path=ppt/slides/slide8.xml><?xml version="1.0" encoding="utf-8"?>
+<p:sld xmlns:a="http://schemas.openxmlformats.org/drawingml/2006/main" xmlns:r="http://schemas.openxmlformats.org/officeDocument/2006/relationships" xmlns:p="http://schemas.openxmlformats.org/presentationml/2006/main">
+  <p:cSld>
+    <p:spTree>
+      <p:nvGrpSpPr>
+        <p:cNvPr id="1" name=""/>
+        <p:cNvGrpSpPr/>
+        <p:nvPr/>
+      </p:nvGrpSpPr>
+      <p:grpSpPr>
+        <a:xfrm>
+          <a:off x="0" y="0"/>
+          <a:ext cx="0" cy="0"/>
+          <a:chOff x="0" y="0"/>
+          <a:chExt cx="0" cy="0"/>
+        </a:xfrm>
+      </p:grpSpPr>
+      <p:sp>
+        <p:nvSpPr>
+          <p:cNvPr id="4" name="TextBox 3">
+            <a:extLst>
+              <a:ext uri="{FF2B5EF4-FFF2-40B4-BE49-F238E27FC236}">
+                <a16:creationId xmlns:a16="http://schemas.microsoft.com/office/drawing/2014/main" id="{3C6FD1E6-15D2-4296-A885-7E8D8B4AD957}"/>
+              </a:ext>
+            </a:extLst>
+          </p:cNvPr>
+          <p:cNvSpPr txBox="1"/>
+          <p:nvPr/>
+        </p:nvSpPr>
+        <p:spPr>
+          <a:xfrm>
+            <a:off x="4598474" y="2398644"/>
+            <a:ext cx="4078874" cy="830997"/>
+          </a:xfrm>
+          <a:prstGeom prst="rect">
+            <a:avLst/>
+          </a:prstGeom>
+          <a:noFill/>
+        </p:spPr>
+        <p:txBody>
+          <a:bodyPr wrap="none" rtlCol="0">
+            <a:spAutoFit/>
+          </a:bodyPr>
+          <a:lstStyle/>
+          <a:p>
+            <a:r>
+              <a:rPr lang="en-US" sz="4800" dirty="0">
+                <a:solidFill>
+                  <a:srgbClr val="00FF00"/>
+                </a:solidFill>
+              </a:rPr>
+              <a:t>Tommy Flowers</a:t>
+            </a:r>
+            <a:endParaRPr lang="vi-VN" sz="4800" dirty="0">
+              <a:solidFill>
+                <a:srgbClr val="00FF00"/>
+              </a:solidFill>
+            </a:endParaRPr>
+          </a:p>
+        </p:txBody>
+      </p:sp>
+    </p:spTree>
+    <p:extLst>
+      <p:ext uri="{BB962C8B-B14F-4D97-AF65-F5344CB8AC3E}">
+        <p14:creationId xmlns:p14="http://schemas.microsoft.com/office/powerpoint/2010/main" val="1469867416"/>
+      </p:ext>
+    </p:extLst>
+  </p:cSld>
+  <p:clrMapOvr>
+    <a:masterClrMapping/>
+  </p:clrMapOvr>
+</p:sld>
+</file>
+
+<file path=ppt/slides/slide80.xml><?xml version="1.0" encoding="utf-8"?>
+<p:sld xmlns:a="http://schemas.openxmlformats.org/drawingml/2006/main" xmlns:r="http://schemas.openxmlformats.org/officeDocument/2006/relationships" xmlns:p="http://schemas.openxmlformats.org/presentationml/2006/main">
+  <p:cSld>
+    <p:spTree>
+      <p:nvGrpSpPr>
+        <p:cNvPr id="1" name=""/>
+        <p:cNvGrpSpPr/>
+        <p:nvPr/>
+      </p:nvGrpSpPr>
+      <p:grpSpPr>
+        <a:xfrm>
+          <a:off x="0" y="0"/>
+          <a:ext cx="0" cy="0"/>
+          <a:chOff x="0" y="0"/>
+          <a:chExt cx="0" cy="0"/>
+        </a:xfrm>
+      </p:grpSpPr>
+      <p:pic>
+        <p:nvPicPr>
+          <p:cNvPr id="6" name="Content Placeholder 5">
+            <a:extLst>
+              <a:ext uri="{FF2B5EF4-FFF2-40B4-BE49-F238E27FC236}">
+                <a16:creationId xmlns:a16="http://schemas.microsoft.com/office/drawing/2014/main" id="{CAEDE699-9DC7-4553-B56B-5CA056191A2D}"/>
+              </a:ext>
+            </a:extLst>
+          </p:cNvPr>
+          <p:cNvPicPr>
+            <a:picLocks noGrp="1" noChangeAspect="1"/>
+          </p:cNvPicPr>
+          <p:nvPr>
+            <p:ph idx="1"/>
+          </p:nvPr>
+        </p:nvPicPr>
+        <p:blipFill>
+          <a:blip r:embed="rId2"/>
+          <a:stretch>
+            <a:fillRect/>
+          </a:stretch>
+        </p:blipFill>
+        <p:spPr>
+          <a:xfrm>
+            <a:off x="1838662" y="2160105"/>
+            <a:ext cx="9362813" cy="3896138"/>
+          </a:xfrm>
+          <a:prstGeom prst="rect">
+            <a:avLst/>
+          </a:prstGeom>
+        </p:spPr>
+      </p:pic>
+      <p:sp>
+        <p:nvSpPr>
+          <p:cNvPr id="8" name="TextBox 7">
+            <a:extLst>
+              <a:ext uri="{FF2B5EF4-FFF2-40B4-BE49-F238E27FC236}">
+                <a16:creationId xmlns:a16="http://schemas.microsoft.com/office/drawing/2014/main" id="{26AB9B2C-9E4F-4FB2-B7C1-ADA56FB1F4B0}"/>
+              </a:ext>
+            </a:extLst>
+          </p:cNvPr>
+          <p:cNvSpPr txBox="1"/>
+          <p:nvPr/>
+        </p:nvSpPr>
+        <p:spPr>
+          <a:xfrm>
+            <a:off x="2154521" y="365158"/>
+            <a:ext cx="9046954" cy="1569660"/>
+          </a:xfrm>
+          <a:prstGeom prst="rect">
+            <a:avLst/>
+          </a:prstGeom>
+          <a:noFill/>
+        </p:spPr>
+        <p:txBody>
+          <a:bodyPr wrap="square" rtlCol="0">
+            <a:spAutoFit/>
+          </a:bodyPr>
+          <a:lstStyle/>
+          <a:p>
+            <a:r>
+              <a:rPr lang="en-US" sz="9600" dirty="0">
+                <a:solidFill>
+                  <a:srgbClr val="00FF00"/>
+                </a:solidFill>
+                <a:latin typeface="Aharoni" panose="02010803020104030203" pitchFamily="2" charset="-79"/>
+                <a:cs typeface="Aharoni" panose="02010803020104030203" pitchFamily="2" charset="-79"/>
+              </a:rPr>
+              <a:t>OBJECTIVE-C</a:t>
+            </a:r>
+            <a:endParaRPr lang="vi-VN" sz="9600" dirty="0">
+              <a:solidFill>
+                <a:srgbClr val="00FF00"/>
+              </a:solidFill>
+              <a:cs typeface="Aharoni" panose="02010803020104030203" pitchFamily="2" charset="-79"/>
+            </a:endParaRPr>
+          </a:p>
+        </p:txBody>
+      </p:sp>
+    </p:spTree>
+    <p:extLst>
+      <p:ext uri="{BB962C8B-B14F-4D97-AF65-F5344CB8AC3E}">
+        <p14:creationId xmlns:p14="http://schemas.microsoft.com/office/powerpoint/2010/main" val="2382284559"/>
+      </p:ext>
+    </p:extLst>
+  </p:cSld>
+  <p:clrMapOvr>
+    <a:masterClrMapping/>
+  </p:clrMapOvr>
+  <mc:AlternateContent xmlns:mc="http://schemas.openxmlformats.org/markup-compatibility/2006" xmlns:p14="http://schemas.microsoft.com/office/powerpoint/2010/main">
+    <mc:Choice Requires="p14">
+      <p:transition spd="slow" p14:dur="800">
+        <p:circle/>
+      </p:transition>
+    </mc:Choice>
+    <mc:Fallback xmlns="">
+      <p:transition spd="slow">
+        <p:circle/>
+      </p:transition>
+    </mc:Fallback>
+  </mc:AlternateContent>
+</p:sld>
+</file>
+
+<file path=ppt/slides/slide81.xml><?xml version="1.0" encoding="utf-8"?>
+<p:sld xmlns:a="http://schemas.openxmlformats.org/drawingml/2006/main" xmlns:r="http://schemas.openxmlformats.org/officeDocument/2006/relationships" xmlns:p="http://schemas.openxmlformats.org/presentationml/2006/main">
+  <p:cSld>
+    <p:spTree>
+      <p:nvGrpSpPr>
+        <p:cNvPr id="1" name=""/>
+        <p:cNvGrpSpPr/>
+        <p:nvPr/>
+      </p:nvGrpSpPr>
+      <p:grpSpPr>
+        <a:xfrm>
+          <a:off x="0" y="0"/>
+          <a:ext cx="0" cy="0"/>
+          <a:chOff x="0" y="0"/>
+          <a:chExt cx="0" cy="0"/>
+        </a:xfrm>
+      </p:grpSpPr>
+      <p:sp>
+        <p:nvSpPr>
           <p:cNvPr id="4" name="TextBox 3">
             <a:extLst>
               <a:ext uri="{FF2B5EF4-FFF2-40B4-BE49-F238E27FC236}">
@@ -12425,7 +16247,7 @@
 </p:sld>
 </file>
 
-<file path=ppt/slides/slide67.xml><?xml version="1.0" encoding="utf-8"?>
+<file path=ppt/slides/slide82.xml><?xml version="1.0" encoding="utf-8"?>
 <p:sld xmlns:a="http://schemas.openxmlformats.org/drawingml/2006/main" xmlns:r="http://schemas.openxmlformats.org/officeDocument/2006/relationships" xmlns:p="http://schemas.openxmlformats.org/presentationml/2006/main">
   <p:cSld>
     <p:spTree>
@@ -12634,7 +16456,7 @@
 </p:sld>
 </file>
 
-<file path=ppt/slides/slide68.xml><?xml version="1.0" encoding="utf-8"?>
+<file path=ppt/slides/slide83.xml><?xml version="1.0" encoding="utf-8"?>
 <p:sld xmlns:a="http://schemas.openxmlformats.org/drawingml/2006/main" xmlns:r="http://schemas.openxmlformats.org/officeDocument/2006/relationships" xmlns:p="http://schemas.openxmlformats.org/presentationml/2006/main">
   <p:cSld>
     <p:spTree>
@@ -12798,7 +16620,7 @@
 </p:sld>
 </file>
 
-<file path=ppt/slides/slide69.xml><?xml version="1.0" encoding="utf-8"?>
+<file path=ppt/slides/slide84.xml><?xml version="1.0" encoding="utf-8"?>
 <p:sld xmlns:a="http://schemas.openxmlformats.org/drawingml/2006/main" xmlns:r="http://schemas.openxmlformats.org/officeDocument/2006/relationships" xmlns:p="http://schemas.openxmlformats.org/presentationml/2006/main">
   <p:cSld>
     <p:spTree>
@@ -13840,81 +17662,7 @@
 </p:sld>
 </file>
 
-<file path=ppt/slides/slide7.xml><?xml version="1.0" encoding="utf-8"?>
-<p:sld xmlns:a="http://schemas.openxmlformats.org/drawingml/2006/main" xmlns:r="http://schemas.openxmlformats.org/officeDocument/2006/relationships" xmlns:p="http://schemas.openxmlformats.org/presentationml/2006/main">
-  <p:cSld>
-    <p:spTree>
-      <p:nvGrpSpPr>
-        <p:cNvPr id="1" name=""/>
-        <p:cNvGrpSpPr/>
-        <p:nvPr/>
-      </p:nvGrpSpPr>
-      <p:grpSpPr>
-        <a:xfrm>
-          <a:off x="0" y="0"/>
-          <a:ext cx="0" cy="0"/>
-          <a:chOff x="0" y="0"/>
-          <a:chExt cx="0" cy="0"/>
-        </a:xfrm>
-      </p:grpSpPr>
-      <p:sp>
-        <p:nvSpPr>
-          <p:cNvPr id="4" name="TextBox 3">
-            <a:extLst>
-              <a:ext uri="{FF2B5EF4-FFF2-40B4-BE49-F238E27FC236}">
-                <a16:creationId xmlns:a16="http://schemas.microsoft.com/office/drawing/2014/main" id="{3C6FD1E6-15D2-4296-A885-7E8D8B4AD957}"/>
-              </a:ext>
-            </a:extLst>
-          </p:cNvPr>
-          <p:cNvSpPr txBox="1"/>
-          <p:nvPr/>
-        </p:nvSpPr>
-        <p:spPr>
-          <a:xfrm>
-            <a:off x="4598474" y="2398644"/>
-            <a:ext cx="2995051" cy="830997"/>
-          </a:xfrm>
-          <a:prstGeom prst="rect">
-            <a:avLst/>
-          </a:prstGeom>
-          <a:noFill/>
-        </p:spPr>
-        <p:txBody>
-          <a:bodyPr wrap="none" rtlCol="0">
-            <a:spAutoFit/>
-          </a:bodyPr>
-          <a:lstStyle/>
-          <a:p>
-            <a:r>
-              <a:rPr lang="en-US" sz="4800" dirty="0">
-                <a:solidFill>
-                  <a:srgbClr val="00FF00"/>
-                </a:solidFill>
-              </a:rPr>
-              <a:t>Alan Turing</a:t>
-            </a:r>
-            <a:endParaRPr lang="vi-VN" sz="4800" dirty="0">
-              <a:solidFill>
-                <a:srgbClr val="00FF00"/>
-              </a:solidFill>
-            </a:endParaRPr>
-          </a:p>
-        </p:txBody>
-      </p:sp>
-    </p:spTree>
-    <p:extLst>
-      <p:ext uri="{BB962C8B-B14F-4D97-AF65-F5344CB8AC3E}">
-        <p14:creationId xmlns:p14="http://schemas.microsoft.com/office/powerpoint/2010/main" val="3840587780"/>
-      </p:ext>
-    </p:extLst>
-  </p:cSld>
-  <p:clrMapOvr>
-    <a:masterClrMapping/>
-  </p:clrMapOvr>
-</p:sld>
-</file>
-
-<file path=ppt/slides/slide70.xml><?xml version="1.0" encoding="utf-8"?>
+<file path=ppt/slides/slide85.xml><?xml version="1.0" encoding="utf-8"?>
 <p:sld xmlns:a="http://schemas.openxmlformats.org/drawingml/2006/main" xmlns:r="http://schemas.openxmlformats.org/officeDocument/2006/relationships" xmlns:p="http://schemas.openxmlformats.org/presentationml/2006/main">
   <p:cSld>
     <p:spTree>
@@ -14867,7 +18615,7 @@
 </p:sld>
 </file>
 
-<file path=ppt/slides/slide71.xml><?xml version="1.0" encoding="utf-8"?>
+<file path=ppt/slides/slide86.xml><?xml version="1.0" encoding="utf-8"?>
 <p:sld xmlns:a="http://schemas.openxmlformats.org/drawingml/2006/main" xmlns:r="http://schemas.openxmlformats.org/officeDocument/2006/relationships" xmlns:p="http://schemas.openxmlformats.org/presentationml/2006/main">
   <p:cSld>
     <p:spTree>
@@ -15446,7 +19194,7 @@
 </p:sld>
 </file>
 
-<file path=ppt/slides/slide72.xml><?xml version="1.0" encoding="utf-8"?>
+<file path=ppt/slides/slide87.xml><?xml version="1.0" encoding="utf-8"?>
 <p:sld xmlns:a="http://schemas.openxmlformats.org/drawingml/2006/main" xmlns:r="http://schemas.openxmlformats.org/officeDocument/2006/relationships" xmlns:p="http://schemas.openxmlformats.org/presentationml/2006/main">
   <p:cSld>
     <p:spTree>
@@ -15851,7 +19599,7 @@
 </p:sld>
 </file>
 
-<file path=ppt/slides/slide73.xml><?xml version="1.0" encoding="utf-8"?>
+<file path=ppt/slides/slide88.xml><?xml version="1.0" encoding="utf-8"?>
 <p:sld xmlns:a="http://schemas.openxmlformats.org/drawingml/2006/main" xmlns:r="http://schemas.openxmlformats.org/officeDocument/2006/relationships" xmlns:p="http://schemas.openxmlformats.org/presentationml/2006/main">
   <p:cSld>
     <p:spTree>
@@ -16215,7 +19963,7 @@
 </p:sld>
 </file>
 
-<file path=ppt/slides/slide74.xml><?xml version="1.0" encoding="utf-8"?>
+<file path=ppt/slides/slide89.xml><?xml version="1.0" encoding="utf-8"?>
 <p:sld xmlns:a="http://schemas.openxmlformats.org/drawingml/2006/main" xmlns:r="http://schemas.openxmlformats.org/officeDocument/2006/relationships" xmlns:p="http://schemas.openxmlformats.org/presentationml/2006/main">
   <p:cSld>
     <p:spTree>
@@ -16473,7 +20221,128 @@
 </p:sld>
 </file>
 
-<file path=ppt/slides/slide75.xml><?xml version="1.0" encoding="utf-8"?>
+<file path=ppt/slides/slide9.xml><?xml version="1.0" encoding="utf-8"?>
+<p:sld xmlns:a="http://schemas.openxmlformats.org/drawingml/2006/main" xmlns:r="http://schemas.openxmlformats.org/officeDocument/2006/relationships" xmlns:p="http://schemas.openxmlformats.org/presentationml/2006/main">
+  <p:cSld>
+    <p:spTree>
+      <p:nvGrpSpPr>
+        <p:cNvPr id="1" name=""/>
+        <p:cNvGrpSpPr/>
+        <p:nvPr/>
+      </p:nvGrpSpPr>
+      <p:grpSpPr>
+        <a:xfrm>
+          <a:off x="0" y="0"/>
+          <a:ext cx="0" cy="0"/>
+          <a:chOff x="0" y="0"/>
+          <a:chExt cx="0" cy="0"/>
+        </a:xfrm>
+      </p:grpSpPr>
+      <p:sp>
+        <p:nvSpPr>
+          <p:cNvPr id="4" name="TextBox 3">
+            <a:extLst>
+              <a:ext uri="{FF2B5EF4-FFF2-40B4-BE49-F238E27FC236}">
+                <a16:creationId xmlns:a16="http://schemas.microsoft.com/office/drawing/2014/main" id="{3C6FD1E6-15D2-4296-A885-7E8D8B4AD957}"/>
+              </a:ext>
+            </a:extLst>
+          </p:cNvPr>
+          <p:cNvSpPr txBox="1"/>
+          <p:nvPr/>
+        </p:nvSpPr>
+        <p:spPr>
+          <a:xfrm>
+            <a:off x="4598474" y="2398644"/>
+            <a:ext cx="2350323" cy="830997"/>
+          </a:xfrm>
+          <a:prstGeom prst="rect">
+            <a:avLst/>
+          </a:prstGeom>
+          <a:noFill/>
+        </p:spPr>
+        <p:txBody>
+          <a:bodyPr wrap="none" rtlCol="0">
+            <a:spAutoFit/>
+          </a:bodyPr>
+          <a:lstStyle/>
+          <a:p>
+            <a:r>
+              <a:rPr lang="en-US" sz="4800" dirty="0">
+                <a:solidFill>
+                  <a:srgbClr val="00FF00"/>
+                </a:solidFill>
+              </a:rPr>
+              <a:t>Colossus</a:t>
+            </a:r>
+            <a:endParaRPr lang="vi-VN" sz="4800" dirty="0">
+              <a:solidFill>
+                <a:srgbClr val="00FF00"/>
+              </a:solidFill>
+            </a:endParaRPr>
+          </a:p>
+        </p:txBody>
+      </p:sp>
+      <p:pic>
+        <p:nvPicPr>
+          <p:cNvPr id="1026" name="Picture 2" descr="Káº¿t quáº£ hÃ¬nh áº£nh cho Colossus Tommy Flower">
+            <a:extLst>
+              <a:ext uri="{FF2B5EF4-FFF2-40B4-BE49-F238E27FC236}">
+                <a16:creationId xmlns:a16="http://schemas.microsoft.com/office/drawing/2014/main" id="{9A4D45D9-156E-42E5-A504-9A810419C9A8}"/>
+              </a:ext>
+            </a:extLst>
+          </p:cNvPr>
+          <p:cNvPicPr>
+            <a:picLocks noChangeAspect="1" noChangeArrowheads="1"/>
+          </p:cNvPicPr>
+          <p:nvPr/>
+        </p:nvPicPr>
+        <p:blipFill>
+          <a:blip r:embed="rId2">
+            <a:extLst>
+              <a:ext uri="{28A0092B-C50C-407E-A947-70E740481C1C}">
+                <a14:useLocalDpi xmlns:a14="http://schemas.microsoft.com/office/drawing/2010/main" val="0"/>
+              </a:ext>
+            </a:extLst>
+          </a:blip>
+          <a:srcRect/>
+          <a:stretch>
+            <a:fillRect/>
+          </a:stretch>
+        </p:blipFill>
+        <p:spPr bwMode="auto">
+          <a:xfrm>
+            <a:off x="3597965" y="3229641"/>
+            <a:ext cx="4572000" cy="2952750"/>
+          </a:xfrm>
+          <a:prstGeom prst="rect">
+            <a:avLst/>
+          </a:prstGeom>
+          <a:noFill/>
+          <a:extLst>
+            <a:ext uri="{909E8E84-426E-40DD-AFC4-6F175D3DCCD1}">
+              <a14:hiddenFill xmlns:a14="http://schemas.microsoft.com/office/drawing/2010/main">
+                <a:solidFill>
+                  <a:srgbClr val="FFFFFF"/>
+                </a:solidFill>
+              </a14:hiddenFill>
+            </a:ext>
+          </a:extLst>
+        </p:spPr>
+      </p:pic>
+    </p:spTree>
+    <p:extLst>
+      <p:ext uri="{BB962C8B-B14F-4D97-AF65-F5344CB8AC3E}">
+        <p14:creationId xmlns:p14="http://schemas.microsoft.com/office/powerpoint/2010/main" val="3832117688"/>
+      </p:ext>
+    </p:extLst>
+  </p:cSld>
+  <p:clrMapOvr>
+    <a:masterClrMapping/>
+  </p:clrMapOvr>
+</p:sld>
+</file>
+
+<file path=ppt/slides/slide90.xml><?xml version="1.0" encoding="utf-8"?>
 <p:sld xmlns:a="http://schemas.openxmlformats.org/drawingml/2006/main" xmlns:r="http://schemas.openxmlformats.org/officeDocument/2006/relationships" xmlns:p="http://schemas.openxmlformats.org/presentationml/2006/main">
   <p:cSld>
     <p:spTree>
@@ -16848,7 +20717,7 @@
 </p:sld>
 </file>
 
-<file path=ppt/slides/slide76.xml><?xml version="1.0" encoding="utf-8"?>
+<file path=ppt/slides/slide91.xml><?xml version="1.0" encoding="utf-8"?>
 <p:sld xmlns:a="http://schemas.openxmlformats.org/drawingml/2006/main" xmlns:r="http://schemas.openxmlformats.org/officeDocument/2006/relationships" xmlns:p="http://schemas.openxmlformats.org/presentationml/2006/main">
   <p:cSld>
     <p:spTree>
@@ -17132,7 +21001,7 @@
 </p:sld>
 </file>
 
-<file path=ppt/slides/slide77.xml><?xml version="1.0" encoding="utf-8"?>
+<file path=ppt/slides/slide92.xml><?xml version="1.0" encoding="utf-8"?>
 <p:sld xmlns:a="http://schemas.openxmlformats.org/drawingml/2006/main" xmlns:r="http://schemas.openxmlformats.org/officeDocument/2006/relationships" xmlns:p="http://schemas.openxmlformats.org/presentationml/2006/main">
   <p:cSld>
     <p:bg>
@@ -17376,7 +21245,7 @@
 </p:sld>
 </file>
 
-<file path=ppt/slides/slide78.xml><?xml version="1.0" encoding="utf-8"?>
+<file path=ppt/slides/slide93.xml><?xml version="1.0" encoding="utf-8"?>
 <p:sld xmlns:a="http://schemas.openxmlformats.org/drawingml/2006/main" xmlns:r="http://schemas.openxmlformats.org/officeDocument/2006/relationships" xmlns:p="http://schemas.openxmlformats.org/presentationml/2006/main">
   <p:cSld>
     <p:spTree>
@@ -17529,7 +21398,7 @@
 </p:sld>
 </file>
 
-<file path=ppt/slides/slide79.xml><?xml version="1.0" encoding="utf-8"?>
+<file path=ppt/slides/slide94.xml><?xml version="1.0" encoding="utf-8"?>
 <p:sld xmlns:a="http://schemas.openxmlformats.org/drawingml/2006/main" xmlns:r="http://schemas.openxmlformats.org/officeDocument/2006/relationships" xmlns:p="http://schemas.openxmlformats.org/presentationml/2006/main">
   <p:cSld>
     <p:spTree>
@@ -17650,7 +21519,7 @@
 </p:sld>
 </file>
 
-<file path=ppt/slides/slide8.xml><?xml version="1.0" encoding="utf-8"?>
+<file path=ppt/slides/slide95.xml><?xml version="1.0" encoding="utf-8"?>
 <p:sld xmlns:a="http://schemas.openxmlformats.org/drawingml/2006/main" xmlns:r="http://schemas.openxmlformats.org/officeDocument/2006/relationships" xmlns:p="http://schemas.openxmlformats.org/presentationml/2006/main">
   <p:cSld>
     <p:spTree>
@@ -17669,52 +21538,164 @@
       </p:grpSpPr>
       <p:sp>
         <p:nvSpPr>
-          <p:cNvPr id="4" name="TextBox 3">
-            <a:extLst>
-              <a:ext uri="{FF2B5EF4-FFF2-40B4-BE49-F238E27FC236}">
-                <a16:creationId xmlns:a16="http://schemas.microsoft.com/office/drawing/2014/main" id="{3C6FD1E6-15D2-4296-A885-7E8D8B4AD957}"/>
-              </a:ext>
-            </a:extLst>
-          </p:cNvPr>
-          <p:cNvSpPr txBox="1"/>
-          <p:nvPr/>
+          <p:cNvPr id="2" name="Title 1">
+            <a:extLst>
+              <a:ext uri="{FF2B5EF4-FFF2-40B4-BE49-F238E27FC236}">
+                <a16:creationId xmlns:a16="http://schemas.microsoft.com/office/drawing/2014/main" id="{6A176A8A-0859-4E06-A86B-0EBC1CEA8709}"/>
+              </a:ext>
+            </a:extLst>
+          </p:cNvPr>
+          <p:cNvSpPr>
+            <a:spLocks noGrp="1"/>
+          </p:cNvSpPr>
+          <p:nvPr>
+            <p:ph type="title"/>
+          </p:nvPr>
         </p:nvSpPr>
         <p:spPr>
           <a:xfrm>
-            <a:off x="4598474" y="2398644"/>
-            <a:ext cx="4078874" cy="830997"/>
+            <a:off x="838200" y="365125"/>
+            <a:ext cx="3084443" cy="1325563"/>
           </a:xfrm>
-          <a:prstGeom prst="rect">
-            <a:avLst/>
-          </a:prstGeom>
-          <a:noFill/>
         </p:spPr>
         <p:txBody>
-          <a:bodyPr wrap="none" rtlCol="0">
-            <a:spAutoFit/>
-          </a:bodyPr>
+          <a:bodyPr/>
           <a:lstStyle/>
           <a:p>
-            <a:r>
-              <a:rPr lang="en-US" sz="4800" dirty="0">
-                <a:solidFill>
-                  <a:srgbClr val="00FF00"/>
-                </a:solidFill>
-              </a:rPr>
-              <a:t>Tommy Flowers</a:t>
-            </a:r>
-            <a:endParaRPr lang="vi-VN" sz="4800" dirty="0">
+            <a:pPr algn="r"/>
+            <a:r>
+              <a:rPr lang="vi-VN" dirty="0">
+                <a:solidFill>
+                  <a:srgbClr val="00FF00"/>
+                </a:solidFill>
+                <a:latin typeface="Calibri" panose="020F0502020204030204" pitchFamily="34" charset="0"/>
+              </a:rPr>
+              <a:t>References:</a:t>
+            </a:r>
+          </a:p>
+        </p:txBody>
+      </p:sp>
+      <p:sp>
+        <p:nvSpPr>
+          <p:cNvPr id="3" name="Content Placeholder 2">
+            <a:extLst>
+              <a:ext uri="{FF2B5EF4-FFF2-40B4-BE49-F238E27FC236}">
+                <a16:creationId xmlns:a16="http://schemas.microsoft.com/office/drawing/2014/main" id="{7B92F3EB-FF0E-457A-829B-425FF0CE7A77}"/>
+              </a:ext>
+            </a:extLst>
+          </p:cNvPr>
+          <p:cNvSpPr>
+            <a:spLocks noGrp="1"/>
+          </p:cNvSpPr>
+          <p:nvPr>
+            <p:ph idx="1"/>
+          </p:nvPr>
+        </p:nvSpPr>
+        <p:spPr>
+          <a:xfrm>
+            <a:off x="838200" y="1825625"/>
+            <a:ext cx="10757452" cy="4351338"/>
+          </a:xfrm>
+        </p:spPr>
+        <p:txBody>
+          <a:bodyPr/>
+          <a:lstStyle/>
+          <a:p>
+            <a:pPr marL="514350" indent="-514350">
+              <a:buAutoNum type="arabicPeriod"/>
+            </a:pPr>
+            <a:r>
+              <a:rPr lang="vi-VN" dirty="0">
+                <a:solidFill>
+                  <a:srgbClr val="00FF00"/>
+                </a:solidFill>
+              </a:rPr>
+              <a:t>Mark Render.  2016, May 16. </a:t>
+            </a:r>
+            <a:r>
+              <a:rPr lang="en-US" dirty="0">
+                <a:solidFill>
+                  <a:srgbClr val="00FF00"/>
+                </a:solidFill>
+              </a:rPr>
+              <a:t>Keynote session: The History of Programming</a:t>
+            </a:r>
+            <a:r>
+              <a:rPr lang="vi-VN" dirty="0">
+                <a:solidFill>
+                  <a:srgbClr val="00FF00"/>
+                </a:solidFill>
+              </a:rPr>
+              <a:t>. Retrieved from: </a:t>
+            </a:r>
+            <a:r>
+              <a:rPr lang="vi-VN" dirty="0">
+                <a:solidFill>
+                  <a:srgbClr val="00FF00"/>
+                </a:solidFill>
+                <a:hlinkClick r:id="rId2"/>
+              </a:rPr>
+              <a:t>https://www.youtube.com/watch?v=Tr9E_vzKRVo</a:t>
+            </a:r>
+            <a:endParaRPr lang="vi-VN" dirty="0">
               <a:solidFill>
                 <a:srgbClr val="00FF00"/>
               </a:solidFill>
             </a:endParaRPr>
           </a:p>
+          <a:p>
+            <a:pPr marL="514350" indent="-514350">
+              <a:buAutoNum type="arabicPeriod"/>
+            </a:pPr>
+            <a:r>
+              <a:rPr lang="vi-VN" dirty="0">
+                <a:solidFill>
+                  <a:srgbClr val="00FF00"/>
+                </a:solidFill>
+              </a:rPr>
+              <a:t>Objective-c Tutorial tutorialspoint.com -  </a:t>
+            </a:r>
+            <a:r>
+              <a:rPr lang="vi-VN" dirty="0">
+                <a:solidFill>
+                  <a:srgbClr val="00FF00"/>
+                </a:solidFill>
+                <a:hlinkClick r:id="rId3"/>
+              </a:rPr>
+              <a:t>https://www.tutorialspoint.com/objective_c/index.html</a:t>
+            </a:r>
+            <a:endParaRPr lang="vi-VN" dirty="0">
+              <a:solidFill>
+                <a:srgbClr val="00FF00"/>
+              </a:solidFill>
+            </a:endParaRPr>
+          </a:p>
+          <a:p>
+            <a:pPr marL="514350" indent="-514350">
+              <a:buAutoNum type="arabicPeriod"/>
+            </a:pPr>
+            <a:endParaRPr lang="vi-VN" dirty="0">
+              <a:solidFill>
+                <a:srgbClr val="00FF00"/>
+              </a:solidFill>
+            </a:endParaRPr>
+          </a:p>
+          <a:p>
+            <a:pPr marL="0" indent="0">
+              <a:buNone/>
+            </a:pPr>
+            <a:endParaRPr lang="vi-VN" dirty="0">
+              <a:solidFill>
+                <a:srgbClr val="00FF00"/>
+              </a:solidFill>
+            </a:endParaRPr>
+          </a:p>
         </p:txBody>
       </p:sp>
     </p:spTree>
     <p:extLst>
       <p:ext uri="{BB962C8B-B14F-4D97-AF65-F5344CB8AC3E}">
-        <p14:creationId xmlns:p14="http://schemas.microsoft.com/office/powerpoint/2010/main" val="1469867416"/>
+        <p14:creationId xmlns:p14="http://schemas.microsoft.com/office/powerpoint/2010/main" val="2103760814"/>
       </p:ext>
     </p:extLst>
   </p:cSld>
@@ -17724,7 +21705,7 @@
 </p:sld>
 </file>
 
-<file path=ppt/slides/slide80.xml><?xml version="1.0" encoding="utf-8"?>
+<file path=ppt/slides/slide96.xml><?xml version="1.0" encoding="utf-8"?>
 <p:sld xmlns:a="http://schemas.openxmlformats.org/drawingml/2006/main" xmlns:r="http://schemas.openxmlformats.org/officeDocument/2006/relationships" xmlns:p="http://schemas.openxmlformats.org/presentationml/2006/main">
   <p:cSld>
     <p:spTree>
@@ -17870,80 +21851,6 @@
     <p:extLst>
       <p:ext uri="{BB962C8B-B14F-4D97-AF65-F5344CB8AC3E}">
         <p14:creationId xmlns:p14="http://schemas.microsoft.com/office/powerpoint/2010/main" val="1663437010"/>
-      </p:ext>
-    </p:extLst>
-  </p:cSld>
-  <p:clrMapOvr>
-    <a:masterClrMapping/>
-  </p:clrMapOvr>
-</p:sld>
-</file>
-
-<file path=ppt/slides/slide9.xml><?xml version="1.0" encoding="utf-8"?>
-<p:sld xmlns:a="http://schemas.openxmlformats.org/drawingml/2006/main" xmlns:r="http://schemas.openxmlformats.org/officeDocument/2006/relationships" xmlns:p="http://schemas.openxmlformats.org/presentationml/2006/main">
-  <p:cSld>
-    <p:spTree>
-      <p:nvGrpSpPr>
-        <p:cNvPr id="1" name=""/>
-        <p:cNvGrpSpPr/>
-        <p:nvPr/>
-      </p:nvGrpSpPr>
-      <p:grpSpPr>
-        <a:xfrm>
-          <a:off x="0" y="0"/>
-          <a:ext cx="0" cy="0"/>
-          <a:chOff x="0" y="0"/>
-          <a:chExt cx="0" cy="0"/>
-        </a:xfrm>
-      </p:grpSpPr>
-      <p:sp>
-        <p:nvSpPr>
-          <p:cNvPr id="4" name="TextBox 3">
-            <a:extLst>
-              <a:ext uri="{FF2B5EF4-FFF2-40B4-BE49-F238E27FC236}">
-                <a16:creationId xmlns:a16="http://schemas.microsoft.com/office/drawing/2014/main" id="{3C6FD1E6-15D2-4296-A885-7E8D8B4AD957}"/>
-              </a:ext>
-            </a:extLst>
-          </p:cNvPr>
-          <p:cNvSpPr txBox="1"/>
-          <p:nvPr/>
-        </p:nvSpPr>
-        <p:spPr>
-          <a:xfrm>
-            <a:off x="4598474" y="2398644"/>
-            <a:ext cx="2350323" cy="830997"/>
-          </a:xfrm>
-          <a:prstGeom prst="rect">
-            <a:avLst/>
-          </a:prstGeom>
-          <a:noFill/>
-        </p:spPr>
-        <p:txBody>
-          <a:bodyPr wrap="none" rtlCol="0">
-            <a:spAutoFit/>
-          </a:bodyPr>
-          <a:lstStyle/>
-          <a:p>
-            <a:r>
-              <a:rPr lang="en-US" sz="4800" dirty="0">
-                <a:solidFill>
-                  <a:srgbClr val="00FF00"/>
-                </a:solidFill>
-              </a:rPr>
-              <a:t>Colossus</a:t>
-            </a:r>
-            <a:endParaRPr lang="vi-VN" sz="4800" dirty="0">
-              <a:solidFill>
-                <a:srgbClr val="00FF00"/>
-              </a:solidFill>
-            </a:endParaRPr>
-          </a:p>
-        </p:txBody>
-      </p:sp>
-    </p:spTree>
-    <p:extLst>
-      <p:ext uri="{BB962C8B-B14F-4D97-AF65-F5344CB8AC3E}">
-        <p14:creationId xmlns:p14="http://schemas.microsoft.com/office/powerpoint/2010/main" val="3832117688"/>
       </p:ext>
     </p:extLst>
   </p:cSld>
